--- a/Project Proposal.pptx
+++ b/Project Proposal.pptx
@@ -1,26 +1,26 @@
 
 <file path=ppt/presentation.xml><?xml version="1.0" encoding="utf-8"?>
-<p:presentation xmlns:a="http://schemas.openxmlformats.org/drawingml/2006/main" xmlns:r="http://schemas.openxmlformats.org/officeDocument/2006/relationships" xmlns:mc="http://schemas.openxmlformats.org/markup-compatibility/2006" xmlns:mv="urn:schemas-microsoft-com:mac:vml" xmlns:p="http://schemas.openxmlformats.org/presentationml/2006/main" xmlns:c="http://schemas.openxmlformats.org/drawingml/2006/chart" xmlns:dgm="http://schemas.openxmlformats.org/drawingml/2006/diagram" xmlns:o="urn:schemas-microsoft-com:office:office" xmlns:v="urn:schemas-microsoft-com:vml" xmlns:pvml="urn:schemas-microsoft-com:office:powerpoint" xmlns:com="http://schemas.openxmlformats.org/drawingml/2006/compatibility" xmlns:p14="http://schemas.microsoft.com/office/powerpoint/2010/main" xmlns:p15="http://schemas.microsoft.com/office/powerpoint/2012/main" xmlns:ahyp="http://schemas.microsoft.com/office/drawing/2018/hyperlinkcolor" autoCompressPictures="0" strictFirstAndLastChars="0" saveSubsetFonts="1">
+<p:presentation xmlns:a="http://schemas.openxmlformats.org/drawingml/2006/main" xmlns:r="http://schemas.openxmlformats.org/officeDocument/2006/relationships" xmlns:p="http://schemas.openxmlformats.org/presentationml/2006/main" strictFirstAndLastChars="0" saveSubsetFonts="1" autoCompressPictures="0">
   <p:sldMasterIdLst>
-    <p:sldMasterId id="2147483659" r:id="rId5"/>
+    <p:sldMasterId id="2147483659" r:id="rId1"/>
   </p:sldMasterIdLst>
   <p:notesMasterIdLst>
-    <p:notesMasterId r:id="rId6"/>
+    <p:notesMasterId r:id="rId10"/>
   </p:notesMasterIdLst>
   <p:sldIdLst>
-    <p:sldId id="256" r:id="rId7"/>
-    <p:sldId id="257" r:id="rId8"/>
-    <p:sldId id="258" r:id="rId9"/>
-    <p:sldId id="259" r:id="rId10"/>
-    <p:sldId id="260" r:id="rId11"/>
-    <p:sldId id="261" r:id="rId12"/>
-    <p:sldId id="262" r:id="rId13"/>
-    <p:sldId id="263" r:id="rId14"/>
+    <p:sldId id="256" r:id="rId2"/>
+    <p:sldId id="257" r:id="rId3"/>
+    <p:sldId id="258" r:id="rId4"/>
+    <p:sldId id="259" r:id="rId5"/>
+    <p:sldId id="260" r:id="rId6"/>
+    <p:sldId id="261" r:id="rId7"/>
+    <p:sldId id="262" r:id="rId8"/>
+    <p:sldId id="263" r:id="rId9"/>
   </p:sldIdLst>
-  <p:sldSz cy="5143500" cx="9144000"/>
+  <p:sldSz cx="9144000" cy="5143500" type="screen16x9"/>
   <p:notesSz cx="6858000" cy="9144000"/>
   <p:defaultTextStyle>
-    <a:defPPr lvl="0" marR="0" rtl="0" algn="l">
+    <a:defPPr marR="0" lvl="0" algn="l" rtl="0">
       <a:lnSpc>
         <a:spcPct val="100000"/>
       </a:lnSpc>
@@ -31,7 +31,7 @@
         <a:spcPts val="0"/>
       </a:spcAft>
     </a:defPPr>
-    <a:lvl1pPr lvl="0" marR="0" rtl="0" algn="l">
+    <a:lvl1pPr marR="0" lvl="0" algn="l" rtl="0">
       <a:lnSpc>
         <a:spcPct val="100000"/>
       </a:lnSpc>
@@ -45,7 +45,7 @@
         <a:srgbClr val="000000"/>
       </a:buClr>
       <a:buFont typeface="Arial"/>
-      <a:defRPr b="0" i="0" sz="1400" u="none" cap="none" strike="noStrike">
+      <a:defRPr sz="1400" b="0" i="0" u="none" strike="noStrike" cap="none">
         <a:solidFill>
           <a:srgbClr val="000000"/>
         </a:solidFill>
@@ -55,7 +55,7 @@
         <a:sym typeface="Arial"/>
       </a:defRPr>
     </a:lvl1pPr>
-    <a:lvl2pPr lvl="1" marR="0" rtl="0" algn="l">
+    <a:lvl2pPr marR="0" lvl="1" algn="l" rtl="0">
       <a:lnSpc>
         <a:spcPct val="100000"/>
       </a:lnSpc>
@@ -69,7 +69,7 @@
         <a:srgbClr val="000000"/>
       </a:buClr>
       <a:buFont typeface="Arial"/>
-      <a:defRPr b="0" i="0" sz="1400" u="none" cap="none" strike="noStrike">
+      <a:defRPr sz="1400" b="0" i="0" u="none" strike="noStrike" cap="none">
         <a:solidFill>
           <a:srgbClr val="000000"/>
         </a:solidFill>
@@ -79,7 +79,7 @@
         <a:sym typeface="Arial"/>
       </a:defRPr>
     </a:lvl2pPr>
-    <a:lvl3pPr lvl="2" marR="0" rtl="0" algn="l">
+    <a:lvl3pPr marR="0" lvl="2" algn="l" rtl="0">
       <a:lnSpc>
         <a:spcPct val="100000"/>
       </a:lnSpc>
@@ -93,7 +93,7 @@
         <a:srgbClr val="000000"/>
       </a:buClr>
       <a:buFont typeface="Arial"/>
-      <a:defRPr b="0" i="0" sz="1400" u="none" cap="none" strike="noStrike">
+      <a:defRPr sz="1400" b="0" i="0" u="none" strike="noStrike" cap="none">
         <a:solidFill>
           <a:srgbClr val="000000"/>
         </a:solidFill>
@@ -103,7 +103,7 @@
         <a:sym typeface="Arial"/>
       </a:defRPr>
     </a:lvl3pPr>
-    <a:lvl4pPr lvl="3" marR="0" rtl="0" algn="l">
+    <a:lvl4pPr marR="0" lvl="3" algn="l" rtl="0">
       <a:lnSpc>
         <a:spcPct val="100000"/>
       </a:lnSpc>
@@ -117,7 +117,7 @@
         <a:srgbClr val="000000"/>
       </a:buClr>
       <a:buFont typeface="Arial"/>
-      <a:defRPr b="0" i="0" sz="1400" u="none" cap="none" strike="noStrike">
+      <a:defRPr sz="1400" b="0" i="0" u="none" strike="noStrike" cap="none">
         <a:solidFill>
           <a:srgbClr val="000000"/>
         </a:solidFill>
@@ -127,7 +127,7 @@
         <a:sym typeface="Arial"/>
       </a:defRPr>
     </a:lvl4pPr>
-    <a:lvl5pPr lvl="4" marR="0" rtl="0" algn="l">
+    <a:lvl5pPr marR="0" lvl="4" algn="l" rtl="0">
       <a:lnSpc>
         <a:spcPct val="100000"/>
       </a:lnSpc>
@@ -141,7 +141,7 @@
         <a:srgbClr val="000000"/>
       </a:buClr>
       <a:buFont typeface="Arial"/>
-      <a:defRPr b="0" i="0" sz="1400" u="none" cap="none" strike="noStrike">
+      <a:defRPr sz="1400" b="0" i="0" u="none" strike="noStrike" cap="none">
         <a:solidFill>
           <a:srgbClr val="000000"/>
         </a:solidFill>
@@ -151,7 +151,7 @@
         <a:sym typeface="Arial"/>
       </a:defRPr>
     </a:lvl5pPr>
-    <a:lvl6pPr lvl="5" marR="0" rtl="0" algn="l">
+    <a:lvl6pPr marR="0" lvl="5" algn="l" rtl="0">
       <a:lnSpc>
         <a:spcPct val="100000"/>
       </a:lnSpc>
@@ -165,7 +165,7 @@
         <a:srgbClr val="000000"/>
       </a:buClr>
       <a:buFont typeface="Arial"/>
-      <a:defRPr b="0" i="0" sz="1400" u="none" cap="none" strike="noStrike">
+      <a:defRPr sz="1400" b="0" i="0" u="none" strike="noStrike" cap="none">
         <a:solidFill>
           <a:srgbClr val="000000"/>
         </a:solidFill>
@@ -175,7 +175,7 @@
         <a:sym typeface="Arial"/>
       </a:defRPr>
     </a:lvl6pPr>
-    <a:lvl7pPr lvl="6" marR="0" rtl="0" algn="l">
+    <a:lvl7pPr marR="0" lvl="6" algn="l" rtl="0">
       <a:lnSpc>
         <a:spcPct val="100000"/>
       </a:lnSpc>
@@ -189,7 +189,7 @@
         <a:srgbClr val="000000"/>
       </a:buClr>
       <a:buFont typeface="Arial"/>
-      <a:defRPr b="0" i="0" sz="1400" u="none" cap="none" strike="noStrike">
+      <a:defRPr sz="1400" b="0" i="0" u="none" strike="noStrike" cap="none">
         <a:solidFill>
           <a:srgbClr val="000000"/>
         </a:solidFill>
@@ -199,7 +199,7 @@
         <a:sym typeface="Arial"/>
       </a:defRPr>
     </a:lvl7pPr>
-    <a:lvl8pPr lvl="7" marR="0" rtl="0" algn="l">
+    <a:lvl8pPr marR="0" lvl="7" algn="l" rtl="0">
       <a:lnSpc>
         <a:spcPct val="100000"/>
       </a:lnSpc>
@@ -213,7 +213,7 @@
         <a:srgbClr val="000000"/>
       </a:buClr>
       <a:buFont typeface="Arial"/>
-      <a:defRPr b="0" i="0" sz="1400" u="none" cap="none" strike="noStrike">
+      <a:defRPr sz="1400" b="0" i="0" u="none" strike="noStrike" cap="none">
         <a:solidFill>
           <a:srgbClr val="000000"/>
         </a:solidFill>
@@ -223,7 +223,7 @@
         <a:sym typeface="Arial"/>
       </a:defRPr>
     </a:lvl8pPr>
-    <a:lvl9pPr lvl="8" marR="0" rtl="0" algn="l">
+    <a:lvl9pPr marR="0" lvl="8" algn="l" rtl="0">
       <a:lnSpc>
         <a:spcPct val="100000"/>
       </a:lnSpc>
@@ -237,7 +237,7 @@
         <a:srgbClr val="000000"/>
       </a:buClr>
       <a:buFont typeface="Arial"/>
-      <a:defRPr b="0" i="0" sz="1400" u="none" cap="none" strike="noStrike">
+      <a:defRPr sz="1400" b="0" i="0" u="none" strike="noStrike" cap="none">
         <a:solidFill>
           <a:srgbClr val="000000"/>
         </a:solidFill>
@@ -250,7 +250,7 @@
   </p:defaultTextStyle>
   <p:extLst>
     <p:ext uri="{EFAFB233-063F-42B5-8137-9DF3F51BA10A}">
-      <p15:sldGuideLst>
+      <p15:sldGuideLst xmlns:p15="http://schemas.microsoft.com/office/powerpoint/2012/main">
         <p15:guide id="1" orient="horz" pos="1620">
           <p15:clr>
             <a:srgbClr val="A4A3A4"/>
@@ -268,11 +268,16 @@
 </file>
 
 <file path=ppt/notesMasters/notesMaster1.xml><?xml version="1.0" encoding="utf-8"?>
-<p:notesMaster xmlns:a="http://schemas.openxmlformats.org/drawingml/2006/main" xmlns:r="http://schemas.openxmlformats.org/officeDocument/2006/relationships" xmlns:mc="http://schemas.openxmlformats.org/markup-compatibility/2006" xmlns:mv="urn:schemas-microsoft-com:mac:vml" xmlns:p="http://schemas.openxmlformats.org/presentationml/2006/main" xmlns:c="http://schemas.openxmlformats.org/drawingml/2006/chart" xmlns:dgm="http://schemas.openxmlformats.org/drawingml/2006/diagram" xmlns:o="urn:schemas-microsoft-com:office:office" xmlns:v="urn:schemas-microsoft-com:vml" xmlns:pvml="urn:schemas-microsoft-com:office:powerpoint" xmlns:com="http://schemas.openxmlformats.org/drawingml/2006/compatibility" xmlns:p14="http://schemas.microsoft.com/office/powerpoint/2010/main" xmlns:p15="http://schemas.microsoft.com/office/powerpoint/2012/main" xmlns:ahyp="http://schemas.microsoft.com/office/drawing/2018/hyperlinkcolor">
+<p:notesMaster xmlns:a="http://schemas.openxmlformats.org/drawingml/2006/main" xmlns:r="http://schemas.openxmlformats.org/officeDocument/2006/relationships" xmlns:p="http://schemas.openxmlformats.org/presentationml/2006/main">
   <p:cSld>
+    <p:bg>
+      <p:bgRef idx="1001">
+        <a:schemeClr val="bg1"/>
+      </p:bgRef>
+    </p:bg>
     <p:spTree>
       <p:nvGrpSpPr>
-        <p:cNvPr id="2" name="Shape 2"/>
+        <p:cNvPr id="1" name="Shape 2"/>
         <p:cNvGrpSpPr/>
         <p:nvPr/>
       </p:nvGrpSpPr>
@@ -287,9 +292,11 @@
       <p:sp>
         <p:nvSpPr>
           <p:cNvPr id="3" name="Google Shape;3;n"/>
-          <p:cNvSpPr/>
+          <p:cNvSpPr>
+            <a:spLocks noGrp="1" noRot="1" noChangeAspect="1"/>
+          </p:cNvSpPr>
           <p:nvPr>
-            <p:ph idx="2" type="sldImg"/>
+            <p:ph type="sldImg" idx="2"/>
           </p:nvPr>
         </p:nvSpPr>
         <p:spPr>
@@ -298,9 +305,13 @@
             <a:ext cx="6096075" cy="3429000"/>
           </a:xfrm>
           <a:custGeom>
-            <a:rect b="b" l="l" r="r" t="t"/>
+            <a:avLst/>
+            <a:gdLst/>
+            <a:ahLst/>
+            <a:cxnLst/>
+            <a:rect l="l" t="t" r="r" b="b"/>
             <a:pathLst>
-              <a:path extrusionOk="0" h="120000" w="120000">
+              <a:path w="120000" h="120000" extrusionOk="0">
                 <a:moveTo>
                   <a:pt x="0" y="0"/>
                 </a:moveTo>
@@ -318,23 +329,25 @@
             </a:pathLst>
           </a:custGeom>
           <a:noFill/>
-          <a:ln cap="flat" cmpd="sng" w="9525">
+          <a:ln w="9525" cap="flat" cmpd="sng">
             <a:solidFill>
               <a:srgbClr val="000000"/>
             </a:solidFill>
             <a:prstDash val="solid"/>
             <a:round/>
-            <a:headEnd len="sm" w="sm" type="none"/>
-            <a:tailEnd len="sm" w="sm" type="none"/>
+            <a:headEnd type="none" w="sm" len="sm"/>
+            <a:tailEnd type="none" w="sm" len="sm"/>
           </a:ln>
         </p:spPr>
       </p:sp>
       <p:sp>
         <p:nvSpPr>
           <p:cNvPr id="4" name="Google Shape;4;n"/>
-          <p:cNvSpPr txBox="1"/>
+          <p:cNvSpPr txBox="1">
+            <a:spLocks noGrp="1"/>
+          </p:cNvSpPr>
           <p:nvPr>
-            <p:ph idx="1" type="body"/>
+            <p:ph type="body" idx="1"/>
           </p:nvPr>
         </p:nvSpPr>
         <p:spPr>
@@ -351,11 +364,11 @@
           </a:ln>
         </p:spPr>
         <p:txBody>
-          <a:bodyPr anchorCtr="0" anchor="t" bIns="91425" lIns="91425" spcFirstLastPara="1" rIns="91425" wrap="square" tIns="91425">
+          <a:bodyPr spcFirstLastPara="1" wrap="square" lIns="91425" tIns="91425" rIns="91425" bIns="91425" anchor="t" anchorCtr="0">
             <a:noAutofit/>
           </a:bodyPr>
           <a:lstStyle>
-            <a:lvl1pPr indent="-298450" lvl="0" marL="457200">
+            <a:lvl1pPr marL="457200" lvl="0" indent="-298450">
               <a:spcBef>
                 <a:spcPts val="0"/>
               </a:spcBef>
@@ -366,7 +379,7 @@
               <a:buChar char="●"/>
               <a:defRPr sz="1100"/>
             </a:lvl1pPr>
-            <a:lvl2pPr indent="-298450" lvl="1" marL="914400">
+            <a:lvl2pPr marL="914400" lvl="1" indent="-298450">
               <a:spcBef>
                 <a:spcPts val="0"/>
               </a:spcBef>
@@ -377,7 +390,7 @@
               <a:buChar char="○"/>
               <a:defRPr sz="1100"/>
             </a:lvl2pPr>
-            <a:lvl3pPr indent="-298450" lvl="2" marL="1371600">
+            <a:lvl3pPr marL="1371600" lvl="2" indent="-298450">
               <a:spcBef>
                 <a:spcPts val="0"/>
               </a:spcBef>
@@ -388,7 +401,7 @@
               <a:buChar char="■"/>
               <a:defRPr sz="1100"/>
             </a:lvl3pPr>
-            <a:lvl4pPr indent="-298450" lvl="3" marL="1828800">
+            <a:lvl4pPr marL="1828800" lvl="3" indent="-298450">
               <a:spcBef>
                 <a:spcPts val="0"/>
               </a:spcBef>
@@ -399,7 +412,7 @@
               <a:buChar char="●"/>
               <a:defRPr sz="1100"/>
             </a:lvl4pPr>
-            <a:lvl5pPr indent="-298450" lvl="4" marL="2286000">
+            <a:lvl5pPr marL="2286000" lvl="4" indent="-298450">
               <a:spcBef>
                 <a:spcPts val="0"/>
               </a:spcBef>
@@ -410,7 +423,7 @@
               <a:buChar char="○"/>
               <a:defRPr sz="1100"/>
             </a:lvl5pPr>
-            <a:lvl6pPr indent="-298450" lvl="5" marL="2743200">
+            <a:lvl6pPr marL="2743200" lvl="5" indent="-298450">
               <a:spcBef>
                 <a:spcPts val="0"/>
               </a:spcBef>
@@ -421,7 +434,7 @@
               <a:buChar char="■"/>
               <a:defRPr sz="1100"/>
             </a:lvl6pPr>
-            <a:lvl7pPr indent="-298450" lvl="6" marL="3200400">
+            <a:lvl7pPr marL="3200400" lvl="6" indent="-298450">
               <a:spcBef>
                 <a:spcPts val="0"/>
               </a:spcBef>
@@ -432,7 +445,7 @@
               <a:buChar char="●"/>
               <a:defRPr sz="1100"/>
             </a:lvl7pPr>
-            <a:lvl8pPr indent="-298450" lvl="7" marL="3657600">
+            <a:lvl8pPr marL="3657600" lvl="7" indent="-298450">
               <a:spcBef>
                 <a:spcPts val="0"/>
               </a:spcBef>
@@ -443,7 +456,7 @@
               <a:buChar char="○"/>
               <a:defRPr sz="1100"/>
             </a:lvl8pPr>
-            <a:lvl9pPr indent="-298450" lvl="8" marL="4114800">
+            <a:lvl9pPr marL="4114800" lvl="8" indent="-298450">
               <a:spcBef>
                 <a:spcPts val="0"/>
               </a:spcBef>
@@ -455,14 +468,16 @@
               <a:defRPr sz="1100"/>
             </a:lvl9pPr>
           </a:lstStyle>
-          <a:p/>
+          <a:p>
+            <a:endParaRPr/>
+          </a:p>
         </p:txBody>
       </p:sp>
     </p:spTree>
   </p:cSld>
-  <p:clrMap accent1="accent1" accent2="accent2" accent3="accent3" accent4="accent4" accent5="accent5" accent6="accent6" bg1="lt1" bg2="dk2" tx1="dk1" tx2="lt2" folHlink="folHlink" hlink="hlink"/>
+  <p:clrMap bg1="lt1" tx1="dk1" bg2="dk2" tx2="lt2" accent1="accent1" accent2="accent2" accent3="accent3" accent4="accent4" accent5="accent5" accent6="accent6" hlink="hlink" folHlink="folHlink"/>
   <p:notesStyle>
-    <a:defPPr lvl="0" marR="0" rtl="0" algn="l">
+    <a:defPPr marR="0" lvl="0" algn="l" rtl="0">
       <a:lnSpc>
         <a:spcPct val="100000"/>
       </a:lnSpc>
@@ -473,7 +488,7 @@
         <a:spcPts val="0"/>
       </a:spcAft>
     </a:defPPr>
-    <a:lvl1pPr lvl="0" marR="0" rtl="0" algn="l">
+    <a:lvl1pPr marR="0" lvl="0" algn="l" rtl="0">
       <a:lnSpc>
         <a:spcPct val="100000"/>
       </a:lnSpc>
@@ -487,7 +502,7 @@
         <a:srgbClr val="000000"/>
       </a:buClr>
       <a:buFont typeface="Arial"/>
-      <a:defRPr b="0" i="0" sz="1400" u="none" cap="none" strike="noStrike">
+      <a:defRPr sz="1400" b="0" i="0" u="none" strike="noStrike" cap="none">
         <a:solidFill>
           <a:srgbClr val="000000"/>
         </a:solidFill>
@@ -497,7 +512,7 @@
         <a:sym typeface="Arial"/>
       </a:defRPr>
     </a:lvl1pPr>
-    <a:lvl2pPr lvl="1" marR="0" rtl="0" algn="l">
+    <a:lvl2pPr marR="0" lvl="1" algn="l" rtl="0">
       <a:lnSpc>
         <a:spcPct val="100000"/>
       </a:lnSpc>
@@ -511,7 +526,7 @@
         <a:srgbClr val="000000"/>
       </a:buClr>
       <a:buFont typeface="Arial"/>
-      <a:defRPr b="0" i="0" sz="1400" u="none" cap="none" strike="noStrike">
+      <a:defRPr sz="1400" b="0" i="0" u="none" strike="noStrike" cap="none">
         <a:solidFill>
           <a:srgbClr val="000000"/>
         </a:solidFill>
@@ -521,7 +536,7 @@
         <a:sym typeface="Arial"/>
       </a:defRPr>
     </a:lvl2pPr>
-    <a:lvl3pPr lvl="2" marR="0" rtl="0" algn="l">
+    <a:lvl3pPr marR="0" lvl="2" algn="l" rtl="0">
       <a:lnSpc>
         <a:spcPct val="100000"/>
       </a:lnSpc>
@@ -535,7 +550,7 @@
         <a:srgbClr val="000000"/>
       </a:buClr>
       <a:buFont typeface="Arial"/>
-      <a:defRPr b="0" i="0" sz="1400" u="none" cap="none" strike="noStrike">
+      <a:defRPr sz="1400" b="0" i="0" u="none" strike="noStrike" cap="none">
         <a:solidFill>
           <a:srgbClr val="000000"/>
         </a:solidFill>
@@ -545,7 +560,7 @@
         <a:sym typeface="Arial"/>
       </a:defRPr>
     </a:lvl3pPr>
-    <a:lvl4pPr lvl="3" marR="0" rtl="0" algn="l">
+    <a:lvl4pPr marR="0" lvl="3" algn="l" rtl="0">
       <a:lnSpc>
         <a:spcPct val="100000"/>
       </a:lnSpc>
@@ -559,7 +574,7 @@
         <a:srgbClr val="000000"/>
       </a:buClr>
       <a:buFont typeface="Arial"/>
-      <a:defRPr b="0" i="0" sz="1400" u="none" cap="none" strike="noStrike">
+      <a:defRPr sz="1400" b="0" i="0" u="none" strike="noStrike" cap="none">
         <a:solidFill>
           <a:srgbClr val="000000"/>
         </a:solidFill>
@@ -569,7 +584,7 @@
         <a:sym typeface="Arial"/>
       </a:defRPr>
     </a:lvl4pPr>
-    <a:lvl5pPr lvl="4" marR="0" rtl="0" algn="l">
+    <a:lvl5pPr marR="0" lvl="4" algn="l" rtl="0">
       <a:lnSpc>
         <a:spcPct val="100000"/>
       </a:lnSpc>
@@ -583,7 +598,7 @@
         <a:srgbClr val="000000"/>
       </a:buClr>
       <a:buFont typeface="Arial"/>
-      <a:defRPr b="0" i="0" sz="1400" u="none" cap="none" strike="noStrike">
+      <a:defRPr sz="1400" b="0" i="0" u="none" strike="noStrike" cap="none">
         <a:solidFill>
           <a:srgbClr val="000000"/>
         </a:solidFill>
@@ -593,7 +608,7 @@
         <a:sym typeface="Arial"/>
       </a:defRPr>
     </a:lvl5pPr>
-    <a:lvl6pPr lvl="5" marR="0" rtl="0" algn="l">
+    <a:lvl6pPr marR="0" lvl="5" algn="l" rtl="0">
       <a:lnSpc>
         <a:spcPct val="100000"/>
       </a:lnSpc>
@@ -607,7 +622,7 @@
         <a:srgbClr val="000000"/>
       </a:buClr>
       <a:buFont typeface="Arial"/>
-      <a:defRPr b="0" i="0" sz="1400" u="none" cap="none" strike="noStrike">
+      <a:defRPr sz="1400" b="0" i="0" u="none" strike="noStrike" cap="none">
         <a:solidFill>
           <a:srgbClr val="000000"/>
         </a:solidFill>
@@ -617,7 +632,7 @@
         <a:sym typeface="Arial"/>
       </a:defRPr>
     </a:lvl6pPr>
-    <a:lvl7pPr lvl="6" marR="0" rtl="0" algn="l">
+    <a:lvl7pPr marR="0" lvl="6" algn="l" rtl="0">
       <a:lnSpc>
         <a:spcPct val="100000"/>
       </a:lnSpc>
@@ -631,7 +646,7 @@
         <a:srgbClr val="000000"/>
       </a:buClr>
       <a:buFont typeface="Arial"/>
-      <a:defRPr b="0" i="0" sz="1400" u="none" cap="none" strike="noStrike">
+      <a:defRPr sz="1400" b="0" i="0" u="none" strike="noStrike" cap="none">
         <a:solidFill>
           <a:srgbClr val="000000"/>
         </a:solidFill>
@@ -641,7 +656,7 @@
         <a:sym typeface="Arial"/>
       </a:defRPr>
     </a:lvl7pPr>
-    <a:lvl8pPr lvl="7" marR="0" rtl="0" algn="l">
+    <a:lvl8pPr marR="0" lvl="7" algn="l" rtl="0">
       <a:lnSpc>
         <a:spcPct val="100000"/>
       </a:lnSpc>
@@ -655,7 +670,7 @@
         <a:srgbClr val="000000"/>
       </a:buClr>
       <a:buFont typeface="Arial"/>
-      <a:defRPr b="0" i="0" sz="1400" u="none" cap="none" strike="noStrike">
+      <a:defRPr sz="1400" b="0" i="0" u="none" strike="noStrike" cap="none">
         <a:solidFill>
           <a:srgbClr val="000000"/>
         </a:solidFill>
@@ -665,7 +680,7 @@
         <a:sym typeface="Arial"/>
       </a:defRPr>
     </a:lvl8pPr>
-    <a:lvl9pPr lvl="8" marR="0" rtl="0" algn="l">
+    <a:lvl9pPr marR="0" lvl="8" algn="l" rtl="0">
       <a:lnSpc>
         <a:spcPct val="100000"/>
       </a:lnSpc>
@@ -679,7 +694,7 @@
         <a:srgbClr val="000000"/>
       </a:buClr>
       <a:buFont typeface="Arial"/>
-      <a:defRPr b="0" i="0" sz="1400" u="none" cap="none" strike="noStrike">
+      <a:defRPr sz="1400" b="0" i="0" u="none" strike="noStrike" cap="none">
         <a:solidFill>
           <a:srgbClr val="000000"/>
         </a:solidFill>
@@ -694,11 +709,11 @@
 </file>
 
 <file path=ppt/notesSlides/notesSlide1.xml><?xml version="1.0" encoding="utf-8"?>
-<p:notes xmlns:a="http://schemas.openxmlformats.org/drawingml/2006/main" xmlns:r="http://schemas.openxmlformats.org/officeDocument/2006/relationships" xmlns:mc="http://schemas.openxmlformats.org/markup-compatibility/2006" xmlns:mv="urn:schemas-microsoft-com:mac:vml" xmlns:p="http://schemas.openxmlformats.org/presentationml/2006/main" xmlns:c="http://schemas.openxmlformats.org/drawingml/2006/chart" xmlns:dgm="http://schemas.openxmlformats.org/drawingml/2006/diagram" xmlns:o="urn:schemas-microsoft-com:office:office" xmlns:v="urn:schemas-microsoft-com:vml" xmlns:pvml="urn:schemas-microsoft-com:office:powerpoint" xmlns:com="http://schemas.openxmlformats.org/drawingml/2006/compatibility" xmlns:p14="http://schemas.microsoft.com/office/powerpoint/2010/main" xmlns:p15="http://schemas.microsoft.com/office/powerpoint/2012/main" xmlns:ahyp="http://schemas.microsoft.com/office/drawing/2018/hyperlinkcolor" showMasterPhAnim="0" showMasterSp="0">
+<p:notes xmlns:a="http://schemas.openxmlformats.org/drawingml/2006/main" xmlns:r="http://schemas.openxmlformats.org/officeDocument/2006/relationships" xmlns:p="http://schemas.openxmlformats.org/presentationml/2006/main" showMasterSp="0" showMasterPhAnim="0">
   <p:cSld>
     <p:spTree>
       <p:nvGrpSpPr>
-        <p:cNvPr id="50" name="Shape 50"/>
+        <p:cNvPr id="1" name="Shape 50"/>
         <p:cNvGrpSpPr/>
         <p:nvPr/>
       </p:nvGrpSpPr>
@@ -713,20 +728,26 @@
       <p:sp>
         <p:nvSpPr>
           <p:cNvPr id="51" name="Google Shape;51;p:notes"/>
-          <p:cNvSpPr/>
+          <p:cNvSpPr>
+            <a:spLocks noGrp="1" noRot="1" noChangeAspect="1"/>
+          </p:cNvSpPr>
           <p:nvPr>
-            <p:ph idx="2" type="sldImg"/>
+            <p:ph type="sldImg" idx="2"/>
           </p:nvPr>
         </p:nvSpPr>
         <p:spPr>
           <a:xfrm>
-            <a:off x="381300" y="685800"/>
-            <a:ext cx="6096075" cy="3429000"/>
+            <a:off x="381000" y="685800"/>
+            <a:ext cx="6096000" cy="3429000"/>
           </a:xfrm>
           <a:custGeom>
-            <a:rect b="b" l="l" r="r" t="t"/>
+            <a:avLst/>
+            <a:gdLst/>
+            <a:ahLst/>
+            <a:cxnLst/>
+            <a:rect l="l" t="t" r="r" b="b"/>
             <a:pathLst>
-              <a:path extrusionOk="0" h="120000" w="120000">
+              <a:path w="120000" h="120000" extrusionOk="0">
                 <a:moveTo>
                   <a:pt x="0" y="0"/>
                 </a:moveTo>
@@ -748,9 +769,11 @@
       <p:sp>
         <p:nvSpPr>
           <p:cNvPr id="52" name="Google Shape;52;p:notes"/>
-          <p:cNvSpPr txBox="1"/>
+          <p:cNvSpPr txBox="1">
+            <a:spLocks noGrp="1"/>
+          </p:cNvSpPr>
           <p:nvPr>
-            <p:ph idx="1" type="body"/>
+            <p:ph type="body" idx="1"/>
           </p:nvPr>
         </p:nvSpPr>
         <p:spPr>
@@ -763,12 +786,12 @@
           </a:prstGeom>
         </p:spPr>
         <p:txBody>
-          <a:bodyPr anchorCtr="0" anchor="t" bIns="91425" lIns="91425" spcFirstLastPara="1" rIns="91425" wrap="square" tIns="91425">
+          <a:bodyPr spcFirstLastPara="1" wrap="square" lIns="91425" tIns="91425" rIns="91425" bIns="91425" anchor="t" anchorCtr="0">
             <a:noAutofit/>
           </a:bodyPr>
           <a:lstStyle/>
           <a:p>
-            <a:pPr indent="0" lvl="0" marL="0" rtl="0" algn="l">
+            <a:pPr marL="0" lvl="0" indent="0" algn="l" rtl="0">
               <a:spcBef>
                 <a:spcPts val="0"/>
               </a:spcBef>
@@ -777,9 +800,6 @@
               </a:spcAft>
               <a:buNone/>
             </a:pPr>
-            <a:r>
-              <a:t/>
-            </a:r>
             <a:endParaRPr/>
           </a:p>
         </p:txBody>
@@ -793,11 +813,11 @@
 </file>
 
 <file path=ppt/notesSlides/notesSlide2.xml><?xml version="1.0" encoding="utf-8"?>
-<p:notes xmlns:a="http://schemas.openxmlformats.org/drawingml/2006/main" xmlns:r="http://schemas.openxmlformats.org/officeDocument/2006/relationships" xmlns:mc="http://schemas.openxmlformats.org/markup-compatibility/2006" xmlns:mv="urn:schemas-microsoft-com:mac:vml" xmlns:p="http://schemas.openxmlformats.org/presentationml/2006/main" xmlns:c="http://schemas.openxmlformats.org/drawingml/2006/chart" xmlns:dgm="http://schemas.openxmlformats.org/drawingml/2006/diagram" xmlns:o="urn:schemas-microsoft-com:office:office" xmlns:v="urn:schemas-microsoft-com:vml" xmlns:pvml="urn:schemas-microsoft-com:office:powerpoint" xmlns:com="http://schemas.openxmlformats.org/drawingml/2006/compatibility" xmlns:p14="http://schemas.microsoft.com/office/powerpoint/2010/main" xmlns:p15="http://schemas.microsoft.com/office/powerpoint/2012/main" xmlns:ahyp="http://schemas.microsoft.com/office/drawing/2018/hyperlinkcolor" showMasterPhAnim="0" showMasterSp="0">
+<p:notes xmlns:a="http://schemas.openxmlformats.org/drawingml/2006/main" xmlns:r="http://schemas.openxmlformats.org/officeDocument/2006/relationships" xmlns:p="http://schemas.openxmlformats.org/presentationml/2006/main" showMasterSp="0" showMasterPhAnim="0">
   <p:cSld>
     <p:spTree>
       <p:nvGrpSpPr>
-        <p:cNvPr id="56" name="Shape 56"/>
+        <p:cNvPr id="1" name="Shape 56"/>
         <p:cNvGrpSpPr/>
         <p:nvPr/>
       </p:nvGrpSpPr>
@@ -812,20 +832,26 @@
       <p:sp>
         <p:nvSpPr>
           <p:cNvPr id="57" name="Google Shape;57;gef97e51563_0_1:notes"/>
-          <p:cNvSpPr/>
+          <p:cNvSpPr>
+            <a:spLocks noGrp="1" noRot="1" noChangeAspect="1"/>
+          </p:cNvSpPr>
           <p:nvPr>
-            <p:ph idx="2" type="sldImg"/>
+            <p:ph type="sldImg" idx="2"/>
           </p:nvPr>
         </p:nvSpPr>
         <p:spPr>
           <a:xfrm>
-            <a:off x="381300" y="685800"/>
+            <a:off x="381000" y="685800"/>
             <a:ext cx="6096000" cy="3429000"/>
           </a:xfrm>
           <a:custGeom>
-            <a:rect b="b" l="l" r="r" t="t"/>
+            <a:avLst/>
+            <a:gdLst/>
+            <a:ahLst/>
+            <a:cxnLst/>
+            <a:rect l="l" t="t" r="r" b="b"/>
             <a:pathLst>
-              <a:path extrusionOk="0" h="120000" w="120000">
+              <a:path w="120000" h="120000" extrusionOk="0">
                 <a:moveTo>
                   <a:pt x="0" y="0"/>
                 </a:moveTo>
@@ -847,9 +873,11 @@
       <p:sp>
         <p:nvSpPr>
           <p:cNvPr id="58" name="Google Shape;58;gef97e51563_0_1:notes"/>
-          <p:cNvSpPr txBox="1"/>
+          <p:cNvSpPr txBox="1">
+            <a:spLocks noGrp="1"/>
+          </p:cNvSpPr>
           <p:nvPr>
-            <p:ph idx="1" type="body"/>
+            <p:ph type="body" idx="1"/>
           </p:nvPr>
         </p:nvSpPr>
         <p:spPr>
@@ -862,12 +890,12 @@
           </a:prstGeom>
         </p:spPr>
         <p:txBody>
-          <a:bodyPr anchorCtr="0" anchor="t" bIns="91425" lIns="91425" spcFirstLastPara="1" rIns="91425" wrap="square" tIns="91425">
+          <a:bodyPr spcFirstLastPara="1" wrap="square" lIns="91425" tIns="91425" rIns="91425" bIns="91425" anchor="t" anchorCtr="0">
             <a:noAutofit/>
           </a:bodyPr>
           <a:lstStyle/>
           <a:p>
-            <a:pPr indent="0" lvl="0" marL="0" rtl="0" algn="l">
+            <a:pPr marL="0" lvl="0" indent="0" algn="l" rtl="0">
               <a:spcBef>
                 <a:spcPts val="0"/>
               </a:spcBef>
@@ -876,9 +904,6 @@
               </a:spcAft>
               <a:buNone/>
             </a:pPr>
-            <a:r>
-              <a:t/>
-            </a:r>
             <a:endParaRPr/>
           </a:p>
         </p:txBody>
@@ -892,11 +917,11 @@
 </file>
 
 <file path=ppt/notesSlides/notesSlide3.xml><?xml version="1.0" encoding="utf-8"?>
-<p:notes xmlns:a="http://schemas.openxmlformats.org/drawingml/2006/main" xmlns:r="http://schemas.openxmlformats.org/officeDocument/2006/relationships" xmlns:mc="http://schemas.openxmlformats.org/markup-compatibility/2006" xmlns:mv="urn:schemas-microsoft-com:mac:vml" xmlns:p="http://schemas.openxmlformats.org/presentationml/2006/main" xmlns:c="http://schemas.openxmlformats.org/drawingml/2006/chart" xmlns:dgm="http://schemas.openxmlformats.org/drawingml/2006/diagram" xmlns:o="urn:schemas-microsoft-com:office:office" xmlns:v="urn:schemas-microsoft-com:vml" xmlns:pvml="urn:schemas-microsoft-com:office:powerpoint" xmlns:com="http://schemas.openxmlformats.org/drawingml/2006/compatibility" xmlns:p14="http://schemas.microsoft.com/office/powerpoint/2010/main" xmlns:p15="http://schemas.microsoft.com/office/powerpoint/2012/main" xmlns:ahyp="http://schemas.microsoft.com/office/drawing/2018/hyperlinkcolor" showMasterPhAnim="0" showMasterSp="0">
+<p:notes xmlns:a="http://schemas.openxmlformats.org/drawingml/2006/main" xmlns:r="http://schemas.openxmlformats.org/officeDocument/2006/relationships" xmlns:p="http://schemas.openxmlformats.org/presentationml/2006/main" showMasterSp="0" showMasterPhAnim="0">
   <p:cSld>
     <p:spTree>
       <p:nvGrpSpPr>
-        <p:cNvPr id="62" name="Shape 62"/>
+        <p:cNvPr id="1" name="Shape 62"/>
         <p:cNvGrpSpPr/>
         <p:nvPr/>
       </p:nvGrpSpPr>
@@ -911,20 +936,26 @@
       <p:sp>
         <p:nvSpPr>
           <p:cNvPr id="63" name="Google Shape;63;gef9a4631c2_0_0:notes"/>
-          <p:cNvSpPr/>
+          <p:cNvSpPr>
+            <a:spLocks noGrp="1" noRot="1" noChangeAspect="1"/>
+          </p:cNvSpPr>
           <p:nvPr>
-            <p:ph idx="2" type="sldImg"/>
+            <p:ph type="sldImg" idx="2"/>
           </p:nvPr>
         </p:nvSpPr>
         <p:spPr>
           <a:xfrm>
-            <a:off x="381300" y="685800"/>
+            <a:off x="381000" y="685800"/>
             <a:ext cx="6096000" cy="3429000"/>
           </a:xfrm>
           <a:custGeom>
-            <a:rect b="b" l="l" r="r" t="t"/>
+            <a:avLst/>
+            <a:gdLst/>
+            <a:ahLst/>
+            <a:cxnLst/>
+            <a:rect l="l" t="t" r="r" b="b"/>
             <a:pathLst>
-              <a:path extrusionOk="0" h="120000" w="120000">
+              <a:path w="120000" h="120000" extrusionOk="0">
                 <a:moveTo>
                   <a:pt x="0" y="0"/>
                 </a:moveTo>
@@ -946,9 +977,11 @@
       <p:sp>
         <p:nvSpPr>
           <p:cNvPr id="64" name="Google Shape;64;gef9a4631c2_0_0:notes"/>
-          <p:cNvSpPr txBox="1"/>
+          <p:cNvSpPr txBox="1">
+            <a:spLocks noGrp="1"/>
+          </p:cNvSpPr>
           <p:nvPr>
-            <p:ph idx="1" type="body"/>
+            <p:ph type="body" idx="1"/>
           </p:nvPr>
         </p:nvSpPr>
         <p:spPr>
@@ -961,12 +994,12 @@
           </a:prstGeom>
         </p:spPr>
         <p:txBody>
-          <a:bodyPr anchorCtr="0" anchor="t" bIns="91425" lIns="91425" spcFirstLastPara="1" rIns="91425" wrap="square" tIns="91425">
+          <a:bodyPr spcFirstLastPara="1" wrap="square" lIns="91425" tIns="91425" rIns="91425" bIns="91425" anchor="t" anchorCtr="0">
             <a:noAutofit/>
           </a:bodyPr>
           <a:lstStyle/>
           <a:p>
-            <a:pPr indent="0" lvl="0" marL="0" rtl="0" algn="l">
+            <a:pPr marL="0" lvl="0" indent="0" algn="l" rtl="0">
               <a:spcBef>
                 <a:spcPts val="0"/>
               </a:spcBef>
@@ -975,9 +1008,6 @@
               </a:spcAft>
               <a:buNone/>
             </a:pPr>
-            <a:r>
-              <a:t/>
-            </a:r>
             <a:endParaRPr/>
           </a:p>
         </p:txBody>
@@ -991,11 +1021,11 @@
 </file>
 
 <file path=ppt/notesSlides/notesSlide4.xml><?xml version="1.0" encoding="utf-8"?>
-<p:notes xmlns:a="http://schemas.openxmlformats.org/drawingml/2006/main" xmlns:r="http://schemas.openxmlformats.org/officeDocument/2006/relationships" xmlns:mc="http://schemas.openxmlformats.org/markup-compatibility/2006" xmlns:mv="urn:schemas-microsoft-com:mac:vml" xmlns:p="http://schemas.openxmlformats.org/presentationml/2006/main" xmlns:c="http://schemas.openxmlformats.org/drawingml/2006/chart" xmlns:dgm="http://schemas.openxmlformats.org/drawingml/2006/diagram" xmlns:o="urn:schemas-microsoft-com:office:office" xmlns:v="urn:schemas-microsoft-com:vml" xmlns:pvml="urn:schemas-microsoft-com:office:powerpoint" xmlns:com="http://schemas.openxmlformats.org/drawingml/2006/compatibility" xmlns:p14="http://schemas.microsoft.com/office/powerpoint/2010/main" xmlns:p15="http://schemas.microsoft.com/office/powerpoint/2012/main" xmlns:ahyp="http://schemas.microsoft.com/office/drawing/2018/hyperlinkcolor" showMasterPhAnim="0" showMasterSp="0">
+<p:notes xmlns:a="http://schemas.openxmlformats.org/drawingml/2006/main" xmlns:r="http://schemas.openxmlformats.org/officeDocument/2006/relationships" xmlns:p="http://schemas.openxmlformats.org/presentationml/2006/main" showMasterSp="0" showMasterPhAnim="0">
   <p:cSld>
     <p:spTree>
       <p:nvGrpSpPr>
-        <p:cNvPr id="68" name="Shape 68"/>
+        <p:cNvPr id="1" name="Shape 68"/>
         <p:cNvGrpSpPr/>
         <p:nvPr/>
       </p:nvGrpSpPr>
@@ -1010,20 +1040,26 @@
       <p:sp>
         <p:nvSpPr>
           <p:cNvPr id="69" name="Google Shape;69;gf2a763d54d_0_0:notes"/>
-          <p:cNvSpPr/>
+          <p:cNvSpPr>
+            <a:spLocks noGrp="1" noRot="1" noChangeAspect="1"/>
+          </p:cNvSpPr>
           <p:nvPr>
-            <p:ph idx="2" type="sldImg"/>
+            <p:ph type="sldImg" idx="2"/>
           </p:nvPr>
         </p:nvSpPr>
         <p:spPr>
           <a:xfrm>
-            <a:off x="381300" y="685800"/>
+            <a:off x="381000" y="685800"/>
             <a:ext cx="6096000" cy="3429000"/>
           </a:xfrm>
           <a:custGeom>
-            <a:rect b="b" l="l" r="r" t="t"/>
+            <a:avLst/>
+            <a:gdLst/>
+            <a:ahLst/>
+            <a:cxnLst/>
+            <a:rect l="l" t="t" r="r" b="b"/>
             <a:pathLst>
-              <a:path extrusionOk="0" h="120000" w="120000">
+              <a:path w="120000" h="120000" extrusionOk="0">
                 <a:moveTo>
                   <a:pt x="0" y="0"/>
                 </a:moveTo>
@@ -1045,9 +1081,11 @@
       <p:sp>
         <p:nvSpPr>
           <p:cNvPr id="70" name="Google Shape;70;gf2a763d54d_0_0:notes"/>
-          <p:cNvSpPr txBox="1"/>
+          <p:cNvSpPr txBox="1">
+            <a:spLocks noGrp="1"/>
+          </p:cNvSpPr>
           <p:nvPr>
-            <p:ph idx="1" type="body"/>
+            <p:ph type="body" idx="1"/>
           </p:nvPr>
         </p:nvSpPr>
         <p:spPr>
@@ -1060,12 +1098,12 @@
           </a:prstGeom>
         </p:spPr>
         <p:txBody>
-          <a:bodyPr anchorCtr="0" anchor="t" bIns="91425" lIns="91425" spcFirstLastPara="1" rIns="91425" wrap="square" tIns="91425">
+          <a:bodyPr spcFirstLastPara="1" wrap="square" lIns="91425" tIns="91425" rIns="91425" bIns="91425" anchor="t" anchorCtr="0">
             <a:noAutofit/>
           </a:bodyPr>
           <a:lstStyle/>
           <a:p>
-            <a:pPr indent="0" lvl="0" marL="0" rtl="0" algn="l">
+            <a:pPr marL="0" lvl="0" indent="0" algn="l" rtl="0">
               <a:spcBef>
                 <a:spcPts val="0"/>
               </a:spcBef>
@@ -1074,9 +1112,6 @@
               </a:spcAft>
               <a:buNone/>
             </a:pPr>
-            <a:r>
-              <a:t/>
-            </a:r>
             <a:endParaRPr/>
           </a:p>
         </p:txBody>
@@ -1090,11 +1125,11 @@
 </file>
 
 <file path=ppt/notesSlides/notesSlide5.xml><?xml version="1.0" encoding="utf-8"?>
-<p:notes xmlns:a="http://schemas.openxmlformats.org/drawingml/2006/main" xmlns:r="http://schemas.openxmlformats.org/officeDocument/2006/relationships" xmlns:mc="http://schemas.openxmlformats.org/markup-compatibility/2006" xmlns:mv="urn:schemas-microsoft-com:mac:vml" xmlns:p="http://schemas.openxmlformats.org/presentationml/2006/main" xmlns:c="http://schemas.openxmlformats.org/drawingml/2006/chart" xmlns:dgm="http://schemas.openxmlformats.org/drawingml/2006/diagram" xmlns:o="urn:schemas-microsoft-com:office:office" xmlns:v="urn:schemas-microsoft-com:vml" xmlns:pvml="urn:schemas-microsoft-com:office:powerpoint" xmlns:com="http://schemas.openxmlformats.org/drawingml/2006/compatibility" xmlns:p14="http://schemas.microsoft.com/office/powerpoint/2010/main" xmlns:p15="http://schemas.microsoft.com/office/powerpoint/2012/main" xmlns:ahyp="http://schemas.microsoft.com/office/drawing/2018/hyperlinkcolor" showMasterPhAnim="0" showMasterSp="0">
+<p:notes xmlns:a="http://schemas.openxmlformats.org/drawingml/2006/main" xmlns:r="http://schemas.openxmlformats.org/officeDocument/2006/relationships" xmlns:p="http://schemas.openxmlformats.org/presentationml/2006/main" showMasterSp="0" showMasterPhAnim="0">
   <p:cSld>
     <p:spTree>
       <p:nvGrpSpPr>
-        <p:cNvPr id="74" name="Shape 74"/>
+        <p:cNvPr id="1" name="Shape 74"/>
         <p:cNvGrpSpPr/>
         <p:nvPr/>
       </p:nvGrpSpPr>
@@ -1109,20 +1144,26 @@
       <p:sp>
         <p:nvSpPr>
           <p:cNvPr id="75" name="Google Shape;75;gf129e8173c_0_0:notes"/>
-          <p:cNvSpPr/>
+          <p:cNvSpPr>
+            <a:spLocks noGrp="1" noRot="1" noChangeAspect="1"/>
+          </p:cNvSpPr>
           <p:nvPr>
-            <p:ph idx="2" type="sldImg"/>
+            <p:ph type="sldImg" idx="2"/>
           </p:nvPr>
         </p:nvSpPr>
         <p:spPr>
           <a:xfrm>
-            <a:off x="381300" y="685800"/>
+            <a:off x="381000" y="685800"/>
             <a:ext cx="6096000" cy="3429000"/>
           </a:xfrm>
           <a:custGeom>
-            <a:rect b="b" l="l" r="r" t="t"/>
+            <a:avLst/>
+            <a:gdLst/>
+            <a:ahLst/>
+            <a:cxnLst/>
+            <a:rect l="l" t="t" r="r" b="b"/>
             <a:pathLst>
-              <a:path extrusionOk="0" h="120000" w="120000">
+              <a:path w="120000" h="120000" extrusionOk="0">
                 <a:moveTo>
                   <a:pt x="0" y="0"/>
                 </a:moveTo>
@@ -1144,9 +1185,11 @@
       <p:sp>
         <p:nvSpPr>
           <p:cNvPr id="76" name="Google Shape;76;gf129e8173c_0_0:notes"/>
-          <p:cNvSpPr txBox="1"/>
+          <p:cNvSpPr txBox="1">
+            <a:spLocks noGrp="1"/>
+          </p:cNvSpPr>
           <p:nvPr>
-            <p:ph idx="1" type="body"/>
+            <p:ph type="body" idx="1"/>
           </p:nvPr>
         </p:nvSpPr>
         <p:spPr>
@@ -1159,12 +1202,12 @@
           </a:prstGeom>
         </p:spPr>
         <p:txBody>
-          <a:bodyPr anchorCtr="0" anchor="t" bIns="91425" lIns="91425" spcFirstLastPara="1" rIns="91425" wrap="square" tIns="91425">
+          <a:bodyPr spcFirstLastPara="1" wrap="square" lIns="91425" tIns="91425" rIns="91425" bIns="91425" anchor="t" anchorCtr="0">
             <a:noAutofit/>
           </a:bodyPr>
           <a:lstStyle/>
           <a:p>
-            <a:pPr indent="0" lvl="0" marL="0" rtl="0" algn="l">
+            <a:pPr marL="0" lvl="0" indent="0" algn="l" rtl="0">
               <a:spcBef>
                 <a:spcPts val="0"/>
               </a:spcBef>
@@ -1173,9 +1216,6 @@
               </a:spcAft>
               <a:buNone/>
             </a:pPr>
-            <a:r>
-              <a:t/>
-            </a:r>
             <a:endParaRPr/>
           </a:p>
         </p:txBody>
@@ -1189,11 +1229,11 @@
 </file>
 
 <file path=ppt/notesSlides/notesSlide6.xml><?xml version="1.0" encoding="utf-8"?>
-<p:notes xmlns:a="http://schemas.openxmlformats.org/drawingml/2006/main" xmlns:r="http://schemas.openxmlformats.org/officeDocument/2006/relationships" xmlns:mc="http://schemas.openxmlformats.org/markup-compatibility/2006" xmlns:mv="urn:schemas-microsoft-com:mac:vml" xmlns:p="http://schemas.openxmlformats.org/presentationml/2006/main" xmlns:c="http://schemas.openxmlformats.org/drawingml/2006/chart" xmlns:dgm="http://schemas.openxmlformats.org/drawingml/2006/diagram" xmlns:o="urn:schemas-microsoft-com:office:office" xmlns:v="urn:schemas-microsoft-com:vml" xmlns:pvml="urn:schemas-microsoft-com:office:powerpoint" xmlns:com="http://schemas.openxmlformats.org/drawingml/2006/compatibility" xmlns:p14="http://schemas.microsoft.com/office/powerpoint/2010/main" xmlns:p15="http://schemas.microsoft.com/office/powerpoint/2012/main" xmlns:ahyp="http://schemas.microsoft.com/office/drawing/2018/hyperlinkcolor" showMasterPhAnim="0" showMasterSp="0">
+<p:notes xmlns:a="http://schemas.openxmlformats.org/drawingml/2006/main" xmlns:r="http://schemas.openxmlformats.org/officeDocument/2006/relationships" xmlns:p="http://schemas.openxmlformats.org/presentationml/2006/main" showMasterSp="0" showMasterPhAnim="0">
   <p:cSld>
     <p:spTree>
       <p:nvGrpSpPr>
-        <p:cNvPr id="80" name="Shape 80"/>
+        <p:cNvPr id="1" name="Shape 80"/>
         <p:cNvGrpSpPr/>
         <p:nvPr/>
       </p:nvGrpSpPr>
@@ -1208,20 +1248,26 @@
       <p:sp>
         <p:nvSpPr>
           <p:cNvPr id="81" name="Google Shape;81;gf2a763d54d_0_5:notes"/>
-          <p:cNvSpPr/>
+          <p:cNvSpPr>
+            <a:spLocks noGrp="1" noRot="1" noChangeAspect="1"/>
+          </p:cNvSpPr>
           <p:nvPr>
-            <p:ph idx="2" type="sldImg"/>
+            <p:ph type="sldImg" idx="2"/>
           </p:nvPr>
         </p:nvSpPr>
         <p:spPr>
           <a:xfrm>
-            <a:off x="381300" y="685800"/>
+            <a:off x="381000" y="685800"/>
             <a:ext cx="6096000" cy="3429000"/>
           </a:xfrm>
           <a:custGeom>
-            <a:rect b="b" l="l" r="r" t="t"/>
+            <a:avLst/>
+            <a:gdLst/>
+            <a:ahLst/>
+            <a:cxnLst/>
+            <a:rect l="l" t="t" r="r" b="b"/>
             <a:pathLst>
-              <a:path extrusionOk="0" h="120000" w="120000">
+              <a:path w="120000" h="120000" extrusionOk="0">
                 <a:moveTo>
                   <a:pt x="0" y="0"/>
                 </a:moveTo>
@@ -1243,9 +1289,11 @@
       <p:sp>
         <p:nvSpPr>
           <p:cNvPr id="82" name="Google Shape;82;gf2a763d54d_0_5:notes"/>
-          <p:cNvSpPr txBox="1"/>
+          <p:cNvSpPr txBox="1">
+            <a:spLocks noGrp="1"/>
+          </p:cNvSpPr>
           <p:nvPr>
-            <p:ph idx="1" type="body"/>
+            <p:ph type="body" idx="1"/>
           </p:nvPr>
         </p:nvSpPr>
         <p:spPr>
@@ -1258,12 +1306,12 @@
           </a:prstGeom>
         </p:spPr>
         <p:txBody>
-          <a:bodyPr anchorCtr="0" anchor="t" bIns="91425" lIns="91425" spcFirstLastPara="1" rIns="91425" wrap="square" tIns="91425">
+          <a:bodyPr spcFirstLastPara="1" wrap="square" lIns="91425" tIns="91425" rIns="91425" bIns="91425" anchor="t" anchorCtr="0">
             <a:noAutofit/>
           </a:bodyPr>
           <a:lstStyle/>
           <a:p>
-            <a:pPr indent="0" lvl="0" marL="0" rtl="0" algn="l">
+            <a:pPr marL="0" lvl="0" indent="0" algn="l" rtl="0">
               <a:spcBef>
                 <a:spcPts val="0"/>
               </a:spcBef>
@@ -1272,9 +1320,6 @@
               </a:spcAft>
               <a:buNone/>
             </a:pPr>
-            <a:r>
-              <a:t/>
-            </a:r>
             <a:endParaRPr/>
           </a:p>
         </p:txBody>
@@ -1288,11 +1333,11 @@
 </file>
 
 <file path=ppt/notesSlides/notesSlide7.xml><?xml version="1.0" encoding="utf-8"?>
-<p:notes xmlns:a="http://schemas.openxmlformats.org/drawingml/2006/main" xmlns:r="http://schemas.openxmlformats.org/officeDocument/2006/relationships" xmlns:mc="http://schemas.openxmlformats.org/markup-compatibility/2006" xmlns:mv="urn:schemas-microsoft-com:mac:vml" xmlns:p="http://schemas.openxmlformats.org/presentationml/2006/main" xmlns:c="http://schemas.openxmlformats.org/drawingml/2006/chart" xmlns:dgm="http://schemas.openxmlformats.org/drawingml/2006/diagram" xmlns:o="urn:schemas-microsoft-com:office:office" xmlns:v="urn:schemas-microsoft-com:vml" xmlns:pvml="urn:schemas-microsoft-com:office:powerpoint" xmlns:com="http://schemas.openxmlformats.org/drawingml/2006/compatibility" xmlns:p14="http://schemas.microsoft.com/office/powerpoint/2010/main" xmlns:p15="http://schemas.microsoft.com/office/powerpoint/2012/main" xmlns:ahyp="http://schemas.microsoft.com/office/drawing/2018/hyperlinkcolor" showMasterPhAnim="0" showMasterSp="0">
+<p:notes xmlns:a="http://schemas.openxmlformats.org/drawingml/2006/main" xmlns:r="http://schemas.openxmlformats.org/officeDocument/2006/relationships" xmlns:p="http://schemas.openxmlformats.org/presentationml/2006/main" showMasterSp="0" showMasterPhAnim="0">
   <p:cSld>
     <p:spTree>
       <p:nvGrpSpPr>
-        <p:cNvPr id="103" name="Shape 103"/>
+        <p:cNvPr id="1" name="Shape 103"/>
         <p:cNvGrpSpPr/>
         <p:nvPr/>
       </p:nvGrpSpPr>
@@ -1307,20 +1352,26 @@
       <p:sp>
         <p:nvSpPr>
           <p:cNvPr id="104" name="Google Shape;104;gf2e509ea98_0_0:notes"/>
-          <p:cNvSpPr/>
+          <p:cNvSpPr>
+            <a:spLocks noGrp="1" noRot="1" noChangeAspect="1"/>
+          </p:cNvSpPr>
           <p:nvPr>
-            <p:ph idx="2" type="sldImg"/>
+            <p:ph type="sldImg" idx="2"/>
           </p:nvPr>
         </p:nvSpPr>
         <p:spPr>
           <a:xfrm>
-            <a:off x="381300" y="685800"/>
+            <a:off x="381000" y="685800"/>
             <a:ext cx="6096000" cy="3429000"/>
           </a:xfrm>
           <a:custGeom>
-            <a:rect b="b" l="l" r="r" t="t"/>
+            <a:avLst/>
+            <a:gdLst/>
+            <a:ahLst/>
+            <a:cxnLst/>
+            <a:rect l="l" t="t" r="r" b="b"/>
             <a:pathLst>
-              <a:path extrusionOk="0" h="120000" w="120000">
+              <a:path w="120000" h="120000" extrusionOk="0">
                 <a:moveTo>
                   <a:pt x="0" y="0"/>
                 </a:moveTo>
@@ -1342,9 +1393,11 @@
       <p:sp>
         <p:nvSpPr>
           <p:cNvPr id="105" name="Google Shape;105;gf2e509ea98_0_0:notes"/>
-          <p:cNvSpPr txBox="1"/>
+          <p:cNvSpPr txBox="1">
+            <a:spLocks noGrp="1"/>
+          </p:cNvSpPr>
           <p:nvPr>
-            <p:ph idx="1" type="body"/>
+            <p:ph type="body" idx="1"/>
           </p:nvPr>
         </p:nvSpPr>
         <p:spPr>
@@ -1357,12 +1410,12 @@
           </a:prstGeom>
         </p:spPr>
         <p:txBody>
-          <a:bodyPr anchorCtr="0" anchor="t" bIns="91425" lIns="91425" spcFirstLastPara="1" rIns="91425" wrap="square" tIns="91425">
+          <a:bodyPr spcFirstLastPara="1" wrap="square" lIns="91425" tIns="91425" rIns="91425" bIns="91425" anchor="t" anchorCtr="0">
             <a:noAutofit/>
           </a:bodyPr>
           <a:lstStyle/>
           <a:p>
-            <a:pPr indent="0" lvl="0" marL="0" rtl="0" algn="l">
+            <a:pPr marL="0" lvl="0" indent="0" algn="l" rtl="0">
               <a:spcBef>
                 <a:spcPts val="0"/>
               </a:spcBef>
@@ -1371,9 +1424,6 @@
               </a:spcAft>
               <a:buNone/>
             </a:pPr>
-            <a:r>
-              <a:t/>
-            </a:r>
             <a:endParaRPr/>
           </a:p>
         </p:txBody>
@@ -1387,11 +1437,11 @@
 </file>
 
 <file path=ppt/notesSlides/notesSlide8.xml><?xml version="1.0" encoding="utf-8"?>
-<p:notes xmlns:a="http://schemas.openxmlformats.org/drawingml/2006/main" xmlns:r="http://schemas.openxmlformats.org/officeDocument/2006/relationships" xmlns:mc="http://schemas.openxmlformats.org/markup-compatibility/2006" xmlns:mv="urn:schemas-microsoft-com:mac:vml" xmlns:p="http://schemas.openxmlformats.org/presentationml/2006/main" xmlns:c="http://schemas.openxmlformats.org/drawingml/2006/chart" xmlns:dgm="http://schemas.openxmlformats.org/drawingml/2006/diagram" xmlns:o="urn:schemas-microsoft-com:office:office" xmlns:v="urn:schemas-microsoft-com:vml" xmlns:pvml="urn:schemas-microsoft-com:office:powerpoint" xmlns:com="http://schemas.openxmlformats.org/drawingml/2006/compatibility" xmlns:p14="http://schemas.microsoft.com/office/powerpoint/2010/main" xmlns:p15="http://schemas.microsoft.com/office/powerpoint/2012/main" xmlns:ahyp="http://schemas.microsoft.com/office/drawing/2018/hyperlinkcolor" showMasterPhAnim="0" showMasterSp="0">
+<p:notes xmlns:a="http://schemas.openxmlformats.org/drawingml/2006/main" xmlns:r="http://schemas.openxmlformats.org/officeDocument/2006/relationships" xmlns:p="http://schemas.openxmlformats.org/presentationml/2006/main" showMasterSp="0" showMasterPhAnim="0">
   <p:cSld>
     <p:spTree>
       <p:nvGrpSpPr>
-        <p:cNvPr id="109" name="Shape 109"/>
+        <p:cNvPr id="1" name="Shape 109"/>
         <p:cNvGrpSpPr/>
         <p:nvPr/>
       </p:nvGrpSpPr>
@@ -1406,20 +1456,26 @@
       <p:sp>
         <p:nvSpPr>
           <p:cNvPr id="110" name="Google Shape;110;gf2a97aadb1_0_27:notes"/>
-          <p:cNvSpPr/>
+          <p:cNvSpPr>
+            <a:spLocks noGrp="1" noRot="1" noChangeAspect="1"/>
+          </p:cNvSpPr>
           <p:nvPr>
-            <p:ph idx="2" type="sldImg"/>
+            <p:ph type="sldImg" idx="2"/>
           </p:nvPr>
         </p:nvSpPr>
         <p:spPr>
           <a:xfrm>
-            <a:off x="381300" y="685800"/>
+            <a:off x="381000" y="685800"/>
             <a:ext cx="6096000" cy="3429000"/>
           </a:xfrm>
           <a:custGeom>
-            <a:rect b="b" l="l" r="r" t="t"/>
+            <a:avLst/>
+            <a:gdLst/>
+            <a:ahLst/>
+            <a:cxnLst/>
+            <a:rect l="l" t="t" r="r" b="b"/>
             <a:pathLst>
-              <a:path extrusionOk="0" h="120000" w="120000">
+              <a:path w="120000" h="120000" extrusionOk="0">
                 <a:moveTo>
                   <a:pt x="0" y="0"/>
                 </a:moveTo>
@@ -1441,9 +1497,11 @@
       <p:sp>
         <p:nvSpPr>
           <p:cNvPr id="111" name="Google Shape;111;gf2a97aadb1_0_27:notes"/>
-          <p:cNvSpPr txBox="1"/>
+          <p:cNvSpPr txBox="1">
+            <a:spLocks noGrp="1"/>
+          </p:cNvSpPr>
           <p:nvPr>
-            <p:ph idx="1" type="body"/>
+            <p:ph type="body" idx="1"/>
           </p:nvPr>
         </p:nvSpPr>
         <p:spPr>
@@ -1456,12 +1514,12 @@
           </a:prstGeom>
         </p:spPr>
         <p:txBody>
-          <a:bodyPr anchorCtr="0" anchor="t" bIns="91425" lIns="91425" spcFirstLastPara="1" rIns="91425" wrap="square" tIns="91425">
+          <a:bodyPr spcFirstLastPara="1" wrap="square" lIns="91425" tIns="91425" rIns="91425" bIns="91425" anchor="t" anchorCtr="0">
             <a:noAutofit/>
           </a:bodyPr>
           <a:lstStyle/>
           <a:p>
-            <a:pPr indent="0" lvl="0" marL="0" rtl="0" algn="l">
+            <a:pPr marL="0" lvl="0" indent="0" algn="l" rtl="0">
               <a:spcBef>
                 <a:spcPts val="0"/>
               </a:spcBef>
@@ -1470,9 +1528,6 @@
               </a:spcAft>
               <a:buNone/>
             </a:pPr>
-            <a:r>
-              <a:t/>
-            </a:r>
             <a:endParaRPr/>
           </a:p>
         </p:txBody>
@@ -1486,11 +1541,11 @@
 </file>
 
 <file path=ppt/slideLayouts/slideLayout1.xml><?xml version="1.0" encoding="utf-8"?>
-<p:sldLayout xmlns:a="http://schemas.openxmlformats.org/drawingml/2006/main" xmlns:r="http://schemas.openxmlformats.org/officeDocument/2006/relationships" xmlns:mc="http://schemas.openxmlformats.org/markup-compatibility/2006" xmlns:mv="urn:schemas-microsoft-com:mac:vml" xmlns:p="http://schemas.openxmlformats.org/presentationml/2006/main" xmlns:c="http://schemas.openxmlformats.org/drawingml/2006/chart" xmlns:dgm="http://schemas.openxmlformats.org/drawingml/2006/diagram" xmlns:o="urn:schemas-microsoft-com:office:office" xmlns:v="urn:schemas-microsoft-com:vml" xmlns:pvml="urn:schemas-microsoft-com:office:powerpoint" xmlns:com="http://schemas.openxmlformats.org/drawingml/2006/compatibility" xmlns:p14="http://schemas.microsoft.com/office/powerpoint/2010/main" xmlns:p15="http://schemas.microsoft.com/office/powerpoint/2012/main" xmlns:ahyp="http://schemas.microsoft.com/office/drawing/2018/hyperlinkcolor" matchingName="Title slide" type="title">
+<p:sldLayout xmlns:a="http://schemas.openxmlformats.org/drawingml/2006/main" xmlns:r="http://schemas.openxmlformats.org/officeDocument/2006/relationships" xmlns:p="http://schemas.openxmlformats.org/presentationml/2006/main" matchingName="Title slide" type="title">
   <p:cSld name="TITLE">
     <p:spTree>
       <p:nvGrpSpPr>
-        <p:cNvPr id="9" name="Shape 9"/>
+        <p:cNvPr id="1" name="Shape 9"/>
         <p:cNvGrpSpPr/>
         <p:nvPr/>
       </p:nvGrpSpPr>
@@ -1505,7 +1560,9 @@
       <p:sp>
         <p:nvSpPr>
           <p:cNvPr id="10" name="Google Shape;10;p2"/>
-          <p:cNvSpPr txBox="1"/>
+          <p:cNvSpPr txBox="1">
+            <a:spLocks noGrp="1"/>
+          </p:cNvSpPr>
           <p:nvPr>
             <p:ph type="ctrTitle"/>
           </p:nvPr>
@@ -1520,7 +1577,7 @@
           </a:prstGeom>
         </p:spPr>
         <p:txBody>
-          <a:bodyPr anchorCtr="0" anchor="b" bIns="91425" lIns="91425" spcFirstLastPara="1" rIns="91425" wrap="square" tIns="91425">
+          <a:bodyPr spcFirstLastPara="1" wrap="square" lIns="91425" tIns="91425" rIns="91425" bIns="91425" anchor="b" anchorCtr="0">
             <a:normAutofit/>
           </a:bodyPr>
           <a:lstStyle>
@@ -1624,15 +1681,19 @@
               <a:defRPr sz="5200"/>
             </a:lvl9pPr>
           </a:lstStyle>
-          <a:p/>
+          <a:p>
+            <a:endParaRPr/>
+          </a:p>
         </p:txBody>
       </p:sp>
       <p:sp>
         <p:nvSpPr>
           <p:cNvPr id="11" name="Google Shape;11;p2"/>
-          <p:cNvSpPr txBox="1"/>
+          <p:cNvSpPr txBox="1">
+            <a:spLocks noGrp="1"/>
+          </p:cNvSpPr>
           <p:nvPr>
-            <p:ph idx="1" type="subTitle"/>
+            <p:ph type="subTitle" idx="1"/>
           </p:nvPr>
         </p:nvSpPr>
         <p:spPr>
@@ -1645,7 +1706,7 @@
           </a:prstGeom>
         </p:spPr>
         <p:txBody>
-          <a:bodyPr anchorCtr="0" anchor="t" bIns="91425" lIns="91425" spcFirstLastPara="1" rIns="91425" wrap="square" tIns="91425">
+          <a:bodyPr spcFirstLastPara="1" wrap="square" lIns="91425" tIns="91425" rIns="91425" bIns="91425" anchor="t" anchorCtr="0">
             <a:normAutofit/>
           </a:bodyPr>
           <a:lstStyle>
@@ -1776,15 +1837,19 @@
               <a:defRPr sz="2800"/>
             </a:lvl9pPr>
           </a:lstStyle>
-          <a:p/>
+          <a:p>
+            <a:endParaRPr/>
+          </a:p>
         </p:txBody>
       </p:sp>
       <p:sp>
         <p:nvSpPr>
           <p:cNvPr id="12" name="Google Shape;12;p2"/>
-          <p:cNvSpPr txBox="1"/>
+          <p:cNvSpPr txBox="1">
+            <a:spLocks noGrp="1"/>
+          </p:cNvSpPr>
           <p:nvPr>
-            <p:ph idx="12" type="sldNum"/>
+            <p:ph type="sldNum" idx="12"/>
           </p:nvPr>
         </p:nvSpPr>
         <p:spPr>
@@ -1797,7 +1862,7 @@
           </a:prstGeom>
         </p:spPr>
         <p:txBody>
-          <a:bodyPr anchorCtr="0" anchor="ctr" bIns="91425" lIns="91425" spcFirstLastPara="1" rIns="91425" wrap="square" tIns="91425">
+          <a:bodyPr spcFirstLastPara="1" wrap="square" lIns="91425" tIns="91425" rIns="91425" bIns="91425" anchor="ctr" anchorCtr="0">
             <a:normAutofit/>
           </a:bodyPr>
           <a:lstStyle>
@@ -1839,7 +1904,7 @@
             </a:lvl9pPr>
           </a:lstStyle>
           <a:p>
-            <a:pPr indent="0" lvl="0" marL="0" rtl="0" algn="r">
+            <a:pPr marL="0" lvl="0" indent="0" algn="r" rtl="0">
               <a:spcBef>
                 <a:spcPts val="0"/>
               </a:spcBef>
@@ -1865,11 +1930,11 @@
 </file>
 
 <file path=ppt/slideLayouts/slideLayout10.xml><?xml version="1.0" encoding="utf-8"?>
-<p:sldLayout xmlns:a="http://schemas.openxmlformats.org/drawingml/2006/main" xmlns:r="http://schemas.openxmlformats.org/officeDocument/2006/relationships" xmlns:mc="http://schemas.openxmlformats.org/markup-compatibility/2006" xmlns:mv="urn:schemas-microsoft-com:mac:vml" xmlns:p="http://schemas.openxmlformats.org/presentationml/2006/main" xmlns:c="http://schemas.openxmlformats.org/drawingml/2006/chart" xmlns:dgm="http://schemas.openxmlformats.org/drawingml/2006/diagram" xmlns:o="urn:schemas-microsoft-com:office:office" xmlns:v="urn:schemas-microsoft-com:vml" xmlns:pvml="urn:schemas-microsoft-com:office:powerpoint" xmlns:com="http://schemas.openxmlformats.org/drawingml/2006/compatibility" xmlns:p14="http://schemas.microsoft.com/office/powerpoint/2010/main" xmlns:p15="http://schemas.microsoft.com/office/powerpoint/2012/main" xmlns:ahyp="http://schemas.microsoft.com/office/drawing/2018/hyperlinkcolor" matchingName="Big number">
+<p:sldLayout xmlns:a="http://schemas.openxmlformats.org/drawingml/2006/main" xmlns:r="http://schemas.openxmlformats.org/officeDocument/2006/relationships" xmlns:p="http://schemas.openxmlformats.org/presentationml/2006/main" matchingName="Big number">
   <p:cSld name="BIG_NUMBER">
     <p:spTree>
       <p:nvGrpSpPr>
-        <p:cNvPr id="44" name="Shape 44"/>
+        <p:cNvPr id="1" name="Shape 44"/>
         <p:cNvGrpSpPr/>
         <p:nvPr/>
       </p:nvGrpSpPr>
@@ -1884,9 +1949,11 @@
       <p:sp>
         <p:nvSpPr>
           <p:cNvPr id="45" name="Google Shape;45;p11"/>
-          <p:cNvSpPr txBox="1"/>
+          <p:cNvSpPr txBox="1">
+            <a:spLocks noGrp="1"/>
+          </p:cNvSpPr>
           <p:nvPr>
-            <p:ph hasCustomPrompt="1" type="title"/>
+            <p:ph type="title" hasCustomPrompt="1"/>
           </p:nvPr>
         </p:nvSpPr>
         <p:spPr>
@@ -1899,7 +1966,7 @@
           </a:prstGeom>
         </p:spPr>
         <p:txBody>
-          <a:bodyPr anchorCtr="0" anchor="b" bIns="91425" lIns="91425" spcFirstLastPara="1" rIns="91425" wrap="square" tIns="91425">
+          <a:bodyPr spcFirstLastPara="1" wrap="square" lIns="91425" tIns="91425" rIns="91425" bIns="91425" anchor="b" anchorCtr="0">
             <a:normAutofit/>
           </a:bodyPr>
           <a:lstStyle>
@@ -2013,9 +2080,11 @@
       <p:sp>
         <p:nvSpPr>
           <p:cNvPr id="46" name="Google Shape;46;p11"/>
-          <p:cNvSpPr txBox="1"/>
+          <p:cNvSpPr txBox="1">
+            <a:spLocks noGrp="1"/>
+          </p:cNvSpPr>
           <p:nvPr>
-            <p:ph idx="1" type="body"/>
+            <p:ph type="body" idx="1"/>
           </p:nvPr>
         </p:nvSpPr>
         <p:spPr>
@@ -2028,11 +2097,11 @@
           </a:prstGeom>
         </p:spPr>
         <p:txBody>
-          <a:bodyPr anchorCtr="0" anchor="t" bIns="91425" lIns="91425" spcFirstLastPara="1" rIns="91425" wrap="square" tIns="91425">
+          <a:bodyPr spcFirstLastPara="1" wrap="square" lIns="91425" tIns="91425" rIns="91425" bIns="91425" anchor="t" anchorCtr="0">
             <a:normAutofit/>
           </a:bodyPr>
           <a:lstStyle>
-            <a:lvl1pPr indent="-342900" lvl="0" marL="457200" algn="ctr">
+            <a:lvl1pPr marL="457200" lvl="0" indent="-342900" algn="ctr">
               <a:spcBef>
                 <a:spcPts val="0"/>
               </a:spcBef>
@@ -2043,7 +2112,7 @@
               <a:buChar char="●"/>
               <a:defRPr/>
             </a:lvl1pPr>
-            <a:lvl2pPr indent="-317500" lvl="1" marL="914400" algn="ctr">
+            <a:lvl2pPr marL="914400" lvl="1" indent="-317500" algn="ctr">
               <a:spcBef>
                 <a:spcPts val="0"/>
               </a:spcBef>
@@ -2054,7 +2123,7 @@
               <a:buChar char="○"/>
               <a:defRPr/>
             </a:lvl2pPr>
-            <a:lvl3pPr indent="-317500" lvl="2" marL="1371600" algn="ctr">
+            <a:lvl3pPr marL="1371600" lvl="2" indent="-317500" algn="ctr">
               <a:spcBef>
                 <a:spcPts val="0"/>
               </a:spcBef>
@@ -2065,7 +2134,7 @@
               <a:buChar char="■"/>
               <a:defRPr/>
             </a:lvl3pPr>
-            <a:lvl4pPr indent="-317500" lvl="3" marL="1828800" algn="ctr">
+            <a:lvl4pPr marL="1828800" lvl="3" indent="-317500" algn="ctr">
               <a:spcBef>
                 <a:spcPts val="0"/>
               </a:spcBef>
@@ -2076,7 +2145,7 @@
               <a:buChar char="●"/>
               <a:defRPr/>
             </a:lvl4pPr>
-            <a:lvl5pPr indent="-317500" lvl="4" marL="2286000" algn="ctr">
+            <a:lvl5pPr marL="2286000" lvl="4" indent="-317500" algn="ctr">
               <a:spcBef>
                 <a:spcPts val="0"/>
               </a:spcBef>
@@ -2087,7 +2156,7 @@
               <a:buChar char="○"/>
               <a:defRPr/>
             </a:lvl5pPr>
-            <a:lvl6pPr indent="-317500" lvl="5" marL="2743200" algn="ctr">
+            <a:lvl6pPr marL="2743200" lvl="5" indent="-317500" algn="ctr">
               <a:spcBef>
                 <a:spcPts val="0"/>
               </a:spcBef>
@@ -2098,7 +2167,7 @@
               <a:buChar char="■"/>
               <a:defRPr/>
             </a:lvl6pPr>
-            <a:lvl7pPr indent="-317500" lvl="6" marL="3200400" algn="ctr">
+            <a:lvl7pPr marL="3200400" lvl="6" indent="-317500" algn="ctr">
               <a:spcBef>
                 <a:spcPts val="0"/>
               </a:spcBef>
@@ -2109,7 +2178,7 @@
               <a:buChar char="●"/>
               <a:defRPr/>
             </a:lvl7pPr>
-            <a:lvl8pPr indent="-317500" lvl="7" marL="3657600" algn="ctr">
+            <a:lvl8pPr marL="3657600" lvl="7" indent="-317500" algn="ctr">
               <a:spcBef>
                 <a:spcPts val="0"/>
               </a:spcBef>
@@ -2120,7 +2189,7 @@
               <a:buChar char="○"/>
               <a:defRPr/>
             </a:lvl8pPr>
-            <a:lvl9pPr indent="-317500" lvl="8" marL="4114800" algn="ctr">
+            <a:lvl9pPr marL="4114800" lvl="8" indent="-317500" algn="ctr">
               <a:spcBef>
                 <a:spcPts val="0"/>
               </a:spcBef>
@@ -2132,15 +2201,19 @@
               <a:defRPr/>
             </a:lvl9pPr>
           </a:lstStyle>
-          <a:p/>
+          <a:p>
+            <a:endParaRPr/>
+          </a:p>
         </p:txBody>
       </p:sp>
       <p:sp>
         <p:nvSpPr>
           <p:cNvPr id="47" name="Google Shape;47;p11"/>
-          <p:cNvSpPr txBox="1"/>
+          <p:cNvSpPr txBox="1">
+            <a:spLocks noGrp="1"/>
+          </p:cNvSpPr>
           <p:nvPr>
-            <p:ph idx="12" type="sldNum"/>
+            <p:ph type="sldNum" idx="12"/>
           </p:nvPr>
         </p:nvSpPr>
         <p:spPr>
@@ -2153,7 +2226,7 @@
           </a:prstGeom>
         </p:spPr>
         <p:txBody>
-          <a:bodyPr anchorCtr="0" anchor="ctr" bIns="91425" lIns="91425" spcFirstLastPara="1" rIns="91425" wrap="square" tIns="91425">
+          <a:bodyPr spcFirstLastPara="1" wrap="square" lIns="91425" tIns="91425" rIns="91425" bIns="91425" anchor="ctr" anchorCtr="0">
             <a:normAutofit/>
           </a:bodyPr>
           <a:lstStyle>
@@ -2195,7 +2268,7 @@
             </a:lvl9pPr>
           </a:lstStyle>
           <a:p>
-            <a:pPr indent="0" lvl="0" marL="0" rtl="0" algn="r">
+            <a:pPr marL="0" lvl="0" indent="0" algn="r" rtl="0">
               <a:spcBef>
                 <a:spcPts val="0"/>
               </a:spcBef>
@@ -2221,11 +2294,11 @@
 </file>
 
 <file path=ppt/slideLayouts/slideLayout11.xml><?xml version="1.0" encoding="utf-8"?>
-<p:sldLayout xmlns:a="http://schemas.openxmlformats.org/drawingml/2006/main" xmlns:r="http://schemas.openxmlformats.org/officeDocument/2006/relationships" xmlns:mc="http://schemas.openxmlformats.org/markup-compatibility/2006" xmlns:mv="urn:schemas-microsoft-com:mac:vml" xmlns:p="http://schemas.openxmlformats.org/presentationml/2006/main" xmlns:c="http://schemas.openxmlformats.org/drawingml/2006/chart" xmlns:dgm="http://schemas.openxmlformats.org/drawingml/2006/diagram" xmlns:o="urn:schemas-microsoft-com:office:office" xmlns:v="urn:schemas-microsoft-com:vml" xmlns:pvml="urn:schemas-microsoft-com:office:powerpoint" xmlns:com="http://schemas.openxmlformats.org/drawingml/2006/compatibility" xmlns:p14="http://schemas.microsoft.com/office/powerpoint/2010/main" xmlns:p15="http://schemas.microsoft.com/office/powerpoint/2012/main" xmlns:ahyp="http://schemas.microsoft.com/office/drawing/2018/hyperlinkcolor" matchingName="Blank" type="blank">
+<p:sldLayout xmlns:a="http://schemas.openxmlformats.org/drawingml/2006/main" xmlns:r="http://schemas.openxmlformats.org/officeDocument/2006/relationships" xmlns:p="http://schemas.openxmlformats.org/presentationml/2006/main" matchingName="Blank" type="blank">
   <p:cSld name="BLANK">
     <p:spTree>
       <p:nvGrpSpPr>
-        <p:cNvPr id="48" name="Shape 48"/>
+        <p:cNvPr id="1" name="Shape 48"/>
         <p:cNvGrpSpPr/>
         <p:nvPr/>
       </p:nvGrpSpPr>
@@ -2240,9 +2313,11 @@
       <p:sp>
         <p:nvSpPr>
           <p:cNvPr id="49" name="Google Shape;49;p12"/>
-          <p:cNvSpPr txBox="1"/>
+          <p:cNvSpPr txBox="1">
+            <a:spLocks noGrp="1"/>
+          </p:cNvSpPr>
           <p:nvPr>
-            <p:ph idx="12" type="sldNum"/>
+            <p:ph type="sldNum" idx="12"/>
           </p:nvPr>
         </p:nvSpPr>
         <p:spPr>
@@ -2255,7 +2330,7 @@
           </a:prstGeom>
         </p:spPr>
         <p:txBody>
-          <a:bodyPr anchorCtr="0" anchor="ctr" bIns="91425" lIns="91425" spcFirstLastPara="1" rIns="91425" wrap="square" tIns="91425">
+          <a:bodyPr spcFirstLastPara="1" wrap="square" lIns="91425" tIns="91425" rIns="91425" bIns="91425" anchor="ctr" anchorCtr="0">
             <a:normAutofit/>
           </a:bodyPr>
           <a:lstStyle>
@@ -2297,7 +2372,7 @@
             </a:lvl9pPr>
           </a:lstStyle>
           <a:p>
-            <a:pPr indent="0" lvl="0" marL="0" rtl="0" algn="r">
+            <a:pPr marL="0" lvl="0" indent="0" algn="r" rtl="0">
               <a:spcBef>
                 <a:spcPts val="0"/>
               </a:spcBef>
@@ -2323,11 +2398,11 @@
 </file>
 
 <file path=ppt/slideLayouts/slideLayout2.xml><?xml version="1.0" encoding="utf-8"?>
-<p:sldLayout xmlns:a="http://schemas.openxmlformats.org/drawingml/2006/main" xmlns:r="http://schemas.openxmlformats.org/officeDocument/2006/relationships" xmlns:mc="http://schemas.openxmlformats.org/markup-compatibility/2006" xmlns:mv="urn:schemas-microsoft-com:mac:vml" xmlns:p="http://schemas.openxmlformats.org/presentationml/2006/main" xmlns:c="http://schemas.openxmlformats.org/drawingml/2006/chart" xmlns:dgm="http://schemas.openxmlformats.org/drawingml/2006/diagram" xmlns:o="urn:schemas-microsoft-com:office:office" xmlns:v="urn:schemas-microsoft-com:vml" xmlns:pvml="urn:schemas-microsoft-com:office:powerpoint" xmlns:com="http://schemas.openxmlformats.org/drawingml/2006/compatibility" xmlns:p14="http://schemas.microsoft.com/office/powerpoint/2010/main" xmlns:p15="http://schemas.microsoft.com/office/powerpoint/2012/main" xmlns:ahyp="http://schemas.microsoft.com/office/drawing/2018/hyperlinkcolor" matchingName="Section header" type="secHead">
+<p:sldLayout xmlns:a="http://schemas.openxmlformats.org/drawingml/2006/main" xmlns:r="http://schemas.openxmlformats.org/officeDocument/2006/relationships" xmlns:p="http://schemas.openxmlformats.org/presentationml/2006/main" matchingName="Section header" type="secHead">
   <p:cSld name="SECTION_HEADER">
     <p:spTree>
       <p:nvGrpSpPr>
-        <p:cNvPr id="13" name="Shape 13"/>
+        <p:cNvPr id="1" name="Shape 13"/>
         <p:cNvGrpSpPr/>
         <p:nvPr/>
       </p:nvGrpSpPr>
@@ -2342,7 +2417,9 @@
       <p:sp>
         <p:nvSpPr>
           <p:cNvPr id="14" name="Google Shape;14;p3"/>
-          <p:cNvSpPr txBox="1"/>
+          <p:cNvSpPr txBox="1">
+            <a:spLocks noGrp="1"/>
+          </p:cNvSpPr>
           <p:nvPr>
             <p:ph type="title"/>
           </p:nvPr>
@@ -2357,7 +2434,7 @@
           </a:prstGeom>
         </p:spPr>
         <p:txBody>
-          <a:bodyPr anchorCtr="0" anchor="ctr" bIns="91425" lIns="91425" spcFirstLastPara="1" rIns="91425" wrap="square" tIns="91425">
+          <a:bodyPr spcFirstLastPara="1" wrap="square" lIns="91425" tIns="91425" rIns="91425" bIns="91425" anchor="ctr" anchorCtr="0">
             <a:normAutofit/>
           </a:bodyPr>
           <a:lstStyle>
@@ -2461,15 +2538,19 @@
               <a:defRPr sz="3600"/>
             </a:lvl9pPr>
           </a:lstStyle>
-          <a:p/>
+          <a:p>
+            <a:endParaRPr/>
+          </a:p>
         </p:txBody>
       </p:sp>
       <p:sp>
         <p:nvSpPr>
           <p:cNvPr id="15" name="Google Shape;15;p3"/>
-          <p:cNvSpPr txBox="1"/>
+          <p:cNvSpPr txBox="1">
+            <a:spLocks noGrp="1"/>
+          </p:cNvSpPr>
           <p:nvPr>
-            <p:ph idx="12" type="sldNum"/>
+            <p:ph type="sldNum" idx="12"/>
           </p:nvPr>
         </p:nvSpPr>
         <p:spPr>
@@ -2482,7 +2563,7 @@
           </a:prstGeom>
         </p:spPr>
         <p:txBody>
-          <a:bodyPr anchorCtr="0" anchor="ctr" bIns="91425" lIns="91425" spcFirstLastPara="1" rIns="91425" wrap="square" tIns="91425">
+          <a:bodyPr spcFirstLastPara="1" wrap="square" lIns="91425" tIns="91425" rIns="91425" bIns="91425" anchor="ctr" anchorCtr="0">
             <a:normAutofit/>
           </a:bodyPr>
           <a:lstStyle>
@@ -2524,7 +2605,7 @@
             </a:lvl9pPr>
           </a:lstStyle>
           <a:p>
-            <a:pPr indent="0" lvl="0" marL="0" rtl="0" algn="r">
+            <a:pPr marL="0" lvl="0" indent="0" algn="r" rtl="0">
               <a:spcBef>
                 <a:spcPts val="0"/>
               </a:spcBef>
@@ -2550,11 +2631,11 @@
 </file>
 
 <file path=ppt/slideLayouts/slideLayout3.xml><?xml version="1.0" encoding="utf-8"?>
-<p:sldLayout xmlns:a="http://schemas.openxmlformats.org/drawingml/2006/main" xmlns:r="http://schemas.openxmlformats.org/officeDocument/2006/relationships" xmlns:mc="http://schemas.openxmlformats.org/markup-compatibility/2006" xmlns:mv="urn:schemas-microsoft-com:mac:vml" xmlns:p="http://schemas.openxmlformats.org/presentationml/2006/main" xmlns:c="http://schemas.openxmlformats.org/drawingml/2006/chart" xmlns:dgm="http://schemas.openxmlformats.org/drawingml/2006/diagram" xmlns:o="urn:schemas-microsoft-com:office:office" xmlns:v="urn:schemas-microsoft-com:vml" xmlns:pvml="urn:schemas-microsoft-com:office:powerpoint" xmlns:com="http://schemas.openxmlformats.org/drawingml/2006/compatibility" xmlns:p14="http://schemas.microsoft.com/office/powerpoint/2010/main" xmlns:p15="http://schemas.microsoft.com/office/powerpoint/2012/main" xmlns:ahyp="http://schemas.microsoft.com/office/drawing/2018/hyperlinkcolor" matchingName="Title and body" type="tx">
+<p:sldLayout xmlns:a="http://schemas.openxmlformats.org/drawingml/2006/main" xmlns:r="http://schemas.openxmlformats.org/officeDocument/2006/relationships" xmlns:p="http://schemas.openxmlformats.org/presentationml/2006/main" matchingName="Title and body" type="tx">
   <p:cSld name="TITLE_AND_BODY">
     <p:spTree>
       <p:nvGrpSpPr>
-        <p:cNvPr id="16" name="Shape 16"/>
+        <p:cNvPr id="1" name="Shape 16"/>
         <p:cNvGrpSpPr/>
         <p:nvPr/>
       </p:nvGrpSpPr>
@@ -2569,7 +2650,9 @@
       <p:sp>
         <p:nvSpPr>
           <p:cNvPr id="17" name="Google Shape;17;p4"/>
-          <p:cNvSpPr txBox="1"/>
+          <p:cNvSpPr txBox="1">
+            <a:spLocks noGrp="1"/>
+          </p:cNvSpPr>
           <p:nvPr>
             <p:ph type="title"/>
           </p:nvPr>
@@ -2584,7 +2667,7 @@
           </a:prstGeom>
         </p:spPr>
         <p:txBody>
-          <a:bodyPr anchorCtr="0" anchor="t" bIns="91425" lIns="91425" spcFirstLastPara="1" rIns="91425" wrap="square" tIns="91425">
+          <a:bodyPr spcFirstLastPara="1" wrap="square" lIns="91425" tIns="91425" rIns="91425" bIns="91425" anchor="t" anchorCtr="0">
             <a:normAutofit/>
           </a:bodyPr>
           <a:lstStyle>
@@ -2688,15 +2771,19 @@
               <a:defRPr/>
             </a:lvl9pPr>
           </a:lstStyle>
-          <a:p/>
+          <a:p>
+            <a:endParaRPr/>
+          </a:p>
         </p:txBody>
       </p:sp>
       <p:sp>
         <p:nvSpPr>
           <p:cNvPr id="18" name="Google Shape;18;p4"/>
-          <p:cNvSpPr txBox="1"/>
+          <p:cNvSpPr txBox="1">
+            <a:spLocks noGrp="1"/>
+          </p:cNvSpPr>
           <p:nvPr>
-            <p:ph idx="1" type="body"/>
+            <p:ph type="body" idx="1"/>
           </p:nvPr>
         </p:nvSpPr>
         <p:spPr>
@@ -2709,11 +2796,11 @@
           </a:prstGeom>
         </p:spPr>
         <p:txBody>
-          <a:bodyPr anchorCtr="0" anchor="t" bIns="91425" lIns="91425" spcFirstLastPara="1" rIns="91425" wrap="square" tIns="91425">
+          <a:bodyPr spcFirstLastPara="1" wrap="square" lIns="91425" tIns="91425" rIns="91425" bIns="91425" anchor="t" anchorCtr="0">
             <a:normAutofit/>
           </a:bodyPr>
           <a:lstStyle>
-            <a:lvl1pPr indent="-342900" lvl="0" marL="457200">
+            <a:lvl1pPr marL="457200" lvl="0" indent="-342900">
               <a:spcBef>
                 <a:spcPts val="0"/>
               </a:spcBef>
@@ -2724,7 +2811,7 @@
               <a:buChar char="●"/>
               <a:defRPr/>
             </a:lvl1pPr>
-            <a:lvl2pPr indent="-317500" lvl="1" marL="914400">
+            <a:lvl2pPr marL="914400" lvl="1" indent="-317500">
               <a:spcBef>
                 <a:spcPts val="0"/>
               </a:spcBef>
@@ -2735,7 +2822,7 @@
               <a:buChar char="○"/>
               <a:defRPr/>
             </a:lvl2pPr>
-            <a:lvl3pPr indent="-317500" lvl="2" marL="1371600">
+            <a:lvl3pPr marL="1371600" lvl="2" indent="-317500">
               <a:spcBef>
                 <a:spcPts val="0"/>
               </a:spcBef>
@@ -2746,7 +2833,7 @@
               <a:buChar char="■"/>
               <a:defRPr/>
             </a:lvl3pPr>
-            <a:lvl4pPr indent="-317500" lvl="3" marL="1828800">
+            <a:lvl4pPr marL="1828800" lvl="3" indent="-317500">
               <a:spcBef>
                 <a:spcPts val="0"/>
               </a:spcBef>
@@ -2757,7 +2844,7 @@
               <a:buChar char="●"/>
               <a:defRPr/>
             </a:lvl4pPr>
-            <a:lvl5pPr indent="-317500" lvl="4" marL="2286000">
+            <a:lvl5pPr marL="2286000" lvl="4" indent="-317500">
               <a:spcBef>
                 <a:spcPts val="0"/>
               </a:spcBef>
@@ -2768,7 +2855,7 @@
               <a:buChar char="○"/>
               <a:defRPr/>
             </a:lvl5pPr>
-            <a:lvl6pPr indent="-317500" lvl="5" marL="2743200">
+            <a:lvl6pPr marL="2743200" lvl="5" indent="-317500">
               <a:spcBef>
                 <a:spcPts val="0"/>
               </a:spcBef>
@@ -2779,7 +2866,7 @@
               <a:buChar char="■"/>
               <a:defRPr/>
             </a:lvl6pPr>
-            <a:lvl7pPr indent="-317500" lvl="6" marL="3200400">
+            <a:lvl7pPr marL="3200400" lvl="6" indent="-317500">
               <a:spcBef>
                 <a:spcPts val="0"/>
               </a:spcBef>
@@ -2790,7 +2877,7 @@
               <a:buChar char="●"/>
               <a:defRPr/>
             </a:lvl7pPr>
-            <a:lvl8pPr indent="-317500" lvl="7" marL="3657600">
+            <a:lvl8pPr marL="3657600" lvl="7" indent="-317500">
               <a:spcBef>
                 <a:spcPts val="0"/>
               </a:spcBef>
@@ -2801,7 +2888,7 @@
               <a:buChar char="○"/>
               <a:defRPr/>
             </a:lvl8pPr>
-            <a:lvl9pPr indent="-317500" lvl="8" marL="4114800">
+            <a:lvl9pPr marL="4114800" lvl="8" indent="-317500">
               <a:spcBef>
                 <a:spcPts val="0"/>
               </a:spcBef>
@@ -2813,15 +2900,19 @@
               <a:defRPr/>
             </a:lvl9pPr>
           </a:lstStyle>
-          <a:p/>
+          <a:p>
+            <a:endParaRPr/>
+          </a:p>
         </p:txBody>
       </p:sp>
       <p:sp>
         <p:nvSpPr>
           <p:cNvPr id="19" name="Google Shape;19;p4"/>
-          <p:cNvSpPr txBox="1"/>
+          <p:cNvSpPr txBox="1">
+            <a:spLocks noGrp="1"/>
+          </p:cNvSpPr>
           <p:nvPr>
-            <p:ph idx="12" type="sldNum"/>
+            <p:ph type="sldNum" idx="12"/>
           </p:nvPr>
         </p:nvSpPr>
         <p:spPr>
@@ -2834,7 +2925,7 @@
           </a:prstGeom>
         </p:spPr>
         <p:txBody>
-          <a:bodyPr anchorCtr="0" anchor="ctr" bIns="91425" lIns="91425" spcFirstLastPara="1" rIns="91425" wrap="square" tIns="91425">
+          <a:bodyPr spcFirstLastPara="1" wrap="square" lIns="91425" tIns="91425" rIns="91425" bIns="91425" anchor="ctr" anchorCtr="0">
             <a:normAutofit/>
           </a:bodyPr>
           <a:lstStyle>
@@ -2876,7 +2967,7 @@
             </a:lvl9pPr>
           </a:lstStyle>
           <a:p>
-            <a:pPr indent="0" lvl="0" marL="0" rtl="0" algn="r">
+            <a:pPr marL="0" lvl="0" indent="0" algn="r" rtl="0">
               <a:spcBef>
                 <a:spcPts val="0"/>
               </a:spcBef>
@@ -2902,11 +2993,11 @@
 </file>
 
 <file path=ppt/slideLayouts/slideLayout4.xml><?xml version="1.0" encoding="utf-8"?>
-<p:sldLayout xmlns:a="http://schemas.openxmlformats.org/drawingml/2006/main" xmlns:r="http://schemas.openxmlformats.org/officeDocument/2006/relationships" xmlns:mc="http://schemas.openxmlformats.org/markup-compatibility/2006" xmlns:mv="urn:schemas-microsoft-com:mac:vml" xmlns:p="http://schemas.openxmlformats.org/presentationml/2006/main" xmlns:c="http://schemas.openxmlformats.org/drawingml/2006/chart" xmlns:dgm="http://schemas.openxmlformats.org/drawingml/2006/diagram" xmlns:o="urn:schemas-microsoft-com:office:office" xmlns:v="urn:schemas-microsoft-com:vml" xmlns:pvml="urn:schemas-microsoft-com:office:powerpoint" xmlns:com="http://schemas.openxmlformats.org/drawingml/2006/compatibility" xmlns:p14="http://schemas.microsoft.com/office/powerpoint/2010/main" xmlns:p15="http://schemas.microsoft.com/office/powerpoint/2012/main" xmlns:ahyp="http://schemas.microsoft.com/office/drawing/2018/hyperlinkcolor" matchingName="Title and two columns" type="twoColTx">
+<p:sldLayout xmlns:a="http://schemas.openxmlformats.org/drawingml/2006/main" xmlns:r="http://schemas.openxmlformats.org/officeDocument/2006/relationships" xmlns:p="http://schemas.openxmlformats.org/presentationml/2006/main" matchingName="Title and two columns" type="twoColTx">
   <p:cSld name="TITLE_AND_TWO_COLUMNS">
     <p:spTree>
       <p:nvGrpSpPr>
-        <p:cNvPr id="20" name="Shape 20"/>
+        <p:cNvPr id="1" name="Shape 20"/>
         <p:cNvGrpSpPr/>
         <p:nvPr/>
       </p:nvGrpSpPr>
@@ -2921,7 +3012,9 @@
       <p:sp>
         <p:nvSpPr>
           <p:cNvPr id="21" name="Google Shape;21;p5"/>
-          <p:cNvSpPr txBox="1"/>
+          <p:cNvSpPr txBox="1">
+            <a:spLocks noGrp="1"/>
+          </p:cNvSpPr>
           <p:nvPr>
             <p:ph type="title"/>
           </p:nvPr>
@@ -2936,7 +3029,7 @@
           </a:prstGeom>
         </p:spPr>
         <p:txBody>
-          <a:bodyPr anchorCtr="0" anchor="t" bIns="91425" lIns="91425" spcFirstLastPara="1" rIns="91425" wrap="square" tIns="91425">
+          <a:bodyPr spcFirstLastPara="1" wrap="square" lIns="91425" tIns="91425" rIns="91425" bIns="91425" anchor="t" anchorCtr="0">
             <a:normAutofit/>
           </a:bodyPr>
           <a:lstStyle>
@@ -3040,15 +3133,19 @@
               <a:defRPr/>
             </a:lvl9pPr>
           </a:lstStyle>
-          <a:p/>
+          <a:p>
+            <a:endParaRPr/>
+          </a:p>
         </p:txBody>
       </p:sp>
       <p:sp>
         <p:nvSpPr>
           <p:cNvPr id="22" name="Google Shape;22;p5"/>
-          <p:cNvSpPr txBox="1"/>
+          <p:cNvSpPr txBox="1">
+            <a:spLocks noGrp="1"/>
+          </p:cNvSpPr>
           <p:nvPr>
-            <p:ph idx="1" type="body"/>
+            <p:ph type="body" idx="1"/>
           </p:nvPr>
         </p:nvSpPr>
         <p:spPr>
@@ -3061,11 +3158,11 @@
           </a:prstGeom>
         </p:spPr>
         <p:txBody>
-          <a:bodyPr anchorCtr="0" anchor="t" bIns="91425" lIns="91425" spcFirstLastPara="1" rIns="91425" wrap="square" tIns="91425">
+          <a:bodyPr spcFirstLastPara="1" wrap="square" lIns="91425" tIns="91425" rIns="91425" bIns="91425" anchor="t" anchorCtr="0">
             <a:normAutofit/>
           </a:bodyPr>
           <a:lstStyle>
-            <a:lvl1pPr indent="-317500" lvl="0" marL="457200">
+            <a:lvl1pPr marL="457200" lvl="0" indent="-317500">
               <a:spcBef>
                 <a:spcPts val="0"/>
               </a:spcBef>
@@ -3076,7 +3173,7 @@
               <a:buChar char="●"/>
               <a:defRPr sz="1400"/>
             </a:lvl1pPr>
-            <a:lvl2pPr indent="-304800" lvl="1" marL="914400">
+            <a:lvl2pPr marL="914400" lvl="1" indent="-304800">
               <a:spcBef>
                 <a:spcPts val="0"/>
               </a:spcBef>
@@ -3087,7 +3184,7 @@
               <a:buChar char="○"/>
               <a:defRPr sz="1200"/>
             </a:lvl2pPr>
-            <a:lvl3pPr indent="-304800" lvl="2" marL="1371600">
+            <a:lvl3pPr marL="1371600" lvl="2" indent="-304800">
               <a:spcBef>
                 <a:spcPts val="0"/>
               </a:spcBef>
@@ -3098,7 +3195,7 @@
               <a:buChar char="■"/>
               <a:defRPr sz="1200"/>
             </a:lvl3pPr>
-            <a:lvl4pPr indent="-304800" lvl="3" marL="1828800">
+            <a:lvl4pPr marL="1828800" lvl="3" indent="-304800">
               <a:spcBef>
                 <a:spcPts val="0"/>
               </a:spcBef>
@@ -3109,7 +3206,7 @@
               <a:buChar char="●"/>
               <a:defRPr sz="1200"/>
             </a:lvl4pPr>
-            <a:lvl5pPr indent="-304800" lvl="4" marL="2286000">
+            <a:lvl5pPr marL="2286000" lvl="4" indent="-304800">
               <a:spcBef>
                 <a:spcPts val="0"/>
               </a:spcBef>
@@ -3120,7 +3217,7 @@
               <a:buChar char="○"/>
               <a:defRPr sz="1200"/>
             </a:lvl5pPr>
-            <a:lvl6pPr indent="-304800" lvl="5" marL="2743200">
+            <a:lvl6pPr marL="2743200" lvl="5" indent="-304800">
               <a:spcBef>
                 <a:spcPts val="0"/>
               </a:spcBef>
@@ -3131,7 +3228,7 @@
               <a:buChar char="■"/>
               <a:defRPr sz="1200"/>
             </a:lvl6pPr>
-            <a:lvl7pPr indent="-304800" lvl="6" marL="3200400">
+            <a:lvl7pPr marL="3200400" lvl="6" indent="-304800">
               <a:spcBef>
                 <a:spcPts val="0"/>
               </a:spcBef>
@@ -3142,7 +3239,7 @@
               <a:buChar char="●"/>
               <a:defRPr sz="1200"/>
             </a:lvl7pPr>
-            <a:lvl8pPr indent="-304800" lvl="7" marL="3657600">
+            <a:lvl8pPr marL="3657600" lvl="7" indent="-304800">
               <a:spcBef>
                 <a:spcPts val="0"/>
               </a:spcBef>
@@ -3153,7 +3250,7 @@
               <a:buChar char="○"/>
               <a:defRPr sz="1200"/>
             </a:lvl8pPr>
-            <a:lvl9pPr indent="-304800" lvl="8" marL="4114800">
+            <a:lvl9pPr marL="4114800" lvl="8" indent="-304800">
               <a:spcBef>
                 <a:spcPts val="0"/>
               </a:spcBef>
@@ -3165,15 +3262,19 @@
               <a:defRPr sz="1200"/>
             </a:lvl9pPr>
           </a:lstStyle>
-          <a:p/>
+          <a:p>
+            <a:endParaRPr/>
+          </a:p>
         </p:txBody>
       </p:sp>
       <p:sp>
         <p:nvSpPr>
           <p:cNvPr id="23" name="Google Shape;23;p5"/>
-          <p:cNvSpPr txBox="1"/>
+          <p:cNvSpPr txBox="1">
+            <a:spLocks noGrp="1"/>
+          </p:cNvSpPr>
           <p:nvPr>
-            <p:ph idx="2" type="body"/>
+            <p:ph type="body" idx="2"/>
           </p:nvPr>
         </p:nvSpPr>
         <p:spPr>
@@ -3186,11 +3287,11 @@
           </a:prstGeom>
         </p:spPr>
         <p:txBody>
-          <a:bodyPr anchorCtr="0" anchor="t" bIns="91425" lIns="91425" spcFirstLastPara="1" rIns="91425" wrap="square" tIns="91425">
+          <a:bodyPr spcFirstLastPara="1" wrap="square" lIns="91425" tIns="91425" rIns="91425" bIns="91425" anchor="t" anchorCtr="0">
             <a:normAutofit/>
           </a:bodyPr>
           <a:lstStyle>
-            <a:lvl1pPr indent="-317500" lvl="0" marL="457200">
+            <a:lvl1pPr marL="457200" lvl="0" indent="-317500">
               <a:spcBef>
                 <a:spcPts val="0"/>
               </a:spcBef>
@@ -3201,7 +3302,7 @@
               <a:buChar char="●"/>
               <a:defRPr sz="1400"/>
             </a:lvl1pPr>
-            <a:lvl2pPr indent="-304800" lvl="1" marL="914400">
+            <a:lvl2pPr marL="914400" lvl="1" indent="-304800">
               <a:spcBef>
                 <a:spcPts val="0"/>
               </a:spcBef>
@@ -3212,7 +3313,7 @@
               <a:buChar char="○"/>
               <a:defRPr sz="1200"/>
             </a:lvl2pPr>
-            <a:lvl3pPr indent="-304800" lvl="2" marL="1371600">
+            <a:lvl3pPr marL="1371600" lvl="2" indent="-304800">
               <a:spcBef>
                 <a:spcPts val="0"/>
               </a:spcBef>
@@ -3223,7 +3324,7 @@
               <a:buChar char="■"/>
               <a:defRPr sz="1200"/>
             </a:lvl3pPr>
-            <a:lvl4pPr indent="-304800" lvl="3" marL="1828800">
+            <a:lvl4pPr marL="1828800" lvl="3" indent="-304800">
               <a:spcBef>
                 <a:spcPts val="0"/>
               </a:spcBef>
@@ -3234,7 +3335,7 @@
               <a:buChar char="●"/>
               <a:defRPr sz="1200"/>
             </a:lvl4pPr>
-            <a:lvl5pPr indent="-304800" lvl="4" marL="2286000">
+            <a:lvl5pPr marL="2286000" lvl="4" indent="-304800">
               <a:spcBef>
                 <a:spcPts val="0"/>
               </a:spcBef>
@@ -3245,7 +3346,7 @@
               <a:buChar char="○"/>
               <a:defRPr sz="1200"/>
             </a:lvl5pPr>
-            <a:lvl6pPr indent="-304800" lvl="5" marL="2743200">
+            <a:lvl6pPr marL="2743200" lvl="5" indent="-304800">
               <a:spcBef>
                 <a:spcPts val="0"/>
               </a:spcBef>
@@ -3256,7 +3357,7 @@
               <a:buChar char="■"/>
               <a:defRPr sz="1200"/>
             </a:lvl6pPr>
-            <a:lvl7pPr indent="-304800" lvl="6" marL="3200400">
+            <a:lvl7pPr marL="3200400" lvl="6" indent="-304800">
               <a:spcBef>
                 <a:spcPts val="0"/>
               </a:spcBef>
@@ -3267,7 +3368,7 @@
               <a:buChar char="●"/>
               <a:defRPr sz="1200"/>
             </a:lvl7pPr>
-            <a:lvl8pPr indent="-304800" lvl="7" marL="3657600">
+            <a:lvl8pPr marL="3657600" lvl="7" indent="-304800">
               <a:spcBef>
                 <a:spcPts val="0"/>
               </a:spcBef>
@@ -3278,7 +3379,7 @@
               <a:buChar char="○"/>
               <a:defRPr sz="1200"/>
             </a:lvl8pPr>
-            <a:lvl9pPr indent="-304800" lvl="8" marL="4114800">
+            <a:lvl9pPr marL="4114800" lvl="8" indent="-304800">
               <a:spcBef>
                 <a:spcPts val="0"/>
               </a:spcBef>
@@ -3290,15 +3391,19 @@
               <a:defRPr sz="1200"/>
             </a:lvl9pPr>
           </a:lstStyle>
-          <a:p/>
+          <a:p>
+            <a:endParaRPr/>
+          </a:p>
         </p:txBody>
       </p:sp>
       <p:sp>
         <p:nvSpPr>
           <p:cNvPr id="24" name="Google Shape;24;p5"/>
-          <p:cNvSpPr txBox="1"/>
+          <p:cNvSpPr txBox="1">
+            <a:spLocks noGrp="1"/>
+          </p:cNvSpPr>
           <p:nvPr>
-            <p:ph idx="12" type="sldNum"/>
+            <p:ph type="sldNum" idx="12"/>
           </p:nvPr>
         </p:nvSpPr>
         <p:spPr>
@@ -3311,7 +3416,7 @@
           </a:prstGeom>
         </p:spPr>
         <p:txBody>
-          <a:bodyPr anchorCtr="0" anchor="ctr" bIns="91425" lIns="91425" spcFirstLastPara="1" rIns="91425" wrap="square" tIns="91425">
+          <a:bodyPr spcFirstLastPara="1" wrap="square" lIns="91425" tIns="91425" rIns="91425" bIns="91425" anchor="ctr" anchorCtr="0">
             <a:normAutofit/>
           </a:bodyPr>
           <a:lstStyle>
@@ -3353,7 +3458,7 @@
             </a:lvl9pPr>
           </a:lstStyle>
           <a:p>
-            <a:pPr indent="0" lvl="0" marL="0" rtl="0" algn="r">
+            <a:pPr marL="0" lvl="0" indent="0" algn="r" rtl="0">
               <a:spcBef>
                 <a:spcPts val="0"/>
               </a:spcBef>
@@ -3379,11 +3484,11 @@
 </file>
 
 <file path=ppt/slideLayouts/slideLayout5.xml><?xml version="1.0" encoding="utf-8"?>
-<p:sldLayout xmlns:a="http://schemas.openxmlformats.org/drawingml/2006/main" xmlns:r="http://schemas.openxmlformats.org/officeDocument/2006/relationships" xmlns:mc="http://schemas.openxmlformats.org/markup-compatibility/2006" xmlns:mv="urn:schemas-microsoft-com:mac:vml" xmlns:p="http://schemas.openxmlformats.org/presentationml/2006/main" xmlns:c="http://schemas.openxmlformats.org/drawingml/2006/chart" xmlns:dgm="http://schemas.openxmlformats.org/drawingml/2006/diagram" xmlns:o="urn:schemas-microsoft-com:office:office" xmlns:v="urn:schemas-microsoft-com:vml" xmlns:pvml="urn:schemas-microsoft-com:office:powerpoint" xmlns:com="http://schemas.openxmlformats.org/drawingml/2006/compatibility" xmlns:p14="http://schemas.microsoft.com/office/powerpoint/2010/main" xmlns:p15="http://schemas.microsoft.com/office/powerpoint/2012/main" xmlns:ahyp="http://schemas.microsoft.com/office/drawing/2018/hyperlinkcolor" matchingName="Title only" type="titleOnly">
+<p:sldLayout xmlns:a="http://schemas.openxmlformats.org/drawingml/2006/main" xmlns:r="http://schemas.openxmlformats.org/officeDocument/2006/relationships" xmlns:p="http://schemas.openxmlformats.org/presentationml/2006/main" matchingName="Title only" type="titleOnly">
   <p:cSld name="TITLE_ONLY">
     <p:spTree>
       <p:nvGrpSpPr>
-        <p:cNvPr id="25" name="Shape 25"/>
+        <p:cNvPr id="1" name="Shape 25"/>
         <p:cNvGrpSpPr/>
         <p:nvPr/>
       </p:nvGrpSpPr>
@@ -3398,7 +3503,9 @@
       <p:sp>
         <p:nvSpPr>
           <p:cNvPr id="26" name="Google Shape;26;p6"/>
-          <p:cNvSpPr txBox="1"/>
+          <p:cNvSpPr txBox="1">
+            <a:spLocks noGrp="1"/>
+          </p:cNvSpPr>
           <p:nvPr>
             <p:ph type="title"/>
           </p:nvPr>
@@ -3413,7 +3520,7 @@
           </a:prstGeom>
         </p:spPr>
         <p:txBody>
-          <a:bodyPr anchorCtr="0" anchor="t" bIns="91425" lIns="91425" spcFirstLastPara="1" rIns="91425" wrap="square" tIns="91425">
+          <a:bodyPr spcFirstLastPara="1" wrap="square" lIns="91425" tIns="91425" rIns="91425" bIns="91425" anchor="t" anchorCtr="0">
             <a:normAutofit/>
           </a:bodyPr>
           <a:lstStyle>
@@ -3517,15 +3624,19 @@
               <a:defRPr/>
             </a:lvl9pPr>
           </a:lstStyle>
-          <a:p/>
+          <a:p>
+            <a:endParaRPr/>
+          </a:p>
         </p:txBody>
       </p:sp>
       <p:sp>
         <p:nvSpPr>
           <p:cNvPr id="27" name="Google Shape;27;p6"/>
-          <p:cNvSpPr txBox="1"/>
+          <p:cNvSpPr txBox="1">
+            <a:spLocks noGrp="1"/>
+          </p:cNvSpPr>
           <p:nvPr>
-            <p:ph idx="12" type="sldNum"/>
+            <p:ph type="sldNum" idx="12"/>
           </p:nvPr>
         </p:nvSpPr>
         <p:spPr>
@@ -3538,7 +3649,7 @@
           </a:prstGeom>
         </p:spPr>
         <p:txBody>
-          <a:bodyPr anchorCtr="0" anchor="ctr" bIns="91425" lIns="91425" spcFirstLastPara="1" rIns="91425" wrap="square" tIns="91425">
+          <a:bodyPr spcFirstLastPara="1" wrap="square" lIns="91425" tIns="91425" rIns="91425" bIns="91425" anchor="ctr" anchorCtr="0">
             <a:normAutofit/>
           </a:bodyPr>
           <a:lstStyle>
@@ -3580,7 +3691,7 @@
             </a:lvl9pPr>
           </a:lstStyle>
           <a:p>
-            <a:pPr indent="0" lvl="0" marL="0" rtl="0" algn="r">
+            <a:pPr marL="0" lvl="0" indent="0" algn="r" rtl="0">
               <a:spcBef>
                 <a:spcPts val="0"/>
               </a:spcBef>
@@ -3606,11 +3717,11 @@
 </file>
 
 <file path=ppt/slideLayouts/slideLayout6.xml><?xml version="1.0" encoding="utf-8"?>
-<p:sldLayout xmlns:a="http://schemas.openxmlformats.org/drawingml/2006/main" xmlns:r="http://schemas.openxmlformats.org/officeDocument/2006/relationships" xmlns:mc="http://schemas.openxmlformats.org/markup-compatibility/2006" xmlns:mv="urn:schemas-microsoft-com:mac:vml" xmlns:p="http://schemas.openxmlformats.org/presentationml/2006/main" xmlns:c="http://schemas.openxmlformats.org/drawingml/2006/chart" xmlns:dgm="http://schemas.openxmlformats.org/drawingml/2006/diagram" xmlns:o="urn:schemas-microsoft-com:office:office" xmlns:v="urn:schemas-microsoft-com:vml" xmlns:pvml="urn:schemas-microsoft-com:office:powerpoint" xmlns:com="http://schemas.openxmlformats.org/drawingml/2006/compatibility" xmlns:p14="http://schemas.microsoft.com/office/powerpoint/2010/main" xmlns:p15="http://schemas.microsoft.com/office/powerpoint/2012/main" xmlns:ahyp="http://schemas.microsoft.com/office/drawing/2018/hyperlinkcolor" matchingName="One column text">
+<p:sldLayout xmlns:a="http://schemas.openxmlformats.org/drawingml/2006/main" xmlns:r="http://schemas.openxmlformats.org/officeDocument/2006/relationships" xmlns:p="http://schemas.openxmlformats.org/presentationml/2006/main" matchingName="One column text">
   <p:cSld name="ONE_COLUMN_TEXT">
     <p:spTree>
       <p:nvGrpSpPr>
-        <p:cNvPr id="28" name="Shape 28"/>
+        <p:cNvPr id="1" name="Shape 28"/>
         <p:cNvGrpSpPr/>
         <p:nvPr/>
       </p:nvGrpSpPr>
@@ -3625,7 +3736,9 @@
       <p:sp>
         <p:nvSpPr>
           <p:cNvPr id="29" name="Google Shape;29;p7"/>
-          <p:cNvSpPr txBox="1"/>
+          <p:cNvSpPr txBox="1">
+            <a:spLocks noGrp="1"/>
+          </p:cNvSpPr>
           <p:nvPr>
             <p:ph type="title"/>
           </p:nvPr>
@@ -3640,7 +3753,7 @@
           </a:prstGeom>
         </p:spPr>
         <p:txBody>
-          <a:bodyPr anchorCtr="0" anchor="b" bIns="91425" lIns="91425" spcFirstLastPara="1" rIns="91425" wrap="square" tIns="91425">
+          <a:bodyPr spcFirstLastPara="1" wrap="square" lIns="91425" tIns="91425" rIns="91425" bIns="91425" anchor="b" anchorCtr="0">
             <a:normAutofit/>
           </a:bodyPr>
           <a:lstStyle>
@@ -3744,15 +3857,19 @@
               <a:defRPr sz="2400"/>
             </a:lvl9pPr>
           </a:lstStyle>
-          <a:p/>
+          <a:p>
+            <a:endParaRPr/>
+          </a:p>
         </p:txBody>
       </p:sp>
       <p:sp>
         <p:nvSpPr>
           <p:cNvPr id="30" name="Google Shape;30;p7"/>
-          <p:cNvSpPr txBox="1"/>
+          <p:cNvSpPr txBox="1">
+            <a:spLocks noGrp="1"/>
+          </p:cNvSpPr>
           <p:nvPr>
-            <p:ph idx="1" type="body"/>
+            <p:ph type="body" idx="1"/>
           </p:nvPr>
         </p:nvSpPr>
         <p:spPr>
@@ -3765,11 +3882,11 @@
           </a:prstGeom>
         </p:spPr>
         <p:txBody>
-          <a:bodyPr anchorCtr="0" anchor="t" bIns="91425" lIns="91425" spcFirstLastPara="1" rIns="91425" wrap="square" tIns="91425">
+          <a:bodyPr spcFirstLastPara="1" wrap="square" lIns="91425" tIns="91425" rIns="91425" bIns="91425" anchor="t" anchorCtr="0">
             <a:normAutofit/>
           </a:bodyPr>
           <a:lstStyle>
-            <a:lvl1pPr indent="-304800" lvl="0" marL="457200">
+            <a:lvl1pPr marL="457200" lvl="0" indent="-304800">
               <a:spcBef>
                 <a:spcPts val="0"/>
               </a:spcBef>
@@ -3780,7 +3897,7 @@
               <a:buChar char="●"/>
               <a:defRPr sz="1200"/>
             </a:lvl1pPr>
-            <a:lvl2pPr indent="-304800" lvl="1" marL="914400">
+            <a:lvl2pPr marL="914400" lvl="1" indent="-304800">
               <a:spcBef>
                 <a:spcPts val="0"/>
               </a:spcBef>
@@ -3791,7 +3908,7 @@
               <a:buChar char="○"/>
               <a:defRPr sz="1200"/>
             </a:lvl2pPr>
-            <a:lvl3pPr indent="-304800" lvl="2" marL="1371600">
+            <a:lvl3pPr marL="1371600" lvl="2" indent="-304800">
               <a:spcBef>
                 <a:spcPts val="0"/>
               </a:spcBef>
@@ -3802,7 +3919,7 @@
               <a:buChar char="■"/>
               <a:defRPr sz="1200"/>
             </a:lvl3pPr>
-            <a:lvl4pPr indent="-304800" lvl="3" marL="1828800">
+            <a:lvl4pPr marL="1828800" lvl="3" indent="-304800">
               <a:spcBef>
                 <a:spcPts val="0"/>
               </a:spcBef>
@@ -3813,7 +3930,7 @@
               <a:buChar char="●"/>
               <a:defRPr sz="1200"/>
             </a:lvl4pPr>
-            <a:lvl5pPr indent="-304800" lvl="4" marL="2286000">
+            <a:lvl5pPr marL="2286000" lvl="4" indent="-304800">
               <a:spcBef>
                 <a:spcPts val="0"/>
               </a:spcBef>
@@ -3824,7 +3941,7 @@
               <a:buChar char="○"/>
               <a:defRPr sz="1200"/>
             </a:lvl5pPr>
-            <a:lvl6pPr indent="-304800" lvl="5" marL="2743200">
+            <a:lvl6pPr marL="2743200" lvl="5" indent="-304800">
               <a:spcBef>
                 <a:spcPts val="0"/>
               </a:spcBef>
@@ -3835,7 +3952,7 @@
               <a:buChar char="■"/>
               <a:defRPr sz="1200"/>
             </a:lvl6pPr>
-            <a:lvl7pPr indent="-304800" lvl="6" marL="3200400">
+            <a:lvl7pPr marL="3200400" lvl="6" indent="-304800">
               <a:spcBef>
                 <a:spcPts val="0"/>
               </a:spcBef>
@@ -3846,7 +3963,7 @@
               <a:buChar char="●"/>
               <a:defRPr sz="1200"/>
             </a:lvl7pPr>
-            <a:lvl8pPr indent="-304800" lvl="7" marL="3657600">
+            <a:lvl8pPr marL="3657600" lvl="7" indent="-304800">
               <a:spcBef>
                 <a:spcPts val="0"/>
               </a:spcBef>
@@ -3857,7 +3974,7 @@
               <a:buChar char="○"/>
               <a:defRPr sz="1200"/>
             </a:lvl8pPr>
-            <a:lvl9pPr indent="-304800" lvl="8" marL="4114800">
+            <a:lvl9pPr marL="4114800" lvl="8" indent="-304800">
               <a:spcBef>
                 <a:spcPts val="0"/>
               </a:spcBef>
@@ -3869,15 +3986,19 @@
               <a:defRPr sz="1200"/>
             </a:lvl9pPr>
           </a:lstStyle>
-          <a:p/>
+          <a:p>
+            <a:endParaRPr/>
+          </a:p>
         </p:txBody>
       </p:sp>
       <p:sp>
         <p:nvSpPr>
           <p:cNvPr id="31" name="Google Shape;31;p7"/>
-          <p:cNvSpPr txBox="1"/>
+          <p:cNvSpPr txBox="1">
+            <a:spLocks noGrp="1"/>
+          </p:cNvSpPr>
           <p:nvPr>
-            <p:ph idx="12" type="sldNum"/>
+            <p:ph type="sldNum" idx="12"/>
           </p:nvPr>
         </p:nvSpPr>
         <p:spPr>
@@ -3890,7 +4011,7 @@
           </a:prstGeom>
         </p:spPr>
         <p:txBody>
-          <a:bodyPr anchorCtr="0" anchor="ctr" bIns="91425" lIns="91425" spcFirstLastPara="1" rIns="91425" wrap="square" tIns="91425">
+          <a:bodyPr spcFirstLastPara="1" wrap="square" lIns="91425" tIns="91425" rIns="91425" bIns="91425" anchor="ctr" anchorCtr="0">
             <a:normAutofit/>
           </a:bodyPr>
           <a:lstStyle>
@@ -3932,7 +4053,7 @@
             </a:lvl9pPr>
           </a:lstStyle>
           <a:p>
-            <a:pPr indent="0" lvl="0" marL="0" rtl="0" algn="r">
+            <a:pPr marL="0" lvl="0" indent="0" algn="r" rtl="0">
               <a:spcBef>
                 <a:spcPts val="0"/>
               </a:spcBef>
@@ -3958,11 +4079,11 @@
 </file>
 
 <file path=ppt/slideLayouts/slideLayout7.xml><?xml version="1.0" encoding="utf-8"?>
-<p:sldLayout xmlns:a="http://schemas.openxmlformats.org/drawingml/2006/main" xmlns:r="http://schemas.openxmlformats.org/officeDocument/2006/relationships" xmlns:mc="http://schemas.openxmlformats.org/markup-compatibility/2006" xmlns:mv="urn:schemas-microsoft-com:mac:vml" xmlns:p="http://schemas.openxmlformats.org/presentationml/2006/main" xmlns:c="http://schemas.openxmlformats.org/drawingml/2006/chart" xmlns:dgm="http://schemas.openxmlformats.org/drawingml/2006/diagram" xmlns:o="urn:schemas-microsoft-com:office:office" xmlns:v="urn:schemas-microsoft-com:vml" xmlns:pvml="urn:schemas-microsoft-com:office:powerpoint" xmlns:com="http://schemas.openxmlformats.org/drawingml/2006/compatibility" xmlns:p14="http://schemas.microsoft.com/office/powerpoint/2010/main" xmlns:p15="http://schemas.microsoft.com/office/powerpoint/2012/main" xmlns:ahyp="http://schemas.microsoft.com/office/drawing/2018/hyperlinkcolor" matchingName="Main point">
+<p:sldLayout xmlns:a="http://schemas.openxmlformats.org/drawingml/2006/main" xmlns:r="http://schemas.openxmlformats.org/officeDocument/2006/relationships" xmlns:p="http://schemas.openxmlformats.org/presentationml/2006/main" matchingName="Main point">
   <p:cSld name="MAIN_POINT">
     <p:spTree>
       <p:nvGrpSpPr>
-        <p:cNvPr id="32" name="Shape 32"/>
+        <p:cNvPr id="1" name="Shape 32"/>
         <p:cNvGrpSpPr/>
         <p:nvPr/>
       </p:nvGrpSpPr>
@@ -3977,7 +4098,9 @@
       <p:sp>
         <p:nvSpPr>
           <p:cNvPr id="33" name="Google Shape;33;p8"/>
-          <p:cNvSpPr txBox="1"/>
+          <p:cNvSpPr txBox="1">
+            <a:spLocks noGrp="1"/>
+          </p:cNvSpPr>
           <p:nvPr>
             <p:ph type="title"/>
           </p:nvPr>
@@ -3992,7 +4115,7 @@
           </a:prstGeom>
         </p:spPr>
         <p:txBody>
-          <a:bodyPr anchorCtr="0" anchor="ctr" bIns="91425" lIns="91425" spcFirstLastPara="1" rIns="91425" wrap="square" tIns="91425">
+          <a:bodyPr spcFirstLastPara="1" wrap="square" lIns="91425" tIns="91425" rIns="91425" bIns="91425" anchor="ctr" anchorCtr="0">
             <a:normAutofit/>
           </a:bodyPr>
           <a:lstStyle>
@@ -4096,15 +4219,19 @@
               <a:defRPr sz="4800"/>
             </a:lvl9pPr>
           </a:lstStyle>
-          <a:p/>
+          <a:p>
+            <a:endParaRPr/>
+          </a:p>
         </p:txBody>
       </p:sp>
       <p:sp>
         <p:nvSpPr>
           <p:cNvPr id="34" name="Google Shape;34;p8"/>
-          <p:cNvSpPr txBox="1"/>
+          <p:cNvSpPr txBox="1">
+            <a:spLocks noGrp="1"/>
+          </p:cNvSpPr>
           <p:nvPr>
-            <p:ph idx="12" type="sldNum"/>
+            <p:ph type="sldNum" idx="12"/>
           </p:nvPr>
         </p:nvSpPr>
         <p:spPr>
@@ -4117,7 +4244,7 @@
           </a:prstGeom>
         </p:spPr>
         <p:txBody>
-          <a:bodyPr anchorCtr="0" anchor="ctr" bIns="91425" lIns="91425" spcFirstLastPara="1" rIns="91425" wrap="square" tIns="91425">
+          <a:bodyPr spcFirstLastPara="1" wrap="square" lIns="91425" tIns="91425" rIns="91425" bIns="91425" anchor="ctr" anchorCtr="0">
             <a:normAutofit/>
           </a:bodyPr>
           <a:lstStyle>
@@ -4159,7 +4286,7 @@
             </a:lvl9pPr>
           </a:lstStyle>
           <a:p>
-            <a:pPr indent="0" lvl="0" marL="0" rtl="0" algn="r">
+            <a:pPr marL="0" lvl="0" indent="0" algn="r" rtl="0">
               <a:spcBef>
                 <a:spcPts val="0"/>
               </a:spcBef>
@@ -4185,11 +4312,11 @@
 </file>
 
 <file path=ppt/slideLayouts/slideLayout8.xml><?xml version="1.0" encoding="utf-8"?>
-<p:sldLayout xmlns:a="http://schemas.openxmlformats.org/drawingml/2006/main" xmlns:r="http://schemas.openxmlformats.org/officeDocument/2006/relationships" xmlns:mc="http://schemas.openxmlformats.org/markup-compatibility/2006" xmlns:mv="urn:schemas-microsoft-com:mac:vml" xmlns:p="http://schemas.openxmlformats.org/presentationml/2006/main" xmlns:c="http://schemas.openxmlformats.org/drawingml/2006/chart" xmlns:dgm="http://schemas.openxmlformats.org/drawingml/2006/diagram" xmlns:o="urn:schemas-microsoft-com:office:office" xmlns:v="urn:schemas-microsoft-com:vml" xmlns:pvml="urn:schemas-microsoft-com:office:powerpoint" xmlns:com="http://schemas.openxmlformats.org/drawingml/2006/compatibility" xmlns:p14="http://schemas.microsoft.com/office/powerpoint/2010/main" xmlns:p15="http://schemas.microsoft.com/office/powerpoint/2012/main" xmlns:ahyp="http://schemas.microsoft.com/office/drawing/2018/hyperlinkcolor" matchingName="Section title and description">
+<p:sldLayout xmlns:a="http://schemas.openxmlformats.org/drawingml/2006/main" xmlns:r="http://schemas.openxmlformats.org/officeDocument/2006/relationships" xmlns:p="http://schemas.openxmlformats.org/presentationml/2006/main" matchingName="Section title and description">
   <p:cSld name="SECTION_TITLE_AND_DESCRIPTION">
     <p:spTree>
       <p:nvGrpSpPr>
-        <p:cNvPr id="35" name="Shape 35"/>
+        <p:cNvPr id="1" name="Shape 35"/>
         <p:cNvGrpSpPr/>
         <p:nvPr/>
       </p:nvGrpSpPr>
@@ -4223,12 +4350,12 @@
           </a:ln>
         </p:spPr>
         <p:txBody>
-          <a:bodyPr anchorCtr="0" anchor="ctr" bIns="91425" lIns="91425" spcFirstLastPara="1" rIns="91425" wrap="square" tIns="91425">
+          <a:bodyPr spcFirstLastPara="1" wrap="square" lIns="91425" tIns="91425" rIns="91425" bIns="91425" anchor="ctr" anchorCtr="0">
             <a:noAutofit/>
           </a:bodyPr>
           <a:lstStyle/>
           <a:p>
-            <a:pPr indent="0" lvl="0" marL="0" rtl="0" algn="l">
+            <a:pPr marL="0" lvl="0" indent="0" algn="l" rtl="0">
               <a:spcBef>
                 <a:spcPts val="0"/>
               </a:spcBef>
@@ -4237,9 +4364,6 @@
               </a:spcAft>
               <a:buNone/>
             </a:pPr>
-            <a:r>
-              <a:t/>
-            </a:r>
             <a:endParaRPr/>
           </a:p>
         </p:txBody>
@@ -4247,7 +4371,9 @@
       <p:sp>
         <p:nvSpPr>
           <p:cNvPr id="37" name="Google Shape;37;p9"/>
-          <p:cNvSpPr txBox="1"/>
+          <p:cNvSpPr txBox="1">
+            <a:spLocks noGrp="1"/>
+          </p:cNvSpPr>
           <p:nvPr>
             <p:ph type="title"/>
           </p:nvPr>
@@ -4262,7 +4388,7 @@
           </a:prstGeom>
         </p:spPr>
         <p:txBody>
-          <a:bodyPr anchorCtr="0" anchor="b" bIns="91425" lIns="91425" spcFirstLastPara="1" rIns="91425" wrap="square" tIns="91425">
+          <a:bodyPr spcFirstLastPara="1" wrap="square" lIns="91425" tIns="91425" rIns="91425" bIns="91425" anchor="b" anchorCtr="0">
             <a:normAutofit/>
           </a:bodyPr>
           <a:lstStyle>
@@ -4366,15 +4492,19 @@
               <a:defRPr sz="4200"/>
             </a:lvl9pPr>
           </a:lstStyle>
-          <a:p/>
+          <a:p>
+            <a:endParaRPr/>
+          </a:p>
         </p:txBody>
       </p:sp>
       <p:sp>
         <p:nvSpPr>
           <p:cNvPr id="38" name="Google Shape;38;p9"/>
-          <p:cNvSpPr txBox="1"/>
+          <p:cNvSpPr txBox="1">
+            <a:spLocks noGrp="1"/>
+          </p:cNvSpPr>
           <p:nvPr>
-            <p:ph idx="1" type="subTitle"/>
+            <p:ph type="subTitle" idx="1"/>
           </p:nvPr>
         </p:nvSpPr>
         <p:spPr>
@@ -4387,7 +4517,7 @@
           </a:prstGeom>
         </p:spPr>
         <p:txBody>
-          <a:bodyPr anchorCtr="0" anchor="t" bIns="91425" lIns="91425" spcFirstLastPara="1" rIns="91425" wrap="square" tIns="91425">
+          <a:bodyPr spcFirstLastPara="1" wrap="square" lIns="91425" tIns="91425" rIns="91425" bIns="91425" anchor="t" anchorCtr="0">
             <a:normAutofit/>
           </a:bodyPr>
           <a:lstStyle>
@@ -4518,15 +4648,19 @@
               <a:defRPr sz="2100"/>
             </a:lvl9pPr>
           </a:lstStyle>
-          <a:p/>
+          <a:p>
+            <a:endParaRPr/>
+          </a:p>
         </p:txBody>
       </p:sp>
       <p:sp>
         <p:nvSpPr>
           <p:cNvPr id="39" name="Google Shape;39;p9"/>
-          <p:cNvSpPr txBox="1"/>
+          <p:cNvSpPr txBox="1">
+            <a:spLocks noGrp="1"/>
+          </p:cNvSpPr>
           <p:nvPr>
-            <p:ph idx="2" type="body"/>
+            <p:ph type="body" idx="2"/>
           </p:nvPr>
         </p:nvSpPr>
         <p:spPr>
@@ -4539,11 +4673,11 @@
           </a:prstGeom>
         </p:spPr>
         <p:txBody>
-          <a:bodyPr anchorCtr="0" anchor="ctr" bIns="91425" lIns="91425" spcFirstLastPara="1" rIns="91425" wrap="square" tIns="91425">
+          <a:bodyPr spcFirstLastPara="1" wrap="square" lIns="91425" tIns="91425" rIns="91425" bIns="91425" anchor="ctr" anchorCtr="0">
             <a:normAutofit/>
           </a:bodyPr>
           <a:lstStyle>
-            <a:lvl1pPr indent="-342900" lvl="0" marL="457200">
+            <a:lvl1pPr marL="457200" lvl="0" indent="-342900">
               <a:spcBef>
                 <a:spcPts val="0"/>
               </a:spcBef>
@@ -4554,7 +4688,7 @@
               <a:buChar char="●"/>
               <a:defRPr/>
             </a:lvl1pPr>
-            <a:lvl2pPr indent="-317500" lvl="1" marL="914400">
+            <a:lvl2pPr marL="914400" lvl="1" indent="-317500">
               <a:spcBef>
                 <a:spcPts val="0"/>
               </a:spcBef>
@@ -4565,7 +4699,7 @@
               <a:buChar char="○"/>
               <a:defRPr/>
             </a:lvl2pPr>
-            <a:lvl3pPr indent="-317500" lvl="2" marL="1371600">
+            <a:lvl3pPr marL="1371600" lvl="2" indent="-317500">
               <a:spcBef>
                 <a:spcPts val="0"/>
               </a:spcBef>
@@ -4576,7 +4710,7 @@
               <a:buChar char="■"/>
               <a:defRPr/>
             </a:lvl3pPr>
-            <a:lvl4pPr indent="-317500" lvl="3" marL="1828800">
+            <a:lvl4pPr marL="1828800" lvl="3" indent="-317500">
               <a:spcBef>
                 <a:spcPts val="0"/>
               </a:spcBef>
@@ -4587,7 +4721,7 @@
               <a:buChar char="●"/>
               <a:defRPr/>
             </a:lvl4pPr>
-            <a:lvl5pPr indent="-317500" lvl="4" marL="2286000">
+            <a:lvl5pPr marL="2286000" lvl="4" indent="-317500">
               <a:spcBef>
                 <a:spcPts val="0"/>
               </a:spcBef>
@@ -4598,7 +4732,7 @@
               <a:buChar char="○"/>
               <a:defRPr/>
             </a:lvl5pPr>
-            <a:lvl6pPr indent="-317500" lvl="5" marL="2743200">
+            <a:lvl6pPr marL="2743200" lvl="5" indent="-317500">
               <a:spcBef>
                 <a:spcPts val="0"/>
               </a:spcBef>
@@ -4609,7 +4743,7 @@
               <a:buChar char="■"/>
               <a:defRPr/>
             </a:lvl6pPr>
-            <a:lvl7pPr indent="-317500" lvl="6" marL="3200400">
+            <a:lvl7pPr marL="3200400" lvl="6" indent="-317500">
               <a:spcBef>
                 <a:spcPts val="0"/>
               </a:spcBef>
@@ -4620,7 +4754,7 @@
               <a:buChar char="●"/>
               <a:defRPr/>
             </a:lvl7pPr>
-            <a:lvl8pPr indent="-317500" lvl="7" marL="3657600">
+            <a:lvl8pPr marL="3657600" lvl="7" indent="-317500">
               <a:spcBef>
                 <a:spcPts val="0"/>
               </a:spcBef>
@@ -4631,7 +4765,7 @@
               <a:buChar char="○"/>
               <a:defRPr/>
             </a:lvl8pPr>
-            <a:lvl9pPr indent="-317500" lvl="8" marL="4114800">
+            <a:lvl9pPr marL="4114800" lvl="8" indent="-317500">
               <a:spcBef>
                 <a:spcPts val="0"/>
               </a:spcBef>
@@ -4643,15 +4777,19 @@
               <a:defRPr/>
             </a:lvl9pPr>
           </a:lstStyle>
-          <a:p/>
+          <a:p>
+            <a:endParaRPr/>
+          </a:p>
         </p:txBody>
       </p:sp>
       <p:sp>
         <p:nvSpPr>
           <p:cNvPr id="40" name="Google Shape;40;p9"/>
-          <p:cNvSpPr txBox="1"/>
+          <p:cNvSpPr txBox="1">
+            <a:spLocks noGrp="1"/>
+          </p:cNvSpPr>
           <p:nvPr>
-            <p:ph idx="12" type="sldNum"/>
+            <p:ph type="sldNum" idx="12"/>
           </p:nvPr>
         </p:nvSpPr>
         <p:spPr>
@@ -4664,7 +4802,7 @@
           </a:prstGeom>
         </p:spPr>
         <p:txBody>
-          <a:bodyPr anchorCtr="0" anchor="ctr" bIns="91425" lIns="91425" spcFirstLastPara="1" rIns="91425" wrap="square" tIns="91425">
+          <a:bodyPr spcFirstLastPara="1" wrap="square" lIns="91425" tIns="91425" rIns="91425" bIns="91425" anchor="ctr" anchorCtr="0">
             <a:normAutofit/>
           </a:bodyPr>
           <a:lstStyle>
@@ -4706,7 +4844,7 @@
             </a:lvl9pPr>
           </a:lstStyle>
           <a:p>
-            <a:pPr indent="0" lvl="0" marL="0" rtl="0" algn="r">
+            <a:pPr marL="0" lvl="0" indent="0" algn="r" rtl="0">
               <a:spcBef>
                 <a:spcPts val="0"/>
               </a:spcBef>
@@ -4732,11 +4870,11 @@
 </file>
 
 <file path=ppt/slideLayouts/slideLayout9.xml><?xml version="1.0" encoding="utf-8"?>
-<p:sldLayout xmlns:a="http://schemas.openxmlformats.org/drawingml/2006/main" xmlns:r="http://schemas.openxmlformats.org/officeDocument/2006/relationships" xmlns:mc="http://schemas.openxmlformats.org/markup-compatibility/2006" xmlns:mv="urn:schemas-microsoft-com:mac:vml" xmlns:p="http://schemas.openxmlformats.org/presentationml/2006/main" xmlns:c="http://schemas.openxmlformats.org/drawingml/2006/chart" xmlns:dgm="http://schemas.openxmlformats.org/drawingml/2006/diagram" xmlns:o="urn:schemas-microsoft-com:office:office" xmlns:v="urn:schemas-microsoft-com:vml" xmlns:pvml="urn:schemas-microsoft-com:office:powerpoint" xmlns:com="http://schemas.openxmlformats.org/drawingml/2006/compatibility" xmlns:p14="http://schemas.microsoft.com/office/powerpoint/2010/main" xmlns:p15="http://schemas.microsoft.com/office/powerpoint/2012/main" xmlns:ahyp="http://schemas.microsoft.com/office/drawing/2018/hyperlinkcolor" matchingName="Caption">
+<p:sldLayout xmlns:a="http://schemas.openxmlformats.org/drawingml/2006/main" xmlns:r="http://schemas.openxmlformats.org/officeDocument/2006/relationships" xmlns:p="http://schemas.openxmlformats.org/presentationml/2006/main" matchingName="Caption">
   <p:cSld name="CAPTION_ONLY">
     <p:spTree>
       <p:nvGrpSpPr>
-        <p:cNvPr id="41" name="Shape 41"/>
+        <p:cNvPr id="1" name="Shape 41"/>
         <p:cNvGrpSpPr/>
         <p:nvPr/>
       </p:nvGrpSpPr>
@@ -4751,9 +4889,11 @@
       <p:sp>
         <p:nvSpPr>
           <p:cNvPr id="42" name="Google Shape;42;p10"/>
-          <p:cNvSpPr txBox="1"/>
+          <p:cNvSpPr txBox="1">
+            <a:spLocks noGrp="1"/>
+          </p:cNvSpPr>
           <p:nvPr>
-            <p:ph idx="1" type="body"/>
+            <p:ph type="body" idx="1"/>
           </p:nvPr>
         </p:nvSpPr>
         <p:spPr>
@@ -4766,11 +4906,11 @@
           </a:prstGeom>
         </p:spPr>
         <p:txBody>
-          <a:bodyPr anchorCtr="0" anchor="ctr" bIns="91425" lIns="91425" spcFirstLastPara="1" rIns="91425" wrap="square" tIns="91425">
+          <a:bodyPr spcFirstLastPara="1" wrap="square" lIns="91425" tIns="91425" rIns="91425" bIns="91425" anchor="ctr" anchorCtr="0">
             <a:normAutofit/>
           </a:bodyPr>
           <a:lstStyle>
-            <a:lvl1pPr indent="-228600" lvl="0" marL="457200">
+            <a:lvl1pPr marL="457200" lvl="0" indent="-228600">
               <a:lnSpc>
                 <a:spcPct val="100000"/>
               </a:lnSpc>
@@ -4785,15 +4925,19 @@
               <a:defRPr/>
             </a:lvl1pPr>
           </a:lstStyle>
-          <a:p/>
+          <a:p>
+            <a:endParaRPr/>
+          </a:p>
         </p:txBody>
       </p:sp>
       <p:sp>
         <p:nvSpPr>
           <p:cNvPr id="43" name="Google Shape;43;p10"/>
-          <p:cNvSpPr txBox="1"/>
+          <p:cNvSpPr txBox="1">
+            <a:spLocks noGrp="1"/>
+          </p:cNvSpPr>
           <p:nvPr>
-            <p:ph idx="12" type="sldNum"/>
+            <p:ph type="sldNum" idx="12"/>
           </p:nvPr>
         </p:nvSpPr>
         <p:spPr>
@@ -4806,7 +4950,7 @@
           </a:prstGeom>
         </p:spPr>
         <p:txBody>
-          <a:bodyPr anchorCtr="0" anchor="ctr" bIns="91425" lIns="91425" spcFirstLastPara="1" rIns="91425" wrap="square" tIns="91425">
+          <a:bodyPr spcFirstLastPara="1" wrap="square" lIns="91425" tIns="91425" rIns="91425" bIns="91425" anchor="ctr" anchorCtr="0">
             <a:normAutofit/>
           </a:bodyPr>
           <a:lstStyle>
@@ -4848,7 +4992,7 @@
             </a:lvl9pPr>
           </a:lstStyle>
           <a:p>
-            <a:pPr indent="0" lvl="0" marL="0" rtl="0" algn="r">
+            <a:pPr marL="0" lvl="0" indent="0" algn="r" rtl="0">
               <a:spcBef>
                 <a:spcPts val="0"/>
               </a:spcBef>
@@ -4874,18 +5018,19 @@
 </file>
 
 <file path=ppt/slideMasters/slideMaster1.xml><?xml version="1.0" encoding="utf-8"?>
-<p:sldMaster xmlns:a="http://schemas.openxmlformats.org/drawingml/2006/main" xmlns:r="http://schemas.openxmlformats.org/officeDocument/2006/relationships" xmlns:mc="http://schemas.openxmlformats.org/markup-compatibility/2006" xmlns:mv="urn:schemas-microsoft-com:mac:vml" xmlns:p="http://schemas.openxmlformats.org/presentationml/2006/main" xmlns:c="http://schemas.openxmlformats.org/drawingml/2006/chart" xmlns:dgm="http://schemas.openxmlformats.org/drawingml/2006/diagram" xmlns:o="urn:schemas-microsoft-com:office:office" xmlns:v="urn:schemas-microsoft-com:vml" xmlns:pvml="urn:schemas-microsoft-com:office:powerpoint" xmlns:com="http://schemas.openxmlformats.org/drawingml/2006/compatibility" xmlns:p14="http://schemas.microsoft.com/office/powerpoint/2010/main" xmlns:p15="http://schemas.microsoft.com/office/powerpoint/2012/main" xmlns:ahyp="http://schemas.microsoft.com/office/drawing/2018/hyperlinkcolor">
+<p:sldMaster xmlns:a="http://schemas.openxmlformats.org/drawingml/2006/main" xmlns:r="http://schemas.openxmlformats.org/officeDocument/2006/relationships" xmlns:p="http://schemas.openxmlformats.org/presentationml/2006/main">
   <p:cSld name="simple-light-2">
     <p:bg>
       <p:bgPr>
         <a:solidFill>
           <a:schemeClr val="lt1"/>
         </a:solidFill>
+        <a:effectLst/>
       </p:bgPr>
     </p:bg>
     <p:spTree>
       <p:nvGrpSpPr>
-        <p:cNvPr id="5" name="Shape 5"/>
+        <p:cNvPr id="1" name="Shape 5"/>
         <p:cNvGrpSpPr/>
         <p:nvPr/>
       </p:nvGrpSpPr>
@@ -4900,7 +5045,9 @@
       <p:sp>
         <p:nvSpPr>
           <p:cNvPr id="6" name="Google Shape;6;p1"/>
-          <p:cNvSpPr txBox="1"/>
+          <p:cNvSpPr txBox="1">
+            <a:spLocks noGrp="1"/>
+          </p:cNvSpPr>
           <p:nvPr>
             <p:ph type="title"/>
           </p:nvPr>
@@ -4919,7 +5066,7 @@
           </a:ln>
         </p:spPr>
         <p:txBody>
-          <a:bodyPr anchorCtr="0" anchor="t" bIns="91425" lIns="91425" spcFirstLastPara="1" rIns="91425" wrap="square" tIns="91425">
+          <a:bodyPr spcFirstLastPara="1" wrap="square" lIns="91425" tIns="91425" rIns="91425" bIns="91425" anchor="t" anchorCtr="0">
             <a:normAutofit/>
           </a:bodyPr>
           <a:lstStyle>
@@ -5086,15 +5233,19 @@
               </a:defRPr>
             </a:lvl9pPr>
           </a:lstStyle>
-          <a:p/>
+          <a:p>
+            <a:endParaRPr/>
+          </a:p>
         </p:txBody>
       </p:sp>
       <p:sp>
         <p:nvSpPr>
           <p:cNvPr id="7" name="Google Shape;7;p1"/>
-          <p:cNvSpPr txBox="1"/>
+          <p:cNvSpPr txBox="1">
+            <a:spLocks noGrp="1"/>
+          </p:cNvSpPr>
           <p:nvPr>
-            <p:ph idx="1" type="body"/>
+            <p:ph type="body" idx="1"/>
           </p:nvPr>
         </p:nvSpPr>
         <p:spPr>
@@ -5111,11 +5262,11 @@
           </a:ln>
         </p:spPr>
         <p:txBody>
-          <a:bodyPr anchorCtr="0" anchor="t" bIns="91425" lIns="91425" spcFirstLastPara="1" rIns="91425" wrap="square" tIns="91425">
+          <a:bodyPr spcFirstLastPara="1" wrap="square" lIns="91425" tIns="91425" rIns="91425" bIns="91425" anchor="t" anchorCtr="0">
             <a:normAutofit/>
           </a:bodyPr>
           <a:lstStyle>
-            <a:lvl1pPr indent="-342900" lvl="0" marL="457200">
+            <a:lvl1pPr marL="457200" lvl="0" indent="-342900">
               <a:lnSpc>
                 <a:spcPct val="115000"/>
               </a:lnSpc>
@@ -5136,7 +5287,7 @@
                 </a:solidFill>
               </a:defRPr>
             </a:lvl1pPr>
-            <a:lvl2pPr indent="-317500" lvl="1" marL="914400">
+            <a:lvl2pPr marL="914400" lvl="1" indent="-317500">
               <a:lnSpc>
                 <a:spcPct val="115000"/>
               </a:lnSpc>
@@ -5157,7 +5308,7 @@
                 </a:solidFill>
               </a:defRPr>
             </a:lvl2pPr>
-            <a:lvl3pPr indent="-317500" lvl="2" marL="1371600">
+            <a:lvl3pPr marL="1371600" lvl="2" indent="-317500">
               <a:lnSpc>
                 <a:spcPct val="115000"/>
               </a:lnSpc>
@@ -5178,7 +5329,7 @@
                 </a:solidFill>
               </a:defRPr>
             </a:lvl3pPr>
-            <a:lvl4pPr indent="-317500" lvl="3" marL="1828800">
+            <a:lvl4pPr marL="1828800" lvl="3" indent="-317500">
               <a:lnSpc>
                 <a:spcPct val="115000"/>
               </a:lnSpc>
@@ -5199,7 +5350,7 @@
                 </a:solidFill>
               </a:defRPr>
             </a:lvl4pPr>
-            <a:lvl5pPr indent="-317500" lvl="4" marL="2286000">
+            <a:lvl5pPr marL="2286000" lvl="4" indent="-317500">
               <a:lnSpc>
                 <a:spcPct val="115000"/>
               </a:lnSpc>
@@ -5220,7 +5371,7 @@
                 </a:solidFill>
               </a:defRPr>
             </a:lvl5pPr>
-            <a:lvl6pPr indent="-317500" lvl="5" marL="2743200">
+            <a:lvl6pPr marL="2743200" lvl="5" indent="-317500">
               <a:lnSpc>
                 <a:spcPct val="115000"/>
               </a:lnSpc>
@@ -5241,7 +5392,7 @@
                 </a:solidFill>
               </a:defRPr>
             </a:lvl6pPr>
-            <a:lvl7pPr indent="-317500" lvl="6" marL="3200400">
+            <a:lvl7pPr marL="3200400" lvl="6" indent="-317500">
               <a:lnSpc>
                 <a:spcPct val="115000"/>
               </a:lnSpc>
@@ -5262,7 +5413,7 @@
                 </a:solidFill>
               </a:defRPr>
             </a:lvl7pPr>
-            <a:lvl8pPr indent="-317500" lvl="7" marL="3657600">
+            <a:lvl8pPr marL="3657600" lvl="7" indent="-317500">
               <a:lnSpc>
                 <a:spcPct val="115000"/>
               </a:lnSpc>
@@ -5283,7 +5434,7 @@
                 </a:solidFill>
               </a:defRPr>
             </a:lvl8pPr>
-            <a:lvl9pPr indent="-317500" lvl="8" marL="4114800">
+            <a:lvl9pPr marL="4114800" lvl="8" indent="-317500">
               <a:lnSpc>
                 <a:spcPct val="115000"/>
               </a:lnSpc>
@@ -5305,15 +5456,19 @@
               </a:defRPr>
             </a:lvl9pPr>
           </a:lstStyle>
-          <a:p/>
+          <a:p>
+            <a:endParaRPr/>
+          </a:p>
         </p:txBody>
       </p:sp>
       <p:sp>
         <p:nvSpPr>
           <p:cNvPr id="8" name="Google Shape;8;p1"/>
-          <p:cNvSpPr txBox="1"/>
+          <p:cNvSpPr txBox="1">
+            <a:spLocks noGrp="1"/>
+          </p:cNvSpPr>
           <p:nvPr>
-            <p:ph idx="12" type="sldNum"/>
+            <p:ph type="sldNum" idx="12"/>
           </p:nvPr>
         </p:nvSpPr>
         <p:spPr>
@@ -5330,7 +5485,7 @@
           </a:ln>
         </p:spPr>
         <p:txBody>
-          <a:bodyPr anchorCtr="0" anchor="ctr" bIns="91425" lIns="91425" spcFirstLastPara="1" rIns="91425" wrap="square" tIns="91425">
+          <a:bodyPr spcFirstLastPara="1" wrap="square" lIns="91425" tIns="91425" rIns="91425" bIns="91425" anchor="ctr" anchorCtr="0">
             <a:normAutofit/>
           </a:bodyPr>
           <a:lstStyle>
@@ -5408,7 +5563,7 @@
             </a:lvl9pPr>
           </a:lstStyle>
           <a:p>
-            <a:pPr indent="0" lvl="0" marL="0" rtl="0" algn="r">
+            <a:pPr marL="0" lvl="0" indent="0" algn="r" rtl="0">
               <a:spcBef>
                 <a:spcPts val="0"/>
               </a:spcBef>
@@ -5427,7 +5582,7 @@
       </p:sp>
     </p:spTree>
   </p:cSld>
-  <p:clrMap accent1="accent1" accent2="accent2" accent3="accent3" accent4="accent4" accent5="accent5" accent6="accent6" bg1="lt1" bg2="dk2" tx1="dk1" tx2="lt2" folHlink="folHlink" hlink="hlink"/>
+  <p:clrMap bg1="lt1" tx1="dk1" bg2="dk2" tx2="lt2" accent1="accent1" accent2="accent2" accent3="accent3" accent4="accent4" accent5="accent5" accent6="accent6" hlink="hlink" folHlink="folHlink"/>
   <p:sldLayoutIdLst>
     <p:sldLayoutId id="2147483648" r:id="rId1"/>
     <p:sldLayoutId id="2147483649" r:id="rId2"/>
@@ -5441,10 +5596,10 @@
     <p:sldLayoutId id="2147483657" r:id="rId10"/>
     <p:sldLayoutId id="2147483658" r:id="rId11"/>
   </p:sldLayoutIdLst>
-  <p:hf dt="0" ftr="0" hdr="0" sldNum="0"/>
+  <p:hf sldNum="0" hdr="0" ftr="0" dt="0"/>
   <p:txStyles>
     <p:titleStyle>
-      <a:defPPr lvl="0" marR="0" rtl="0" algn="l">
+      <a:defPPr marR="0" lvl="0" algn="l" rtl="0">
         <a:lnSpc>
           <a:spcPct val="100000"/>
         </a:lnSpc>
@@ -5455,7 +5610,7 @@
           <a:spcPts val="0"/>
         </a:spcAft>
       </a:defPPr>
-      <a:lvl1pPr lvl="0" marR="0" rtl="0" algn="l">
+      <a:lvl1pPr marR="0" lvl="0" algn="l" rtl="0">
         <a:lnSpc>
           <a:spcPct val="100000"/>
         </a:lnSpc>
@@ -5469,7 +5624,7 @@
           <a:srgbClr val="000000"/>
         </a:buClr>
         <a:buFont typeface="Arial"/>
-        <a:defRPr b="0" i="0" sz="1400" u="none" cap="none" strike="noStrike">
+        <a:defRPr sz="1400" b="0" i="0" u="none" strike="noStrike" cap="none">
           <a:solidFill>
             <a:srgbClr val="000000"/>
           </a:solidFill>
@@ -5479,7 +5634,7 @@
           <a:sym typeface="Arial"/>
         </a:defRPr>
       </a:lvl1pPr>
-      <a:lvl2pPr lvl="1" marR="0" rtl="0" algn="l">
+      <a:lvl2pPr marR="0" lvl="1" algn="l" rtl="0">
         <a:lnSpc>
           <a:spcPct val="100000"/>
         </a:lnSpc>
@@ -5493,7 +5648,7 @@
           <a:srgbClr val="000000"/>
         </a:buClr>
         <a:buFont typeface="Arial"/>
-        <a:defRPr b="0" i="0" sz="1400" u="none" cap="none" strike="noStrike">
+        <a:defRPr sz="1400" b="0" i="0" u="none" strike="noStrike" cap="none">
           <a:solidFill>
             <a:srgbClr val="000000"/>
           </a:solidFill>
@@ -5503,7 +5658,7 @@
           <a:sym typeface="Arial"/>
         </a:defRPr>
       </a:lvl2pPr>
-      <a:lvl3pPr lvl="2" marR="0" rtl="0" algn="l">
+      <a:lvl3pPr marR="0" lvl="2" algn="l" rtl="0">
         <a:lnSpc>
           <a:spcPct val="100000"/>
         </a:lnSpc>
@@ -5517,7 +5672,7 @@
           <a:srgbClr val="000000"/>
         </a:buClr>
         <a:buFont typeface="Arial"/>
-        <a:defRPr b="0" i="0" sz="1400" u="none" cap="none" strike="noStrike">
+        <a:defRPr sz="1400" b="0" i="0" u="none" strike="noStrike" cap="none">
           <a:solidFill>
             <a:srgbClr val="000000"/>
           </a:solidFill>
@@ -5527,7 +5682,7 @@
           <a:sym typeface="Arial"/>
         </a:defRPr>
       </a:lvl3pPr>
-      <a:lvl4pPr lvl="3" marR="0" rtl="0" algn="l">
+      <a:lvl4pPr marR="0" lvl="3" algn="l" rtl="0">
         <a:lnSpc>
           <a:spcPct val="100000"/>
         </a:lnSpc>
@@ -5541,7 +5696,7 @@
           <a:srgbClr val="000000"/>
         </a:buClr>
         <a:buFont typeface="Arial"/>
-        <a:defRPr b="0" i="0" sz="1400" u="none" cap="none" strike="noStrike">
+        <a:defRPr sz="1400" b="0" i="0" u="none" strike="noStrike" cap="none">
           <a:solidFill>
             <a:srgbClr val="000000"/>
           </a:solidFill>
@@ -5551,7 +5706,7 @@
           <a:sym typeface="Arial"/>
         </a:defRPr>
       </a:lvl4pPr>
-      <a:lvl5pPr lvl="4" marR="0" rtl="0" algn="l">
+      <a:lvl5pPr marR="0" lvl="4" algn="l" rtl="0">
         <a:lnSpc>
           <a:spcPct val="100000"/>
         </a:lnSpc>
@@ -5565,7 +5720,7 @@
           <a:srgbClr val="000000"/>
         </a:buClr>
         <a:buFont typeface="Arial"/>
-        <a:defRPr b="0" i="0" sz="1400" u="none" cap="none" strike="noStrike">
+        <a:defRPr sz="1400" b="0" i="0" u="none" strike="noStrike" cap="none">
           <a:solidFill>
             <a:srgbClr val="000000"/>
           </a:solidFill>
@@ -5575,7 +5730,7 @@
           <a:sym typeface="Arial"/>
         </a:defRPr>
       </a:lvl5pPr>
-      <a:lvl6pPr lvl="5" marR="0" rtl="0" algn="l">
+      <a:lvl6pPr marR="0" lvl="5" algn="l" rtl="0">
         <a:lnSpc>
           <a:spcPct val="100000"/>
         </a:lnSpc>
@@ -5589,7 +5744,7 @@
           <a:srgbClr val="000000"/>
         </a:buClr>
         <a:buFont typeface="Arial"/>
-        <a:defRPr b="0" i="0" sz="1400" u="none" cap="none" strike="noStrike">
+        <a:defRPr sz="1400" b="0" i="0" u="none" strike="noStrike" cap="none">
           <a:solidFill>
             <a:srgbClr val="000000"/>
           </a:solidFill>
@@ -5599,7 +5754,7 @@
           <a:sym typeface="Arial"/>
         </a:defRPr>
       </a:lvl6pPr>
-      <a:lvl7pPr lvl="6" marR="0" rtl="0" algn="l">
+      <a:lvl7pPr marR="0" lvl="6" algn="l" rtl="0">
         <a:lnSpc>
           <a:spcPct val="100000"/>
         </a:lnSpc>
@@ -5613,7 +5768,7 @@
           <a:srgbClr val="000000"/>
         </a:buClr>
         <a:buFont typeface="Arial"/>
-        <a:defRPr b="0" i="0" sz="1400" u="none" cap="none" strike="noStrike">
+        <a:defRPr sz="1400" b="0" i="0" u="none" strike="noStrike" cap="none">
           <a:solidFill>
             <a:srgbClr val="000000"/>
           </a:solidFill>
@@ -5623,7 +5778,7 @@
           <a:sym typeface="Arial"/>
         </a:defRPr>
       </a:lvl7pPr>
-      <a:lvl8pPr lvl="7" marR="0" rtl="0" algn="l">
+      <a:lvl8pPr marR="0" lvl="7" algn="l" rtl="0">
         <a:lnSpc>
           <a:spcPct val="100000"/>
         </a:lnSpc>
@@ -5637,7 +5792,7 @@
           <a:srgbClr val="000000"/>
         </a:buClr>
         <a:buFont typeface="Arial"/>
-        <a:defRPr b="0" i="0" sz="1400" u="none" cap="none" strike="noStrike">
+        <a:defRPr sz="1400" b="0" i="0" u="none" strike="noStrike" cap="none">
           <a:solidFill>
             <a:srgbClr val="000000"/>
           </a:solidFill>
@@ -5647,7 +5802,7 @@
           <a:sym typeface="Arial"/>
         </a:defRPr>
       </a:lvl8pPr>
-      <a:lvl9pPr lvl="8" marR="0" rtl="0" algn="l">
+      <a:lvl9pPr marR="0" lvl="8" algn="l" rtl="0">
         <a:lnSpc>
           <a:spcPct val="100000"/>
         </a:lnSpc>
@@ -5661,7 +5816,7 @@
           <a:srgbClr val="000000"/>
         </a:buClr>
         <a:buFont typeface="Arial"/>
-        <a:defRPr b="0" i="0" sz="1400" u="none" cap="none" strike="noStrike">
+        <a:defRPr sz="1400" b="0" i="0" u="none" strike="noStrike" cap="none">
           <a:solidFill>
             <a:srgbClr val="000000"/>
           </a:solidFill>
@@ -5673,7 +5828,7 @@
       </a:lvl9pPr>
     </p:titleStyle>
     <p:bodyStyle>
-      <a:defPPr lvl="0" marR="0" rtl="0" algn="l">
+      <a:defPPr marR="0" lvl="0" algn="l" rtl="0">
         <a:lnSpc>
           <a:spcPct val="100000"/>
         </a:lnSpc>
@@ -5684,7 +5839,7 @@
           <a:spcPts val="0"/>
         </a:spcAft>
       </a:defPPr>
-      <a:lvl1pPr lvl="0" marR="0" rtl="0" algn="l">
+      <a:lvl1pPr marR="0" lvl="0" algn="l" rtl="0">
         <a:lnSpc>
           <a:spcPct val="100000"/>
         </a:lnSpc>
@@ -5698,7 +5853,7 @@
           <a:srgbClr val="000000"/>
         </a:buClr>
         <a:buFont typeface="Arial"/>
-        <a:defRPr b="0" i="0" sz="1400" u="none" cap="none" strike="noStrike">
+        <a:defRPr sz="1400" b="0" i="0" u="none" strike="noStrike" cap="none">
           <a:solidFill>
             <a:srgbClr val="000000"/>
           </a:solidFill>
@@ -5708,7 +5863,7 @@
           <a:sym typeface="Arial"/>
         </a:defRPr>
       </a:lvl1pPr>
-      <a:lvl2pPr lvl="1" marR="0" rtl="0" algn="l">
+      <a:lvl2pPr marR="0" lvl="1" algn="l" rtl="0">
         <a:lnSpc>
           <a:spcPct val="100000"/>
         </a:lnSpc>
@@ -5722,7 +5877,7 @@
           <a:srgbClr val="000000"/>
         </a:buClr>
         <a:buFont typeface="Arial"/>
-        <a:defRPr b="0" i="0" sz="1400" u="none" cap="none" strike="noStrike">
+        <a:defRPr sz="1400" b="0" i="0" u="none" strike="noStrike" cap="none">
           <a:solidFill>
             <a:srgbClr val="000000"/>
           </a:solidFill>
@@ -5732,7 +5887,7 @@
           <a:sym typeface="Arial"/>
         </a:defRPr>
       </a:lvl2pPr>
-      <a:lvl3pPr lvl="2" marR="0" rtl="0" algn="l">
+      <a:lvl3pPr marR="0" lvl="2" algn="l" rtl="0">
         <a:lnSpc>
           <a:spcPct val="100000"/>
         </a:lnSpc>
@@ -5746,7 +5901,7 @@
           <a:srgbClr val="000000"/>
         </a:buClr>
         <a:buFont typeface="Arial"/>
-        <a:defRPr b="0" i="0" sz="1400" u="none" cap="none" strike="noStrike">
+        <a:defRPr sz="1400" b="0" i="0" u="none" strike="noStrike" cap="none">
           <a:solidFill>
             <a:srgbClr val="000000"/>
           </a:solidFill>
@@ -5756,7 +5911,7 @@
           <a:sym typeface="Arial"/>
         </a:defRPr>
       </a:lvl3pPr>
-      <a:lvl4pPr lvl="3" marR="0" rtl="0" algn="l">
+      <a:lvl4pPr marR="0" lvl="3" algn="l" rtl="0">
         <a:lnSpc>
           <a:spcPct val="100000"/>
         </a:lnSpc>
@@ -5770,7 +5925,7 @@
           <a:srgbClr val="000000"/>
         </a:buClr>
         <a:buFont typeface="Arial"/>
-        <a:defRPr b="0" i="0" sz="1400" u="none" cap="none" strike="noStrike">
+        <a:defRPr sz="1400" b="0" i="0" u="none" strike="noStrike" cap="none">
           <a:solidFill>
             <a:srgbClr val="000000"/>
           </a:solidFill>
@@ -5780,7 +5935,7 @@
           <a:sym typeface="Arial"/>
         </a:defRPr>
       </a:lvl4pPr>
-      <a:lvl5pPr lvl="4" marR="0" rtl="0" algn="l">
+      <a:lvl5pPr marR="0" lvl="4" algn="l" rtl="0">
         <a:lnSpc>
           <a:spcPct val="100000"/>
         </a:lnSpc>
@@ -5794,7 +5949,7 @@
           <a:srgbClr val="000000"/>
         </a:buClr>
         <a:buFont typeface="Arial"/>
-        <a:defRPr b="0" i="0" sz="1400" u="none" cap="none" strike="noStrike">
+        <a:defRPr sz="1400" b="0" i="0" u="none" strike="noStrike" cap="none">
           <a:solidFill>
             <a:srgbClr val="000000"/>
           </a:solidFill>
@@ -5804,7 +5959,7 @@
           <a:sym typeface="Arial"/>
         </a:defRPr>
       </a:lvl5pPr>
-      <a:lvl6pPr lvl="5" marR="0" rtl="0" algn="l">
+      <a:lvl6pPr marR="0" lvl="5" algn="l" rtl="0">
         <a:lnSpc>
           <a:spcPct val="100000"/>
         </a:lnSpc>
@@ -5818,7 +5973,7 @@
           <a:srgbClr val="000000"/>
         </a:buClr>
         <a:buFont typeface="Arial"/>
-        <a:defRPr b="0" i="0" sz="1400" u="none" cap="none" strike="noStrike">
+        <a:defRPr sz="1400" b="0" i="0" u="none" strike="noStrike" cap="none">
           <a:solidFill>
             <a:srgbClr val="000000"/>
           </a:solidFill>
@@ -5828,7 +5983,7 @@
           <a:sym typeface="Arial"/>
         </a:defRPr>
       </a:lvl6pPr>
-      <a:lvl7pPr lvl="6" marR="0" rtl="0" algn="l">
+      <a:lvl7pPr marR="0" lvl="6" algn="l" rtl="0">
         <a:lnSpc>
           <a:spcPct val="100000"/>
         </a:lnSpc>
@@ -5842,7 +5997,7 @@
           <a:srgbClr val="000000"/>
         </a:buClr>
         <a:buFont typeface="Arial"/>
-        <a:defRPr b="0" i="0" sz="1400" u="none" cap="none" strike="noStrike">
+        <a:defRPr sz="1400" b="0" i="0" u="none" strike="noStrike" cap="none">
           <a:solidFill>
             <a:srgbClr val="000000"/>
           </a:solidFill>
@@ -5852,7 +6007,7 @@
           <a:sym typeface="Arial"/>
         </a:defRPr>
       </a:lvl7pPr>
-      <a:lvl8pPr lvl="7" marR="0" rtl="0" algn="l">
+      <a:lvl8pPr marR="0" lvl="7" algn="l" rtl="0">
         <a:lnSpc>
           <a:spcPct val="100000"/>
         </a:lnSpc>
@@ -5866,7 +6021,7 @@
           <a:srgbClr val="000000"/>
         </a:buClr>
         <a:buFont typeface="Arial"/>
-        <a:defRPr b="0" i="0" sz="1400" u="none" cap="none" strike="noStrike">
+        <a:defRPr sz="1400" b="0" i="0" u="none" strike="noStrike" cap="none">
           <a:solidFill>
             <a:srgbClr val="000000"/>
           </a:solidFill>
@@ -5876,7 +6031,7 @@
           <a:sym typeface="Arial"/>
         </a:defRPr>
       </a:lvl8pPr>
-      <a:lvl9pPr lvl="8" marR="0" rtl="0" algn="l">
+      <a:lvl9pPr marR="0" lvl="8" algn="l" rtl="0">
         <a:lnSpc>
           <a:spcPct val="100000"/>
         </a:lnSpc>
@@ -5890,7 +6045,7 @@
           <a:srgbClr val="000000"/>
         </a:buClr>
         <a:buFont typeface="Arial"/>
-        <a:defRPr b="0" i="0" sz="1400" u="none" cap="none" strike="noStrike">
+        <a:defRPr sz="1400" b="0" i="0" u="none" strike="noStrike" cap="none">
           <a:solidFill>
             <a:srgbClr val="000000"/>
           </a:solidFill>
@@ -5902,7 +6057,7 @@
       </a:lvl9pPr>
     </p:bodyStyle>
     <p:otherStyle>
-      <a:defPPr lvl="0" marR="0" rtl="0" algn="l">
+      <a:defPPr marR="0" lvl="0" algn="l" rtl="0">
         <a:lnSpc>
           <a:spcPct val="100000"/>
         </a:lnSpc>
@@ -5913,7 +6068,7 @@
           <a:spcPts val="0"/>
         </a:spcAft>
       </a:defPPr>
-      <a:lvl1pPr lvl="0" marR="0" rtl="0" algn="l">
+      <a:lvl1pPr marR="0" lvl="0" algn="l" rtl="0">
         <a:lnSpc>
           <a:spcPct val="100000"/>
         </a:lnSpc>
@@ -5927,7 +6082,7 @@
           <a:srgbClr val="000000"/>
         </a:buClr>
         <a:buFont typeface="Arial"/>
-        <a:defRPr b="0" i="0" sz="1400" u="none" cap="none" strike="noStrike">
+        <a:defRPr sz="1400" b="0" i="0" u="none" strike="noStrike" cap="none">
           <a:solidFill>
             <a:srgbClr val="000000"/>
           </a:solidFill>
@@ -5937,7 +6092,7 @@
           <a:sym typeface="Arial"/>
         </a:defRPr>
       </a:lvl1pPr>
-      <a:lvl2pPr lvl="1" marR="0" rtl="0" algn="l">
+      <a:lvl2pPr marR="0" lvl="1" algn="l" rtl="0">
         <a:lnSpc>
           <a:spcPct val="100000"/>
         </a:lnSpc>
@@ -5951,7 +6106,7 @@
           <a:srgbClr val="000000"/>
         </a:buClr>
         <a:buFont typeface="Arial"/>
-        <a:defRPr b="0" i="0" sz="1400" u="none" cap="none" strike="noStrike">
+        <a:defRPr sz="1400" b="0" i="0" u="none" strike="noStrike" cap="none">
           <a:solidFill>
             <a:srgbClr val="000000"/>
           </a:solidFill>
@@ -5961,7 +6116,7 @@
           <a:sym typeface="Arial"/>
         </a:defRPr>
       </a:lvl2pPr>
-      <a:lvl3pPr lvl="2" marR="0" rtl="0" algn="l">
+      <a:lvl3pPr marR="0" lvl="2" algn="l" rtl="0">
         <a:lnSpc>
           <a:spcPct val="100000"/>
         </a:lnSpc>
@@ -5975,7 +6130,7 @@
           <a:srgbClr val="000000"/>
         </a:buClr>
         <a:buFont typeface="Arial"/>
-        <a:defRPr b="0" i="0" sz="1400" u="none" cap="none" strike="noStrike">
+        <a:defRPr sz="1400" b="0" i="0" u="none" strike="noStrike" cap="none">
           <a:solidFill>
             <a:srgbClr val="000000"/>
           </a:solidFill>
@@ -5985,7 +6140,7 @@
           <a:sym typeface="Arial"/>
         </a:defRPr>
       </a:lvl3pPr>
-      <a:lvl4pPr lvl="3" marR="0" rtl="0" algn="l">
+      <a:lvl4pPr marR="0" lvl="3" algn="l" rtl="0">
         <a:lnSpc>
           <a:spcPct val="100000"/>
         </a:lnSpc>
@@ -5999,7 +6154,7 @@
           <a:srgbClr val="000000"/>
         </a:buClr>
         <a:buFont typeface="Arial"/>
-        <a:defRPr b="0" i="0" sz="1400" u="none" cap="none" strike="noStrike">
+        <a:defRPr sz="1400" b="0" i="0" u="none" strike="noStrike" cap="none">
           <a:solidFill>
             <a:srgbClr val="000000"/>
           </a:solidFill>
@@ -6009,7 +6164,7 @@
           <a:sym typeface="Arial"/>
         </a:defRPr>
       </a:lvl4pPr>
-      <a:lvl5pPr lvl="4" marR="0" rtl="0" algn="l">
+      <a:lvl5pPr marR="0" lvl="4" algn="l" rtl="0">
         <a:lnSpc>
           <a:spcPct val="100000"/>
         </a:lnSpc>
@@ -6023,7 +6178,7 @@
           <a:srgbClr val="000000"/>
         </a:buClr>
         <a:buFont typeface="Arial"/>
-        <a:defRPr b="0" i="0" sz="1400" u="none" cap="none" strike="noStrike">
+        <a:defRPr sz="1400" b="0" i="0" u="none" strike="noStrike" cap="none">
           <a:solidFill>
             <a:srgbClr val="000000"/>
           </a:solidFill>
@@ -6033,7 +6188,7 @@
           <a:sym typeface="Arial"/>
         </a:defRPr>
       </a:lvl5pPr>
-      <a:lvl6pPr lvl="5" marR="0" rtl="0" algn="l">
+      <a:lvl6pPr marR="0" lvl="5" algn="l" rtl="0">
         <a:lnSpc>
           <a:spcPct val="100000"/>
         </a:lnSpc>
@@ -6047,7 +6202,7 @@
           <a:srgbClr val="000000"/>
         </a:buClr>
         <a:buFont typeface="Arial"/>
-        <a:defRPr b="0" i="0" sz="1400" u="none" cap="none" strike="noStrike">
+        <a:defRPr sz="1400" b="0" i="0" u="none" strike="noStrike" cap="none">
           <a:solidFill>
             <a:srgbClr val="000000"/>
           </a:solidFill>
@@ -6057,7 +6212,7 @@
           <a:sym typeface="Arial"/>
         </a:defRPr>
       </a:lvl6pPr>
-      <a:lvl7pPr lvl="6" marR="0" rtl="0" algn="l">
+      <a:lvl7pPr marR="0" lvl="6" algn="l" rtl="0">
         <a:lnSpc>
           <a:spcPct val="100000"/>
         </a:lnSpc>
@@ -6071,7 +6226,7 @@
           <a:srgbClr val="000000"/>
         </a:buClr>
         <a:buFont typeface="Arial"/>
-        <a:defRPr b="0" i="0" sz="1400" u="none" cap="none" strike="noStrike">
+        <a:defRPr sz="1400" b="0" i="0" u="none" strike="noStrike" cap="none">
           <a:solidFill>
             <a:srgbClr val="000000"/>
           </a:solidFill>
@@ -6081,7 +6236,7 @@
           <a:sym typeface="Arial"/>
         </a:defRPr>
       </a:lvl7pPr>
-      <a:lvl8pPr lvl="7" marR="0" rtl="0" algn="l">
+      <a:lvl8pPr marR="0" lvl="7" algn="l" rtl="0">
         <a:lnSpc>
           <a:spcPct val="100000"/>
         </a:lnSpc>
@@ -6095,7 +6250,7 @@
           <a:srgbClr val="000000"/>
         </a:buClr>
         <a:buFont typeface="Arial"/>
-        <a:defRPr b="0" i="0" sz="1400" u="none" cap="none" strike="noStrike">
+        <a:defRPr sz="1400" b="0" i="0" u="none" strike="noStrike" cap="none">
           <a:solidFill>
             <a:srgbClr val="000000"/>
           </a:solidFill>
@@ -6105,7 +6260,7 @@
           <a:sym typeface="Arial"/>
         </a:defRPr>
       </a:lvl8pPr>
-      <a:lvl9pPr lvl="8" marR="0" rtl="0" algn="l">
+      <a:lvl9pPr marR="0" lvl="8" algn="l" rtl="0">
         <a:lnSpc>
           <a:spcPct val="100000"/>
         </a:lnSpc>
@@ -6119,7 +6274,7 @@
           <a:srgbClr val="000000"/>
         </a:buClr>
         <a:buFont typeface="Arial"/>
-        <a:defRPr b="0" i="0" sz="1400" u="none" cap="none" strike="noStrike">
+        <a:defRPr sz="1400" b="0" i="0" u="none" strike="noStrike" cap="none">
           <a:solidFill>
             <a:srgbClr val="000000"/>
           </a:solidFill>
@@ -6135,11 +6290,11 @@
 </file>
 
 <file path=ppt/slides/slide1.xml><?xml version="1.0" encoding="utf-8"?>
-<p:sld xmlns:a="http://schemas.openxmlformats.org/drawingml/2006/main" xmlns:r="http://schemas.openxmlformats.org/officeDocument/2006/relationships" xmlns:mc="http://schemas.openxmlformats.org/markup-compatibility/2006" xmlns:mv="urn:schemas-microsoft-com:mac:vml" xmlns:p="http://schemas.openxmlformats.org/presentationml/2006/main" xmlns:c="http://schemas.openxmlformats.org/drawingml/2006/chart" xmlns:dgm="http://schemas.openxmlformats.org/drawingml/2006/diagram" xmlns:o="urn:schemas-microsoft-com:office:office" xmlns:v="urn:schemas-microsoft-com:vml" xmlns:pvml="urn:schemas-microsoft-com:office:powerpoint" xmlns:com="http://schemas.openxmlformats.org/drawingml/2006/compatibility" xmlns:p14="http://schemas.microsoft.com/office/powerpoint/2010/main" xmlns:p15="http://schemas.microsoft.com/office/powerpoint/2012/main" xmlns:ahyp="http://schemas.microsoft.com/office/drawing/2018/hyperlinkcolor">
+<p:sld xmlns:a="http://schemas.openxmlformats.org/drawingml/2006/main" xmlns:r="http://schemas.openxmlformats.org/officeDocument/2006/relationships" xmlns:p="http://schemas.openxmlformats.org/presentationml/2006/main">
   <p:cSld>
     <p:spTree>
       <p:nvGrpSpPr>
-        <p:cNvPr id="53" name="Shape 53"/>
+        <p:cNvPr id="1" name="Shape 53"/>
         <p:cNvGrpSpPr/>
         <p:nvPr/>
       </p:nvGrpSpPr>
@@ -6154,7 +6309,9 @@
       <p:sp>
         <p:nvSpPr>
           <p:cNvPr id="54" name="Google Shape;54;p13"/>
-          <p:cNvSpPr txBox="1"/>
+          <p:cNvSpPr txBox="1">
+            <a:spLocks noGrp="1"/>
+          </p:cNvSpPr>
           <p:nvPr>
             <p:ph type="ctrTitle"/>
           </p:nvPr>
@@ -6169,12 +6326,12 @@
           </a:prstGeom>
         </p:spPr>
         <p:txBody>
-          <a:bodyPr anchorCtr="0" anchor="b" bIns="91425" lIns="91425" spcFirstLastPara="1" rIns="91425" wrap="square" tIns="91425">
+          <a:bodyPr spcFirstLastPara="1" wrap="square" lIns="91425" tIns="91425" rIns="91425" bIns="91425" anchor="b" anchorCtr="0">
             <a:normAutofit/>
           </a:bodyPr>
           <a:lstStyle/>
           <a:p>
-            <a:pPr indent="0" lvl="0" marL="0" rtl="0" algn="ctr">
+            <a:pPr marL="0" lvl="0" indent="0" algn="ctr" rtl="0">
               <a:spcBef>
                 <a:spcPts val="0"/>
               </a:spcBef>
@@ -6184,19 +6341,27 @@
               <a:buNone/>
             </a:pPr>
             <a:r>
-              <a:rPr lang="ko"/>
+              <a:rPr lang="ko" dirty="0">
+                <a:latin typeface="Times New Roman" panose="02020603050405020304" pitchFamily="18" charset="0"/>
+                <a:cs typeface="Times New Roman" panose="02020603050405020304" pitchFamily="18" charset="0"/>
+              </a:rPr>
               <a:t>Pacemaker</a:t>
             </a:r>
-            <a:endParaRPr/>
+            <a:endParaRPr dirty="0">
+              <a:latin typeface="Times New Roman" panose="02020603050405020304" pitchFamily="18" charset="0"/>
+              <a:cs typeface="Times New Roman" panose="02020603050405020304" pitchFamily="18" charset="0"/>
+            </a:endParaRPr>
           </a:p>
         </p:txBody>
       </p:sp>
       <p:sp>
         <p:nvSpPr>
           <p:cNvPr id="55" name="Google Shape;55;p13"/>
-          <p:cNvSpPr txBox="1"/>
+          <p:cNvSpPr txBox="1">
+            <a:spLocks noGrp="1"/>
+          </p:cNvSpPr>
           <p:nvPr>
-            <p:ph idx="1" type="subTitle"/>
+            <p:ph type="subTitle" idx="1"/>
           </p:nvPr>
         </p:nvSpPr>
         <p:spPr>
@@ -6209,12 +6374,12 @@
           </a:prstGeom>
         </p:spPr>
         <p:txBody>
-          <a:bodyPr anchorCtr="0" anchor="t" bIns="91425" lIns="91425" spcFirstLastPara="1" rIns="91425" wrap="square" tIns="91425">
+          <a:bodyPr spcFirstLastPara="1" wrap="square" lIns="91425" tIns="91425" rIns="91425" bIns="91425" anchor="t" anchorCtr="0">
             <a:normAutofit/>
           </a:bodyPr>
           <a:lstStyle/>
           <a:p>
-            <a:pPr indent="0" lvl="0" marL="0" rtl="0" algn="ctr">
+            <a:pPr marL="0" lvl="0" indent="0" algn="ctr" rtl="0">
               <a:spcBef>
                 <a:spcPts val="0"/>
               </a:spcBef>
@@ -6224,10 +6389,16 @@
               <a:buNone/>
             </a:pPr>
             <a:r>
-              <a:rPr lang="ko"/>
+              <a:rPr lang="ko" dirty="0">
+                <a:latin typeface="Times New Roman" panose="02020603050405020304" pitchFamily="18" charset="0"/>
+                <a:cs typeface="Times New Roman" panose="02020603050405020304" pitchFamily="18" charset="0"/>
+              </a:rPr>
               <a:t>Team 7</a:t>
             </a:r>
-            <a:endParaRPr/>
+            <a:endParaRPr dirty="0">
+              <a:latin typeface="Times New Roman" panose="02020603050405020304" pitchFamily="18" charset="0"/>
+              <a:cs typeface="Times New Roman" panose="02020603050405020304" pitchFamily="18" charset="0"/>
+            </a:endParaRPr>
           </a:p>
         </p:txBody>
       </p:sp>
@@ -6240,11 +6411,11 @@
 </file>
 
 <file path=ppt/slides/slide2.xml><?xml version="1.0" encoding="utf-8"?>
-<p:sld xmlns:a="http://schemas.openxmlformats.org/drawingml/2006/main" xmlns:r="http://schemas.openxmlformats.org/officeDocument/2006/relationships" xmlns:mc="http://schemas.openxmlformats.org/markup-compatibility/2006" xmlns:mv="urn:schemas-microsoft-com:mac:vml" xmlns:p="http://schemas.openxmlformats.org/presentationml/2006/main" xmlns:c="http://schemas.openxmlformats.org/drawingml/2006/chart" xmlns:dgm="http://schemas.openxmlformats.org/drawingml/2006/diagram" xmlns:o="urn:schemas-microsoft-com:office:office" xmlns:v="urn:schemas-microsoft-com:vml" xmlns:pvml="urn:schemas-microsoft-com:office:powerpoint" xmlns:com="http://schemas.openxmlformats.org/drawingml/2006/compatibility" xmlns:p14="http://schemas.microsoft.com/office/powerpoint/2010/main" xmlns:p15="http://schemas.microsoft.com/office/powerpoint/2012/main" xmlns:ahyp="http://schemas.microsoft.com/office/drawing/2018/hyperlinkcolor" show="0">
+<p:sld xmlns:a="http://schemas.openxmlformats.org/drawingml/2006/main" xmlns:r="http://schemas.openxmlformats.org/officeDocument/2006/relationships" xmlns:p="http://schemas.openxmlformats.org/presentationml/2006/main" show="0">
   <p:cSld>
     <p:spTree>
       <p:nvGrpSpPr>
-        <p:cNvPr id="59" name="Shape 59"/>
+        <p:cNvPr id="1" name="Shape 59"/>
         <p:cNvGrpSpPr/>
         <p:nvPr/>
       </p:nvGrpSpPr>
@@ -6259,7 +6430,9 @@
       <p:sp>
         <p:nvSpPr>
           <p:cNvPr id="60" name="Google Shape;60;p14"/>
-          <p:cNvSpPr txBox="1"/>
+          <p:cNvSpPr txBox="1">
+            <a:spLocks noGrp="1"/>
+          </p:cNvSpPr>
           <p:nvPr>
             <p:ph type="title"/>
           </p:nvPr>
@@ -6274,12 +6447,12 @@
           </a:prstGeom>
         </p:spPr>
         <p:txBody>
-          <a:bodyPr anchorCtr="0" anchor="t" bIns="91425" lIns="91425" spcFirstLastPara="1" rIns="91425" wrap="square" tIns="91425">
+          <a:bodyPr spcFirstLastPara="1" wrap="square" lIns="91425" tIns="91425" rIns="91425" bIns="91425" anchor="t" anchorCtr="0">
             <a:normAutofit fontScale="90000"/>
           </a:bodyPr>
           <a:lstStyle/>
           <a:p>
-            <a:pPr indent="0" lvl="0" marL="0" rtl="0" algn="l">
+            <a:pPr marL="0" lvl="0" indent="0" algn="l" rtl="0">
               <a:spcBef>
                 <a:spcPts val="0"/>
               </a:spcBef>
@@ -6289,10 +6462,10 @@
               <a:buNone/>
             </a:pPr>
             <a:r>
-              <a:rPr lang="ko"/>
+              <a:rPr lang="ko" dirty="0"/>
               <a:t>Project Proposal Checkbox  (DUE 9/27 23:59)</a:t>
             </a:r>
-            <a:endParaRPr/>
+            <a:endParaRPr dirty="0"/>
           </a:p>
         </p:txBody>
       </p:sp>
@@ -6304,7 +6477,7 @@
         </p:nvGraphicFramePr>
         <p:xfrm>
           <a:off x="311700" y="1017725"/>
-          <a:ext cx="3000000" cy="3000000"/>
+          <a:ext cx="8520600" cy="3962100"/>
         </p:xfrm>
         <a:graphic>
           <a:graphicData uri="http://schemas.openxmlformats.org/drawingml/2006/table">
@@ -6314,9 +6487,27 @@
                 <a:tableStyleId>{15BC999A-AD5C-4608-B286-A9DBEECC5682}</a:tableStyleId>
               </a:tblPr>
               <a:tblGrid>
-                <a:gridCol w="7036925"/>
-                <a:gridCol w="882150"/>
-                <a:gridCol w="601525"/>
+                <a:gridCol w="7036925">
+                  <a:extLst>
+                    <a:ext uri="{9D8B030D-6E8A-4147-A177-3AD203B41FA5}">
+                      <a16:colId xmlns:a16="http://schemas.microsoft.com/office/drawing/2014/main" val="20000"/>
+                    </a:ext>
+                  </a:extLst>
+                </a:gridCol>
+                <a:gridCol w="882150">
+                  <a:extLst>
+                    <a:ext uri="{9D8B030D-6E8A-4147-A177-3AD203B41FA5}">
+                      <a16:colId xmlns:a16="http://schemas.microsoft.com/office/drawing/2014/main" val="20001"/>
+                    </a:ext>
+                  </a:extLst>
+                </a:gridCol>
+                <a:gridCol w="601525">
+                  <a:extLst>
+                    <a:ext uri="{9D8B030D-6E8A-4147-A177-3AD203B41FA5}">
+                      <a16:colId xmlns:a16="http://schemas.microsoft.com/office/drawing/2014/main" val="20002"/>
+                    </a:ext>
+                  </a:extLst>
+                </a:gridCol>
               </a:tblGrid>
               <a:tr h="345300">
                 <a:tc>
@@ -6324,7 +6515,7 @@
                     <a:bodyPr/>
                     <a:lstStyle/>
                     <a:p>
-                      <a:pPr indent="0" lvl="0" marL="0" rtl="0" algn="ctr">
+                      <a:pPr marL="0" lvl="0" indent="0" algn="ctr" rtl="0">
                         <a:spcBef>
                           <a:spcPts val="0"/>
                         </a:spcBef>
@@ -6340,14 +6531,14 @@
                       <a:endParaRPr/>
                     </a:p>
                   </a:txBody>
-                  <a:tcPr marT="91425" marB="91425" marR="91425" marL="91425"/>
+                  <a:tcPr marL="91425" marR="91425" marT="91425" marB="91425"/>
                 </a:tc>
                 <a:tc>
                   <a:txBody>
                     <a:bodyPr/>
                     <a:lstStyle/>
                     <a:p>
-                      <a:pPr indent="0" lvl="0" marL="0" rtl="0" algn="l">
+                      <a:pPr marL="0" lvl="0" indent="0" algn="l" rtl="0">
                         <a:spcBef>
                           <a:spcPts val="0"/>
                         </a:spcBef>
@@ -6363,14 +6554,14 @@
                       <a:endParaRPr/>
                     </a:p>
                   </a:txBody>
-                  <a:tcPr marT="91425" marB="91425" marR="91425" marL="91425"/>
+                  <a:tcPr marL="91425" marR="91425" marT="91425" marB="91425"/>
                 </a:tc>
                 <a:tc>
                   <a:txBody>
                     <a:bodyPr/>
                     <a:lstStyle/>
                     <a:p>
-                      <a:pPr indent="0" lvl="0" marL="0" rtl="0" algn="l">
+                      <a:pPr marL="0" lvl="0" indent="0" algn="l" rtl="0">
                         <a:spcBef>
                           <a:spcPts val="0"/>
                         </a:spcBef>
@@ -6386,8 +6577,13 @@
                       <a:endParaRPr/>
                     </a:p>
                   </a:txBody>
-                  <a:tcPr marT="91425" marB="91425" marR="91425" marL="91425"/>
+                  <a:tcPr marL="91425" marR="91425" marT="91425" marB="91425"/>
                 </a:tc>
+                <a:extLst>
+                  <a:ext uri="{0D108BD9-81ED-4DB2-BD59-A6C34878D82A}">
+                    <a16:rowId xmlns:a16="http://schemas.microsoft.com/office/drawing/2014/main" val="10000"/>
+                  </a:ext>
+                </a:extLst>
               </a:tr>
               <a:tr h="345300">
                 <a:tc>
@@ -6395,7 +6591,7 @@
                     <a:bodyPr/>
                     <a:lstStyle/>
                     <a:p>
-                      <a:pPr indent="0" lvl="0" marL="0" rtl="0" algn="l">
+                      <a:pPr marL="0" lvl="0" indent="0" algn="l" rtl="0">
                         <a:spcBef>
                           <a:spcPts val="0"/>
                         </a:spcBef>
@@ -6411,14 +6607,14 @@
                       <a:endParaRPr/>
                     </a:p>
                   </a:txBody>
-                  <a:tcPr marT="91425" marB="91425" marR="91425" marL="91425"/>
+                  <a:tcPr marL="91425" marR="91425" marT="91425" marB="91425"/>
                 </a:tc>
                 <a:tc>
                   <a:txBody>
                     <a:bodyPr/>
                     <a:lstStyle/>
                     <a:p>
-                      <a:pPr indent="0" lvl="0" marL="0" rtl="0" algn="l">
+                      <a:pPr marL="0" lvl="0" indent="0" algn="l" rtl="0">
                         <a:spcBef>
                           <a:spcPts val="0"/>
                         </a:spcBef>
@@ -6434,14 +6630,14 @@
                       <a:endParaRPr/>
                     </a:p>
                   </a:txBody>
-                  <a:tcPr marT="91425" marB="91425" marR="91425" marL="91425"/>
+                  <a:tcPr marL="91425" marR="91425" marT="91425" marB="91425"/>
                 </a:tc>
                 <a:tc>
                   <a:txBody>
                     <a:bodyPr/>
                     <a:lstStyle/>
                     <a:p>
-                      <a:pPr indent="0" lvl="0" marL="0" rtl="0" algn="ctr">
+                      <a:pPr marL="0" lvl="0" indent="0" algn="ctr" rtl="0">
                         <a:spcBef>
                           <a:spcPts val="0"/>
                         </a:spcBef>
@@ -6466,8 +6662,13 @@
                       <a:endParaRPr/>
                     </a:p>
                   </a:txBody>
-                  <a:tcPr marT="91425" marB="91425" marR="91425" marL="91425"/>
+                  <a:tcPr marL="91425" marR="91425" marT="91425" marB="91425"/>
                 </a:tc>
+                <a:extLst>
+                  <a:ext uri="{0D108BD9-81ED-4DB2-BD59-A6C34878D82A}">
+                    <a16:rowId xmlns:a16="http://schemas.microsoft.com/office/drawing/2014/main" val="10001"/>
+                  </a:ext>
+                </a:extLst>
               </a:tr>
               <a:tr h="345300">
                 <a:tc>
@@ -6475,7 +6676,7 @@
                     <a:bodyPr/>
                     <a:lstStyle/>
                     <a:p>
-                      <a:pPr indent="0" lvl="0" marL="0" rtl="0" algn="l">
+                      <a:pPr marL="0" lvl="0" indent="0" algn="l" rtl="0">
                         <a:spcBef>
                           <a:spcPts val="0"/>
                         </a:spcBef>
@@ -6491,14 +6692,14 @@
                       <a:endParaRPr/>
                     </a:p>
                   </a:txBody>
-                  <a:tcPr marT="91425" marB="91425" marR="91425" marL="91425"/>
+                  <a:tcPr marL="91425" marR="91425" marT="91425" marB="91425"/>
                 </a:tc>
                 <a:tc>
                   <a:txBody>
                     <a:bodyPr/>
                     <a:lstStyle/>
                     <a:p>
-                      <a:pPr indent="0" lvl="0" marL="0" rtl="0" algn="l">
+                      <a:pPr marL="0" lvl="0" indent="0" algn="l" rtl="0">
                         <a:spcBef>
                           <a:spcPts val="0"/>
                         </a:spcBef>
@@ -6514,14 +6715,14 @@
                       <a:endParaRPr/>
                     </a:p>
                   </a:txBody>
-                  <a:tcPr marT="91425" marB="91425" marR="91425" marL="91425"/>
+                  <a:tcPr marL="91425" marR="91425" marT="91425" marB="91425"/>
                 </a:tc>
                 <a:tc>
                   <a:txBody>
                     <a:bodyPr/>
                     <a:lstStyle/>
                     <a:p>
-                      <a:pPr indent="0" lvl="0" marL="0" rtl="0" algn="ctr">
+                      <a:pPr marL="0" lvl="0" indent="0" algn="ctr" rtl="0">
                         <a:spcBef>
                           <a:spcPts val="0"/>
                         </a:spcBef>
@@ -6537,8 +6738,13 @@
                       <a:endParaRPr/>
                     </a:p>
                   </a:txBody>
-                  <a:tcPr marT="91425" marB="91425" marR="91425" marL="91425"/>
+                  <a:tcPr marL="91425" marR="91425" marT="91425" marB="91425"/>
                 </a:tc>
+                <a:extLst>
+                  <a:ext uri="{0D108BD9-81ED-4DB2-BD59-A6C34878D82A}">
+                    <a16:rowId xmlns:a16="http://schemas.microsoft.com/office/drawing/2014/main" val="10002"/>
+                  </a:ext>
+                </a:extLst>
               </a:tr>
               <a:tr h="345300">
                 <a:tc>
@@ -6546,7 +6752,7 @@
                     <a:bodyPr/>
                     <a:lstStyle/>
                     <a:p>
-                      <a:pPr indent="0" lvl="0" marL="0" rtl="0" algn="l">
+                      <a:pPr marL="0" lvl="0" indent="0" algn="l" rtl="0">
                         <a:spcBef>
                           <a:spcPts val="0"/>
                         </a:spcBef>
@@ -6562,14 +6768,14 @@
                       <a:endParaRPr/>
                     </a:p>
                   </a:txBody>
-                  <a:tcPr marT="91425" marB="91425" marR="91425" marL="91425"/>
+                  <a:tcPr marL="91425" marR="91425" marT="91425" marB="91425"/>
                 </a:tc>
                 <a:tc>
                   <a:txBody>
                     <a:bodyPr/>
                     <a:lstStyle/>
                     <a:p>
-                      <a:pPr indent="0" lvl="0" marL="0" rtl="0" algn="l">
+                      <a:pPr marL="0" lvl="0" indent="0" algn="l" rtl="0">
                         <a:spcBef>
                           <a:spcPts val="0"/>
                         </a:spcBef>
@@ -6578,20 +6784,17 @@
                         </a:spcAft>
                         <a:buNone/>
                       </a:pPr>
-                      <a:r>
-                        <a:t/>
-                      </a:r>
                       <a:endParaRPr/>
                     </a:p>
                   </a:txBody>
-                  <a:tcPr marT="91425" marB="91425" marR="91425" marL="91425"/>
+                  <a:tcPr marL="91425" marR="91425" marT="91425" marB="91425"/>
                 </a:tc>
                 <a:tc>
                   <a:txBody>
                     <a:bodyPr/>
                     <a:lstStyle/>
                     <a:p>
-                      <a:pPr indent="0" lvl="0" marL="0" rtl="0" algn="ctr">
+                      <a:pPr marL="0" lvl="0" indent="0" algn="ctr" rtl="0">
                         <a:spcBef>
                           <a:spcPts val="0"/>
                         </a:spcBef>
@@ -6607,8 +6810,13 @@
                       <a:endParaRPr/>
                     </a:p>
                   </a:txBody>
-                  <a:tcPr marT="91425" marB="91425" marR="91425" marL="91425"/>
+                  <a:tcPr marL="91425" marR="91425" marT="91425" marB="91425"/>
                 </a:tc>
+                <a:extLst>
+                  <a:ext uri="{0D108BD9-81ED-4DB2-BD59-A6C34878D82A}">
+                    <a16:rowId xmlns:a16="http://schemas.microsoft.com/office/drawing/2014/main" val="10003"/>
+                  </a:ext>
+                </a:extLst>
               </a:tr>
               <a:tr h="345300">
                 <a:tc>
@@ -6616,7 +6824,7 @@
                     <a:bodyPr/>
                     <a:lstStyle/>
                     <a:p>
-                      <a:pPr indent="0" lvl="0" marL="0" rtl="0" algn="l">
+                      <a:pPr marL="0" lvl="0" indent="0" algn="l" rtl="0">
                         <a:spcBef>
                           <a:spcPts val="0"/>
                         </a:spcBef>
@@ -6626,20 +6834,20 @@
                         <a:buNone/>
                       </a:pPr>
                       <a:r>
-                        <a:rPr lang="ko"/>
+                        <a:rPr lang="ko" dirty="0"/>
                         <a:t>Usage scenarios</a:t>
                       </a:r>
-                      <a:endParaRPr/>
+                      <a:endParaRPr dirty="0"/>
                     </a:p>
                   </a:txBody>
-                  <a:tcPr marT="91425" marB="91425" marR="91425" marL="91425"/>
+                  <a:tcPr marL="91425" marR="91425" marT="91425" marB="91425"/>
                 </a:tc>
                 <a:tc>
                   <a:txBody>
                     <a:bodyPr/>
                     <a:lstStyle/>
                     <a:p>
-                      <a:pPr indent="0" lvl="0" marL="0" rtl="0" algn="l">
+                      <a:pPr marL="0" lvl="0" indent="0" algn="l" rtl="0">
                         <a:spcBef>
                           <a:spcPts val="0"/>
                         </a:spcBef>
@@ -6648,20 +6856,17 @@
                         </a:spcAft>
                         <a:buNone/>
                       </a:pPr>
-                      <a:r>
-                        <a:t/>
-                      </a:r>
                       <a:endParaRPr/>
                     </a:p>
                   </a:txBody>
-                  <a:tcPr marT="91425" marB="91425" marR="91425" marL="91425"/>
+                  <a:tcPr marL="91425" marR="91425" marT="91425" marB="91425"/>
                 </a:tc>
                 <a:tc>
                   <a:txBody>
                     <a:bodyPr/>
                     <a:lstStyle/>
                     <a:p>
-                      <a:pPr indent="0" lvl="0" marL="0" rtl="0" algn="ctr">
+                      <a:pPr marL="0" lvl="0" indent="0" algn="ctr" rtl="0">
                         <a:spcBef>
                           <a:spcPts val="0"/>
                         </a:spcBef>
@@ -6677,8 +6882,13 @@
                       <a:endParaRPr/>
                     </a:p>
                   </a:txBody>
-                  <a:tcPr marT="91425" marB="91425" marR="91425" marL="91425"/>
+                  <a:tcPr marL="91425" marR="91425" marT="91425" marB="91425"/>
                 </a:tc>
+                <a:extLst>
+                  <a:ext uri="{0D108BD9-81ED-4DB2-BD59-A6C34878D82A}">
+                    <a16:rowId xmlns:a16="http://schemas.microsoft.com/office/drawing/2014/main" val="10004"/>
+                  </a:ext>
+                </a:extLst>
               </a:tr>
               <a:tr h="345300">
                 <a:tc>
@@ -6686,7 +6896,7 @@
                     <a:bodyPr/>
                     <a:lstStyle/>
                     <a:p>
-                      <a:pPr indent="0" lvl="0" marL="0" rtl="0" algn="l">
+                      <a:pPr marL="0" lvl="0" indent="0" algn="l" rtl="0">
                         <a:spcBef>
                           <a:spcPts val="0"/>
                         </a:spcBef>
@@ -6702,14 +6912,14 @@
                       <a:endParaRPr/>
                     </a:p>
                   </a:txBody>
-                  <a:tcPr marT="91425" marB="91425" marR="91425" marL="91425"/>
+                  <a:tcPr marL="91425" marR="91425" marT="91425" marB="91425"/>
                 </a:tc>
                 <a:tc>
                   <a:txBody>
                     <a:bodyPr/>
                     <a:lstStyle/>
                     <a:p>
-                      <a:pPr indent="0" lvl="0" marL="0" rtl="0" algn="l">
+                      <a:pPr marL="0" lvl="0" indent="0" algn="l" rtl="0">
                         <a:spcBef>
                           <a:spcPts val="0"/>
                         </a:spcBef>
@@ -6734,14 +6944,14 @@
                       <a:endParaRPr/>
                     </a:p>
                   </a:txBody>
-                  <a:tcPr marT="91425" marB="91425" marR="91425" marL="91425"/>
+                  <a:tcPr marL="91425" marR="91425" marT="91425" marB="91425"/>
                 </a:tc>
                 <a:tc>
                   <a:txBody>
                     <a:bodyPr/>
                     <a:lstStyle/>
                     <a:p>
-                      <a:pPr indent="0" lvl="0" marL="0" rtl="0" algn="ctr">
+                      <a:pPr marL="0" lvl="0" indent="0" algn="ctr" rtl="0">
                         <a:spcBef>
                           <a:spcPts val="0"/>
                         </a:spcBef>
@@ -6766,8 +6976,13 @@
                       <a:endParaRPr/>
                     </a:p>
                   </a:txBody>
-                  <a:tcPr marT="91425" marB="91425" marR="91425" marL="91425"/>
+                  <a:tcPr marL="91425" marR="91425" marT="91425" marB="91425"/>
                 </a:tc>
+                <a:extLst>
+                  <a:ext uri="{0D108BD9-81ED-4DB2-BD59-A6C34878D82A}">
+                    <a16:rowId xmlns:a16="http://schemas.microsoft.com/office/drawing/2014/main" val="10005"/>
+                  </a:ext>
+                </a:extLst>
               </a:tr>
               <a:tr h="345300">
                 <a:tc>
@@ -6775,7 +6990,7 @@
                     <a:bodyPr/>
                     <a:lstStyle/>
                     <a:p>
-                      <a:pPr indent="0" lvl="0" marL="0" rtl="0" algn="l">
+                      <a:pPr marL="0" lvl="0" indent="0" algn="l" rtl="0">
                         <a:spcBef>
                           <a:spcPts val="0"/>
                         </a:spcBef>
@@ -6791,14 +7006,14 @@
                       <a:endParaRPr/>
                     </a:p>
                   </a:txBody>
-                  <a:tcPr marT="91425" marB="91425" marR="91425" marL="91425"/>
+                  <a:tcPr marL="91425" marR="91425" marT="91425" marB="91425"/>
                 </a:tc>
                 <a:tc>
                   <a:txBody>
                     <a:bodyPr/>
                     <a:lstStyle/>
                     <a:p>
-                      <a:pPr indent="0" lvl="0" marL="0" rtl="0" algn="l">
+                      <a:pPr marL="0" lvl="0" indent="0" algn="l" rtl="0">
                         <a:spcBef>
                           <a:spcPts val="0"/>
                         </a:spcBef>
@@ -6807,20 +7022,17 @@
                         </a:spcAft>
                         <a:buNone/>
                       </a:pPr>
-                      <a:r>
-                        <a:t/>
-                      </a:r>
                       <a:endParaRPr/>
                     </a:p>
                   </a:txBody>
-                  <a:tcPr marT="91425" marB="91425" marR="91425" marL="91425"/>
+                  <a:tcPr marL="91425" marR="91425" marT="91425" marB="91425"/>
                 </a:tc>
                 <a:tc>
                   <a:txBody>
                     <a:bodyPr/>
                     <a:lstStyle/>
                     <a:p>
-                      <a:pPr indent="0" lvl="0" marL="0" rtl="0" algn="ctr">
+                      <a:pPr marL="0" lvl="0" indent="0" algn="ctr" rtl="0">
                         <a:spcBef>
                           <a:spcPts val="0"/>
                         </a:spcBef>
@@ -6836,8 +7048,13 @@
                       <a:endParaRPr/>
                     </a:p>
                   </a:txBody>
-                  <a:tcPr marT="91425" marB="91425" marR="91425" marL="91425"/>
+                  <a:tcPr marL="91425" marR="91425" marT="91425" marB="91425"/>
                 </a:tc>
+                <a:extLst>
+                  <a:ext uri="{0D108BD9-81ED-4DB2-BD59-A6C34878D82A}">
+                    <a16:rowId xmlns:a16="http://schemas.microsoft.com/office/drawing/2014/main" val="10006"/>
+                  </a:ext>
+                </a:extLst>
               </a:tr>
               <a:tr h="345300">
                 <a:tc>
@@ -6845,7 +7062,7 @@
                     <a:bodyPr/>
                     <a:lstStyle/>
                     <a:p>
-                      <a:pPr indent="0" lvl="0" marL="0" rtl="0" algn="l">
+                      <a:pPr marL="0" lvl="0" indent="0" algn="l" rtl="0">
                         <a:spcBef>
                           <a:spcPts val="0"/>
                         </a:spcBef>
@@ -6861,14 +7078,14 @@
                       <a:endParaRPr/>
                     </a:p>
                   </a:txBody>
-                  <a:tcPr marT="91425" marB="91425" marR="91425" marL="91425"/>
+                  <a:tcPr marL="91425" marR="91425" marT="91425" marB="91425"/>
                 </a:tc>
                 <a:tc>
                   <a:txBody>
                     <a:bodyPr/>
                     <a:lstStyle/>
                     <a:p>
-                      <a:pPr indent="0" lvl="0" marL="0" rtl="0" algn="l">
+                      <a:pPr marL="0" lvl="0" indent="0" algn="l" rtl="0">
                         <a:spcBef>
                           <a:spcPts val="0"/>
                         </a:spcBef>
@@ -6877,20 +7094,17 @@
                         </a:spcAft>
                         <a:buNone/>
                       </a:pPr>
-                      <a:r>
-                        <a:t/>
-                      </a:r>
                       <a:endParaRPr/>
                     </a:p>
                   </a:txBody>
-                  <a:tcPr marT="91425" marB="91425" marR="91425" marL="91425"/>
+                  <a:tcPr marL="91425" marR="91425" marT="91425" marB="91425"/>
                 </a:tc>
                 <a:tc>
                   <a:txBody>
                     <a:bodyPr/>
                     <a:lstStyle/>
                     <a:p>
-                      <a:pPr indent="0" lvl="0" marL="0" rtl="0" algn="ctr">
+                      <a:pPr marL="0" lvl="0" indent="0" algn="ctr" rtl="0">
                         <a:spcBef>
                           <a:spcPts val="0"/>
                         </a:spcBef>
@@ -6906,8 +7120,13 @@
                       <a:endParaRPr/>
                     </a:p>
                   </a:txBody>
-                  <a:tcPr marT="91425" marB="91425" marR="91425" marL="91425"/>
+                  <a:tcPr marL="91425" marR="91425" marT="91425" marB="91425"/>
                 </a:tc>
+                <a:extLst>
+                  <a:ext uri="{0D108BD9-81ED-4DB2-BD59-A6C34878D82A}">
+                    <a16:rowId xmlns:a16="http://schemas.microsoft.com/office/drawing/2014/main" val="10007"/>
+                  </a:ext>
+                </a:extLst>
               </a:tr>
               <a:tr h="345300">
                 <a:tc>
@@ -6915,7 +7134,7 @@
                     <a:bodyPr/>
                     <a:lstStyle/>
                     <a:p>
-                      <a:pPr indent="0" lvl="0" marL="0" rtl="0" algn="l">
+                      <a:pPr marL="0" lvl="0" indent="0" algn="l" rtl="0">
                         <a:spcBef>
                           <a:spcPts val="0"/>
                         </a:spcBef>
@@ -6931,14 +7150,14 @@
                       <a:endParaRPr/>
                     </a:p>
                   </a:txBody>
-                  <a:tcPr marT="91425" marB="91425" marR="91425" marL="91425"/>
+                  <a:tcPr marL="91425" marR="91425" marT="91425" marB="91425"/>
                 </a:tc>
                 <a:tc>
                   <a:txBody>
                     <a:bodyPr/>
                     <a:lstStyle/>
                     <a:p>
-                      <a:pPr indent="0" lvl="0" marL="0" rtl="0" algn="l">
+                      <a:pPr marL="0" lvl="0" indent="0" algn="l" rtl="0">
                         <a:spcBef>
                           <a:spcPts val="0"/>
                         </a:spcBef>
@@ -6947,20 +7166,17 @@
                         </a:spcAft>
                         <a:buNone/>
                       </a:pPr>
-                      <a:r>
-                        <a:t/>
-                      </a:r>
                       <a:endParaRPr/>
                     </a:p>
                   </a:txBody>
-                  <a:tcPr marT="91425" marB="91425" marR="91425" marL="91425"/>
+                  <a:tcPr marL="91425" marR="91425" marT="91425" marB="91425"/>
                 </a:tc>
                 <a:tc>
                   <a:txBody>
                     <a:bodyPr/>
                     <a:lstStyle/>
                     <a:p>
-                      <a:pPr indent="0" lvl="0" marL="0" rtl="0" algn="ctr">
+                      <a:pPr marL="0" lvl="0" indent="0" algn="ctr" rtl="0">
                         <a:spcBef>
                           <a:spcPts val="0"/>
                         </a:spcBef>
@@ -6976,8 +7192,13 @@
                       <a:endParaRPr/>
                     </a:p>
                   </a:txBody>
-                  <a:tcPr marT="91425" marB="91425" marR="91425" marL="91425"/>
+                  <a:tcPr marL="91425" marR="91425" marT="91425" marB="91425"/>
                 </a:tc>
+                <a:extLst>
+                  <a:ext uri="{0D108BD9-81ED-4DB2-BD59-A6C34878D82A}">
+                    <a16:rowId xmlns:a16="http://schemas.microsoft.com/office/drawing/2014/main" val="10008"/>
+                  </a:ext>
+                </a:extLst>
               </a:tr>
               <a:tr h="345300">
                 <a:tc>
@@ -6985,7 +7206,7 @@
                     <a:bodyPr/>
                     <a:lstStyle/>
                     <a:p>
-                      <a:pPr indent="0" lvl="0" marL="0" rtl="0" algn="l">
+                      <a:pPr marL="0" lvl="0" indent="0" algn="l" rtl="0">
                         <a:spcBef>
                           <a:spcPts val="0"/>
                         </a:spcBef>
@@ -7001,14 +7222,33 @@
                       <a:endParaRPr/>
                     </a:p>
                   </a:txBody>
-                  <a:tcPr marT="91425" marB="91425" marR="91425" marL="91425"/>
+                  <a:tcPr marL="91425" marR="91425" marT="91425" marB="91425"/>
                 </a:tc>
                 <a:tc>
                   <a:txBody>
                     <a:bodyPr/>
                     <a:lstStyle/>
                     <a:p>
-                      <a:pPr indent="0" lvl="0" marL="0" rtl="0" algn="l">
+                      <a:pPr marL="0" lvl="0" indent="0" algn="l" rtl="0">
+                        <a:spcBef>
+                          <a:spcPts val="0"/>
+                        </a:spcBef>
+                        <a:spcAft>
+                          <a:spcPts val="0"/>
+                        </a:spcAft>
+                        <a:buNone/>
+                      </a:pPr>
+                      <a:endParaRPr/>
+                    </a:p>
+                  </a:txBody>
+                  <a:tcPr marL="91425" marR="91425" marT="91425" marB="91425"/>
+                </a:tc>
+                <a:tc>
+                  <a:txBody>
+                    <a:bodyPr/>
+                    <a:lstStyle/>
+                    <a:p>
+                      <a:pPr marL="0" lvl="0" indent="0" algn="ctr" rtl="0">
                         <a:spcBef>
                           <a:spcPts val="0"/>
                         </a:spcBef>
@@ -7018,36 +7258,19 @@
                         <a:buNone/>
                       </a:pPr>
                       <a:r>
-                        <a:t/>
+                        <a:rPr lang="ko" dirty="0"/>
+                        <a:t>X</a:t>
                       </a:r>
-                      <a:endParaRPr/>
+                      <a:endParaRPr dirty="0"/>
                     </a:p>
                   </a:txBody>
-                  <a:tcPr marT="91425" marB="91425" marR="91425" marL="91425"/>
+                  <a:tcPr marL="91425" marR="91425" marT="91425" marB="91425"/>
                 </a:tc>
-                <a:tc>
-                  <a:txBody>
-                    <a:bodyPr/>
-                    <a:lstStyle/>
-                    <a:p>
-                      <a:pPr indent="0" lvl="0" marL="0" rtl="0" algn="ctr">
-                        <a:spcBef>
-                          <a:spcPts val="0"/>
-                        </a:spcBef>
-                        <a:spcAft>
-                          <a:spcPts val="0"/>
-                        </a:spcAft>
-                        <a:buNone/>
-                      </a:pPr>
-                      <a:r>
-                        <a:rPr lang="ko"/>
-                        <a:t>X</a:t>
-                      </a:r>
-                      <a:endParaRPr/>
-                    </a:p>
-                  </a:txBody>
-                  <a:tcPr marT="91425" marB="91425" marR="91425" marL="91425"/>
-                </a:tc>
+                <a:extLst>
+                  <a:ext uri="{0D108BD9-81ED-4DB2-BD59-A6C34878D82A}">
+                    <a16:rowId xmlns:a16="http://schemas.microsoft.com/office/drawing/2014/main" val="10009"/>
+                  </a:ext>
+                </a:extLst>
               </a:tr>
             </a:tbl>
           </a:graphicData>
@@ -7062,11 +7285,11 @@
 </file>
 
 <file path=ppt/slides/slide3.xml><?xml version="1.0" encoding="utf-8"?>
-<p:sld xmlns:a="http://schemas.openxmlformats.org/drawingml/2006/main" xmlns:r="http://schemas.openxmlformats.org/officeDocument/2006/relationships" xmlns:mc="http://schemas.openxmlformats.org/markup-compatibility/2006" xmlns:mv="urn:schemas-microsoft-com:mac:vml" xmlns:p="http://schemas.openxmlformats.org/presentationml/2006/main" xmlns:c="http://schemas.openxmlformats.org/drawingml/2006/chart" xmlns:dgm="http://schemas.openxmlformats.org/drawingml/2006/diagram" xmlns:o="urn:schemas-microsoft-com:office:office" xmlns:v="urn:schemas-microsoft-com:vml" xmlns:pvml="urn:schemas-microsoft-com:office:powerpoint" xmlns:com="http://schemas.openxmlformats.org/drawingml/2006/compatibility" xmlns:p14="http://schemas.microsoft.com/office/powerpoint/2010/main" xmlns:p15="http://schemas.microsoft.com/office/powerpoint/2012/main" xmlns:ahyp="http://schemas.microsoft.com/office/drawing/2018/hyperlinkcolor">
+<p:sld xmlns:a="http://schemas.openxmlformats.org/drawingml/2006/main" xmlns:r="http://schemas.openxmlformats.org/officeDocument/2006/relationships" xmlns:p="http://schemas.openxmlformats.org/presentationml/2006/main">
   <p:cSld>
     <p:spTree>
       <p:nvGrpSpPr>
-        <p:cNvPr id="65" name="Shape 65"/>
+        <p:cNvPr id="1" name="Shape 65"/>
         <p:cNvGrpSpPr/>
         <p:nvPr/>
       </p:nvGrpSpPr>
@@ -7081,7 +7304,9 @@
       <p:sp>
         <p:nvSpPr>
           <p:cNvPr id="66" name="Google Shape;66;p15"/>
-          <p:cNvSpPr txBox="1"/>
+          <p:cNvSpPr txBox="1">
+            <a:spLocks noGrp="1"/>
+          </p:cNvSpPr>
           <p:nvPr>
             <p:ph type="title"/>
           </p:nvPr>
@@ -7096,12 +7321,12 @@
           </a:prstGeom>
         </p:spPr>
         <p:txBody>
-          <a:bodyPr anchorCtr="0" anchor="t" bIns="91425" lIns="91425" spcFirstLastPara="1" rIns="91425" wrap="square" tIns="91425">
+          <a:bodyPr spcFirstLastPara="1" wrap="square" lIns="91425" tIns="91425" rIns="91425" bIns="91425" anchor="t" anchorCtr="0">
             <a:normAutofit fontScale="90000"/>
           </a:bodyPr>
           <a:lstStyle/>
           <a:p>
-            <a:pPr indent="0" lvl="0" marL="0" rtl="0" algn="l">
+            <a:pPr marL="0" lvl="0" indent="0" algn="l" rtl="0">
               <a:spcBef>
                 <a:spcPts val="0"/>
               </a:spcBef>
@@ -7111,19 +7336,27 @@
               <a:buNone/>
             </a:pPr>
             <a:r>
-              <a:rPr lang="ko"/>
+              <a:rPr lang="ko">
+                <a:latin typeface="Times New Roman" panose="02020603050405020304" pitchFamily="18" charset="0"/>
+                <a:cs typeface="Times New Roman" panose="02020603050405020304" pitchFamily="18" charset="0"/>
+              </a:rPr>
               <a:t>Introduction</a:t>
             </a:r>
-            <a:endParaRPr/>
+            <a:endParaRPr>
+              <a:latin typeface="Times New Roman" panose="02020603050405020304" pitchFamily="18" charset="0"/>
+              <a:cs typeface="Times New Roman" panose="02020603050405020304" pitchFamily="18" charset="0"/>
+            </a:endParaRPr>
           </a:p>
         </p:txBody>
       </p:sp>
       <p:sp>
         <p:nvSpPr>
           <p:cNvPr id="67" name="Google Shape;67;p15"/>
-          <p:cNvSpPr txBox="1"/>
+          <p:cNvSpPr txBox="1">
+            <a:spLocks noGrp="1"/>
+          </p:cNvSpPr>
           <p:nvPr>
-            <p:ph idx="1" type="body"/>
+            <p:ph type="body" idx="1"/>
           </p:nvPr>
         </p:nvSpPr>
         <p:spPr>
@@ -7136,12 +7369,12 @@
           </a:prstGeom>
         </p:spPr>
         <p:txBody>
-          <a:bodyPr anchorCtr="0" anchor="t" bIns="91425" lIns="91425" spcFirstLastPara="1" rIns="91425" wrap="square" tIns="91425">
+          <a:bodyPr spcFirstLastPara="1" wrap="square" lIns="91425" tIns="91425" rIns="91425" bIns="91425" anchor="t" anchorCtr="0">
             <a:normAutofit/>
           </a:bodyPr>
           <a:lstStyle/>
           <a:p>
-            <a:pPr indent="-304800" lvl="0" marL="457200" rtl="0" algn="l">
+            <a:pPr marL="457200" lvl="0" indent="-304800" algn="l" rtl="0">
               <a:spcBef>
                 <a:spcPts val="0"/>
               </a:spcBef>
@@ -7154,31 +7387,31 @@
             </a:pPr>
             <a:r>
               <a:rPr lang="ko" sz="1200" u="sng">
-                <a:latin typeface="Times New Roman"/>
+                <a:latin typeface="Times New Roman" panose="02020603050405020304" pitchFamily="18" charset="0"/>
                 <a:ea typeface="Times New Roman"/>
-                <a:cs typeface="Times New Roman"/>
+                <a:cs typeface="Times New Roman" panose="02020603050405020304" pitchFamily="18" charset="0"/>
                 <a:sym typeface="Times New Roman"/>
               </a:rPr>
               <a:t>Main problem</a:t>
             </a:r>
             <a:r>
               <a:rPr lang="ko" sz="1200">
-                <a:latin typeface="Times New Roman"/>
+                <a:latin typeface="Times New Roman" panose="02020603050405020304" pitchFamily="18" charset="0"/>
                 <a:ea typeface="Times New Roman"/>
-                <a:cs typeface="Times New Roman"/>
+                <a:cs typeface="Times New Roman" panose="02020603050405020304" pitchFamily="18" charset="0"/>
                 <a:sym typeface="Times New Roman"/>
               </a:rPr>
               <a:t>:</a:t>
             </a:r>
             <a:endParaRPr sz="1200">
-              <a:latin typeface="Times New Roman"/>
+              <a:latin typeface="Times New Roman" panose="02020603050405020304" pitchFamily="18" charset="0"/>
               <a:ea typeface="Times New Roman"/>
-              <a:cs typeface="Times New Roman"/>
+              <a:cs typeface="Times New Roman" panose="02020603050405020304" pitchFamily="18" charset="0"/>
               <a:sym typeface="Times New Roman"/>
             </a:endParaRPr>
           </a:p>
           <a:p>
-            <a:pPr indent="-304800" lvl="1" marL="914400" rtl="0" algn="l">
+            <a:pPr marL="914400" lvl="1" indent="-304800" algn="l" rtl="0">
               <a:spcBef>
                 <a:spcPts val="0"/>
               </a:spcBef>
@@ -7191,22 +7424,22 @@
             </a:pPr>
             <a:r>
               <a:rPr lang="ko" sz="1200">
-                <a:latin typeface="Times New Roman"/>
+                <a:latin typeface="Times New Roman" panose="02020603050405020304" pitchFamily="18" charset="0"/>
                 <a:ea typeface="Times New Roman"/>
-                <a:cs typeface="Times New Roman"/>
+                <a:cs typeface="Times New Roman" panose="02020603050405020304" pitchFamily="18" charset="0"/>
                 <a:sym typeface="Times New Roman"/>
               </a:rPr>
               <a:t>Many users find it difficult to maintain an optimal pace for the duration of a run</a:t>
             </a:r>
             <a:endParaRPr sz="1200">
-              <a:latin typeface="Times New Roman"/>
+              <a:latin typeface="Times New Roman" panose="02020603050405020304" pitchFamily="18" charset="0"/>
               <a:ea typeface="Times New Roman"/>
-              <a:cs typeface="Times New Roman"/>
+              <a:cs typeface="Times New Roman" panose="02020603050405020304" pitchFamily="18" charset="0"/>
               <a:sym typeface="Times New Roman"/>
             </a:endParaRPr>
           </a:p>
           <a:p>
-            <a:pPr indent="-304800" lvl="2" marL="1371600" rtl="0" algn="l">
+            <a:pPr marL="1371600" lvl="2" indent="-304800" algn="l" rtl="0">
               <a:spcBef>
                 <a:spcPts val="0"/>
               </a:spcBef>
@@ -7219,22 +7452,22 @@
             </a:pPr>
             <a:r>
               <a:rPr lang="ko" sz="1200">
-                <a:latin typeface="Times New Roman"/>
+                <a:latin typeface="Times New Roman" panose="02020603050405020304" pitchFamily="18" charset="0"/>
                 <a:ea typeface="Times New Roman"/>
-                <a:cs typeface="Times New Roman"/>
+                <a:cs typeface="Times New Roman" panose="02020603050405020304" pitchFamily="18" charset="0"/>
                 <a:sym typeface="Times New Roman"/>
               </a:rPr>
               <a:t>Many factors including weather, current health conditions, terrain, etc. contribute to this difficulty</a:t>
             </a:r>
             <a:endParaRPr sz="1200">
-              <a:latin typeface="Times New Roman"/>
+              <a:latin typeface="Times New Roman" panose="02020603050405020304" pitchFamily="18" charset="0"/>
               <a:ea typeface="Times New Roman"/>
-              <a:cs typeface="Times New Roman"/>
+              <a:cs typeface="Times New Roman" panose="02020603050405020304" pitchFamily="18" charset="0"/>
               <a:sym typeface="Times New Roman"/>
             </a:endParaRPr>
           </a:p>
           <a:p>
-            <a:pPr indent="-304800" lvl="1" marL="914400" rtl="0" algn="l">
+            <a:pPr marL="914400" lvl="1" indent="-304800" algn="l" rtl="0">
               <a:spcBef>
                 <a:spcPts val="0"/>
               </a:spcBef>
@@ -7247,31 +7480,31 @@
             </a:pPr>
             <a:r>
               <a:rPr lang="ko" sz="1200">
-                <a:latin typeface="Times New Roman"/>
+                <a:latin typeface="Times New Roman" panose="02020603050405020304" pitchFamily="18" charset="0"/>
                 <a:ea typeface="Times New Roman"/>
-                <a:cs typeface="Times New Roman"/>
+                <a:cs typeface="Times New Roman" panose="02020603050405020304" pitchFamily="18" charset="0"/>
                 <a:sym typeface="Times New Roman"/>
               </a:rPr>
               <a:t>Existing running apps (Nike, Samsung Health, etc.) measure speed </a:t>
             </a:r>
             <a:r>
-              <a:rPr b="1" lang="ko" sz="1200">
-                <a:latin typeface="Times New Roman"/>
+              <a:rPr lang="ko" sz="1200" b="1">
+                <a:latin typeface="Times New Roman" panose="02020603050405020304" pitchFamily="18" charset="0"/>
                 <a:ea typeface="Times New Roman"/>
-                <a:cs typeface="Times New Roman"/>
+                <a:cs typeface="Times New Roman" panose="02020603050405020304" pitchFamily="18" charset="0"/>
                 <a:sym typeface="Times New Roman"/>
               </a:rPr>
               <a:t>after a workout has ended</a:t>
             </a:r>
-            <a:endParaRPr b="1" sz="1200">
-              <a:latin typeface="Times New Roman"/>
+            <a:endParaRPr sz="1200" b="1">
+              <a:latin typeface="Times New Roman" panose="02020603050405020304" pitchFamily="18" charset="0"/>
               <a:ea typeface="Times New Roman"/>
-              <a:cs typeface="Times New Roman"/>
+              <a:cs typeface="Times New Roman" panose="02020603050405020304" pitchFamily="18" charset="0"/>
               <a:sym typeface="Times New Roman"/>
             </a:endParaRPr>
           </a:p>
           <a:p>
-            <a:pPr indent="-304800" lvl="2" marL="1371600" rtl="0" algn="l">
+            <a:pPr marL="1371600" lvl="2" indent="-304800" algn="l" rtl="0">
               <a:spcBef>
                 <a:spcPts val="0"/>
               </a:spcBef>
@@ -7284,22 +7517,22 @@
             </a:pPr>
             <a:r>
               <a:rPr lang="ko" sz="1200">
-                <a:latin typeface="Times New Roman"/>
+                <a:latin typeface="Times New Roman" panose="02020603050405020304" pitchFamily="18" charset="0"/>
                 <a:ea typeface="Times New Roman"/>
-                <a:cs typeface="Times New Roman"/>
+                <a:cs typeface="Times New Roman" panose="02020603050405020304" pitchFamily="18" charset="0"/>
                 <a:sym typeface="Times New Roman"/>
               </a:rPr>
               <a:t>This leads to poor feedback during the actual exercise.</a:t>
             </a:r>
             <a:endParaRPr sz="1200">
-              <a:latin typeface="Times New Roman"/>
+              <a:latin typeface="Times New Roman" panose="02020603050405020304" pitchFamily="18" charset="0"/>
               <a:ea typeface="Times New Roman"/>
-              <a:cs typeface="Times New Roman"/>
+              <a:cs typeface="Times New Roman" panose="02020603050405020304" pitchFamily="18" charset="0"/>
               <a:sym typeface="Times New Roman"/>
             </a:endParaRPr>
           </a:p>
           <a:p>
-            <a:pPr indent="-304800" lvl="1" marL="914400" rtl="0" algn="l">
+            <a:pPr marL="914400" lvl="1" indent="-304800" algn="l" rtl="0">
               <a:spcBef>
                 <a:spcPts val="0"/>
               </a:spcBef>
@@ -7312,22 +7545,22 @@
             </a:pPr>
             <a:r>
               <a:rPr lang="ko" sz="1200">
-                <a:latin typeface="Times New Roman"/>
+                <a:latin typeface="Times New Roman" panose="02020603050405020304" pitchFamily="18" charset="0"/>
                 <a:ea typeface="Times New Roman"/>
-                <a:cs typeface="Times New Roman"/>
+                <a:cs typeface="Times New Roman" panose="02020603050405020304" pitchFamily="18" charset="0"/>
                 <a:sym typeface="Times New Roman"/>
               </a:rPr>
               <a:t>Many people do not know how long they should exercise for, with many losing motivation after a few weeks</a:t>
             </a:r>
             <a:endParaRPr sz="1200">
-              <a:latin typeface="Times New Roman"/>
+              <a:latin typeface="Times New Roman" panose="02020603050405020304" pitchFamily="18" charset="0"/>
               <a:ea typeface="Times New Roman"/>
-              <a:cs typeface="Times New Roman"/>
+              <a:cs typeface="Times New Roman" panose="02020603050405020304" pitchFamily="18" charset="0"/>
               <a:sym typeface="Times New Roman"/>
             </a:endParaRPr>
           </a:p>
           <a:p>
-            <a:pPr indent="-304800" lvl="0" marL="457200" rtl="0" algn="l">
+            <a:pPr marL="457200" lvl="0" indent="-304800" algn="l" rtl="0">
               <a:spcBef>
                 <a:spcPts val="0"/>
               </a:spcBef>
@@ -7340,31 +7573,31 @@
             </a:pPr>
             <a:r>
               <a:rPr lang="ko" sz="1200" u="sng">
-                <a:latin typeface="Times New Roman"/>
+                <a:latin typeface="Times New Roman" panose="02020603050405020304" pitchFamily="18" charset="0"/>
                 <a:ea typeface="Times New Roman"/>
-                <a:cs typeface="Times New Roman"/>
+                <a:cs typeface="Times New Roman" panose="02020603050405020304" pitchFamily="18" charset="0"/>
                 <a:sym typeface="Times New Roman"/>
               </a:rPr>
               <a:t>Solution</a:t>
             </a:r>
             <a:r>
               <a:rPr lang="ko" sz="1200">
-                <a:latin typeface="Times New Roman"/>
+                <a:latin typeface="Times New Roman" panose="02020603050405020304" pitchFamily="18" charset="0"/>
                 <a:ea typeface="Times New Roman"/>
-                <a:cs typeface="Times New Roman"/>
+                <a:cs typeface="Times New Roman" panose="02020603050405020304" pitchFamily="18" charset="0"/>
                 <a:sym typeface="Times New Roman"/>
               </a:rPr>
               <a:t>:</a:t>
             </a:r>
             <a:endParaRPr sz="1200">
-              <a:latin typeface="Times New Roman"/>
+              <a:latin typeface="Times New Roman" panose="02020603050405020304" pitchFamily="18" charset="0"/>
               <a:ea typeface="Times New Roman"/>
-              <a:cs typeface="Times New Roman"/>
+              <a:cs typeface="Times New Roman" panose="02020603050405020304" pitchFamily="18" charset="0"/>
               <a:sym typeface="Times New Roman"/>
             </a:endParaRPr>
           </a:p>
           <a:p>
-            <a:pPr indent="-304800" lvl="1" marL="914400" rtl="0" algn="l">
+            <a:pPr marL="914400" lvl="1" indent="-304800" algn="l" rtl="0">
               <a:spcBef>
                 <a:spcPts val="0"/>
               </a:spcBef>
@@ -7377,22 +7610,22 @@
             </a:pPr>
             <a:r>
               <a:rPr lang="ko" sz="1200">
-                <a:latin typeface="Times New Roman"/>
+                <a:latin typeface="Times New Roman" panose="02020603050405020304" pitchFamily="18" charset="0"/>
                 <a:ea typeface="Times New Roman"/>
-                <a:cs typeface="Times New Roman"/>
+                <a:cs typeface="Times New Roman" panose="02020603050405020304" pitchFamily="18" charset="0"/>
                 <a:sym typeface="Times New Roman"/>
               </a:rPr>
               <a:t>Create a pace-keeping application that monitors a user’s running speed and proposes an optimal pace based on micro/macro factors</a:t>
             </a:r>
             <a:endParaRPr sz="1200">
-              <a:latin typeface="Times New Roman"/>
+              <a:latin typeface="Times New Roman" panose="02020603050405020304" pitchFamily="18" charset="0"/>
               <a:ea typeface="Times New Roman"/>
-              <a:cs typeface="Times New Roman"/>
+              <a:cs typeface="Times New Roman" panose="02020603050405020304" pitchFamily="18" charset="0"/>
               <a:sym typeface="Times New Roman"/>
             </a:endParaRPr>
           </a:p>
           <a:p>
-            <a:pPr indent="-304800" lvl="2" marL="1371600" rtl="0" algn="l">
+            <a:pPr marL="1371600" lvl="2" indent="-304800" algn="l" rtl="0">
               <a:spcBef>
                 <a:spcPts val="0"/>
               </a:spcBef>
@@ -7405,31 +7638,22 @@
             </a:pPr>
             <a:r>
               <a:rPr lang="ko" sz="1200">
-                <a:latin typeface="Times New Roman"/>
+                <a:latin typeface="Times New Roman" panose="02020603050405020304" pitchFamily="18" charset="0"/>
                 <a:ea typeface="Times New Roman"/>
-                <a:cs typeface="Times New Roman"/>
+                <a:cs typeface="Times New Roman" panose="02020603050405020304" pitchFamily="18" charset="0"/>
                 <a:sym typeface="Times New Roman"/>
               </a:rPr>
-              <a:t>Macro factors: target weight, </a:t>
-            </a:r>
-            <a:r>
-              <a:rPr lang="ko" sz="1200">
-                <a:latin typeface="Times New Roman"/>
-                <a:ea typeface="Times New Roman"/>
-                <a:cs typeface="Times New Roman"/>
-                <a:sym typeface="Times New Roman"/>
-              </a:rPr>
-              <a:t>target distance, previous time records, etc.</a:t>
+              <a:t>Macro factors: target weight, target distance, previous time records, etc.</a:t>
             </a:r>
             <a:endParaRPr sz="1200">
-              <a:latin typeface="Times New Roman"/>
+              <a:latin typeface="Times New Roman" panose="02020603050405020304" pitchFamily="18" charset="0"/>
               <a:ea typeface="Times New Roman"/>
-              <a:cs typeface="Times New Roman"/>
+              <a:cs typeface="Times New Roman" panose="02020603050405020304" pitchFamily="18" charset="0"/>
               <a:sym typeface="Times New Roman"/>
             </a:endParaRPr>
           </a:p>
           <a:p>
-            <a:pPr indent="-304800" lvl="2" marL="1371600" rtl="0" algn="l">
+            <a:pPr marL="1371600" lvl="2" indent="-304800" algn="l" rtl="0">
               <a:spcBef>
                 <a:spcPts val="0"/>
               </a:spcBef>
@@ -7442,22 +7666,22 @@
             </a:pPr>
             <a:r>
               <a:rPr lang="ko" sz="1200">
-                <a:latin typeface="Times New Roman"/>
+                <a:latin typeface="Times New Roman" panose="02020603050405020304" pitchFamily="18" charset="0"/>
                 <a:ea typeface="Times New Roman"/>
-                <a:cs typeface="Times New Roman"/>
+                <a:cs typeface="Times New Roman" panose="02020603050405020304" pitchFamily="18" charset="0"/>
                 <a:sym typeface="Times New Roman"/>
               </a:rPr>
               <a:t>Micro factors: current terrain conditions (asphalt, incline, etc.), heart rate, etc.</a:t>
             </a:r>
             <a:endParaRPr sz="1200">
-              <a:latin typeface="Times New Roman"/>
+              <a:latin typeface="Times New Roman" panose="02020603050405020304" pitchFamily="18" charset="0"/>
               <a:ea typeface="Times New Roman"/>
-              <a:cs typeface="Times New Roman"/>
+              <a:cs typeface="Times New Roman" panose="02020603050405020304" pitchFamily="18" charset="0"/>
               <a:sym typeface="Times New Roman"/>
             </a:endParaRPr>
           </a:p>
           <a:p>
-            <a:pPr indent="-304800" lvl="1" marL="914400" rtl="0" algn="l">
+            <a:pPr marL="914400" lvl="1" indent="-304800" algn="l" rtl="0">
               <a:spcBef>
                 <a:spcPts val="0"/>
               </a:spcBef>
@@ -7470,22 +7694,22 @@
             </a:pPr>
             <a:r>
               <a:rPr lang="ko" sz="1200">
-                <a:latin typeface="Times New Roman"/>
+                <a:latin typeface="Times New Roman" panose="02020603050405020304" pitchFamily="18" charset="0"/>
                 <a:ea typeface="Times New Roman"/>
-                <a:cs typeface="Times New Roman"/>
+                <a:cs typeface="Times New Roman" panose="02020603050405020304" pitchFamily="18" charset="0"/>
                 <a:sym typeface="Times New Roman"/>
               </a:rPr>
               <a:t>Implement a game system to motivate users to reach their goals</a:t>
             </a:r>
             <a:endParaRPr sz="1200">
-              <a:latin typeface="Times New Roman"/>
+              <a:latin typeface="Times New Roman" panose="02020603050405020304" pitchFamily="18" charset="0"/>
               <a:ea typeface="Times New Roman"/>
-              <a:cs typeface="Times New Roman"/>
+              <a:cs typeface="Times New Roman" panose="02020603050405020304" pitchFamily="18" charset="0"/>
               <a:sym typeface="Times New Roman"/>
             </a:endParaRPr>
           </a:p>
           <a:p>
-            <a:pPr indent="-304800" lvl="0" marL="457200" rtl="0" algn="l">
+            <a:pPr marL="457200" lvl="0" indent="-304800" algn="l" rtl="0">
               <a:spcBef>
                 <a:spcPts val="0"/>
               </a:spcBef>
@@ -7498,31 +7722,31 @@
             </a:pPr>
             <a:r>
               <a:rPr lang="ko" sz="1200" u="sng">
-                <a:latin typeface="Times New Roman"/>
+                <a:latin typeface="Times New Roman" panose="02020603050405020304" pitchFamily="18" charset="0"/>
                 <a:ea typeface="Times New Roman"/>
-                <a:cs typeface="Times New Roman"/>
+                <a:cs typeface="Times New Roman" panose="02020603050405020304" pitchFamily="18" charset="0"/>
                 <a:sym typeface="Times New Roman"/>
               </a:rPr>
               <a:t>Target audience</a:t>
             </a:r>
             <a:r>
               <a:rPr lang="ko" sz="1200">
-                <a:latin typeface="Times New Roman"/>
+                <a:latin typeface="Times New Roman" panose="02020603050405020304" pitchFamily="18" charset="0"/>
                 <a:ea typeface="Times New Roman"/>
-                <a:cs typeface="Times New Roman"/>
+                <a:cs typeface="Times New Roman" panose="02020603050405020304" pitchFamily="18" charset="0"/>
                 <a:sym typeface="Times New Roman"/>
               </a:rPr>
               <a:t>: </a:t>
             </a:r>
             <a:endParaRPr sz="1200">
-              <a:latin typeface="Times New Roman"/>
+              <a:latin typeface="Times New Roman" panose="02020603050405020304" pitchFamily="18" charset="0"/>
               <a:ea typeface="Times New Roman"/>
-              <a:cs typeface="Times New Roman"/>
+              <a:cs typeface="Times New Roman" panose="02020603050405020304" pitchFamily="18" charset="0"/>
               <a:sym typeface="Times New Roman"/>
             </a:endParaRPr>
           </a:p>
           <a:p>
-            <a:pPr indent="-304800" lvl="1" marL="914400" rtl="0" algn="l">
+            <a:pPr marL="914400" lvl="1" indent="-304800" algn="l" rtl="0">
               <a:spcBef>
                 <a:spcPts val="0"/>
               </a:spcBef>
@@ -7535,22 +7759,22 @@
             </a:pPr>
             <a:r>
               <a:rPr lang="ko" sz="1200">
-                <a:latin typeface="Times New Roman"/>
+                <a:latin typeface="Times New Roman" panose="02020603050405020304" pitchFamily="18" charset="0"/>
                 <a:ea typeface="Times New Roman"/>
-                <a:cs typeface="Times New Roman"/>
+                <a:cs typeface="Times New Roman" panose="02020603050405020304" pitchFamily="18" charset="0"/>
                 <a:sym typeface="Times New Roman"/>
               </a:rPr>
               <a:t>Health-aware users who wish to augment their daily exercises with AI assisted jogging/walking routines</a:t>
             </a:r>
             <a:endParaRPr sz="1200">
-              <a:latin typeface="Times New Roman"/>
+              <a:latin typeface="Times New Roman" panose="02020603050405020304" pitchFamily="18" charset="0"/>
               <a:ea typeface="Times New Roman"/>
-              <a:cs typeface="Times New Roman"/>
+              <a:cs typeface="Times New Roman" panose="02020603050405020304" pitchFamily="18" charset="0"/>
               <a:sym typeface="Times New Roman"/>
             </a:endParaRPr>
           </a:p>
           <a:p>
-            <a:pPr indent="-304800" lvl="1" marL="914400" rtl="0" algn="l">
+            <a:pPr marL="914400" lvl="1" indent="-304800" algn="l" rtl="0">
               <a:spcBef>
                 <a:spcPts val="0"/>
               </a:spcBef>
@@ -7563,22 +7787,22 @@
             </a:pPr>
             <a:r>
               <a:rPr lang="ko" sz="1200">
-                <a:latin typeface="Times New Roman"/>
+                <a:latin typeface="Times New Roman" panose="02020603050405020304" pitchFamily="18" charset="0"/>
                 <a:ea typeface="Times New Roman"/>
-                <a:cs typeface="Times New Roman"/>
+                <a:cs typeface="Times New Roman" panose="02020603050405020304" pitchFamily="18" charset="0"/>
                 <a:sym typeface="Times New Roman"/>
               </a:rPr>
               <a:t>Professional runners who wish to closely monitor their running speed and improve their record times</a:t>
             </a:r>
             <a:endParaRPr sz="1200">
-              <a:latin typeface="Times New Roman"/>
+              <a:latin typeface="Times New Roman" panose="02020603050405020304" pitchFamily="18" charset="0"/>
               <a:ea typeface="Times New Roman"/>
-              <a:cs typeface="Times New Roman"/>
+              <a:cs typeface="Times New Roman" panose="02020603050405020304" pitchFamily="18" charset="0"/>
               <a:sym typeface="Times New Roman"/>
             </a:endParaRPr>
           </a:p>
           <a:p>
-            <a:pPr indent="-304800" lvl="1" marL="914400" rtl="0" algn="l">
+            <a:pPr marL="914400" lvl="1" indent="-304800" algn="l" rtl="0">
               <a:spcBef>
                 <a:spcPts val="0"/>
               </a:spcBef>
@@ -7591,17 +7815,17 @@
             </a:pPr>
             <a:r>
               <a:rPr lang="ko" sz="1200">
-                <a:latin typeface="Times New Roman"/>
+                <a:latin typeface="Times New Roman" panose="02020603050405020304" pitchFamily="18" charset="0"/>
                 <a:ea typeface="Times New Roman"/>
-                <a:cs typeface="Times New Roman"/>
+                <a:cs typeface="Times New Roman" panose="02020603050405020304" pitchFamily="18" charset="0"/>
                 <a:sym typeface="Times New Roman"/>
               </a:rPr>
               <a:t>Anyone who wants to lose weight through consistent exercise</a:t>
             </a:r>
             <a:endParaRPr sz="1200">
-              <a:latin typeface="Times New Roman"/>
+              <a:latin typeface="Times New Roman" panose="02020603050405020304" pitchFamily="18" charset="0"/>
               <a:ea typeface="Times New Roman"/>
-              <a:cs typeface="Times New Roman"/>
+              <a:cs typeface="Times New Roman" panose="02020603050405020304" pitchFamily="18" charset="0"/>
               <a:sym typeface="Times New Roman"/>
             </a:endParaRPr>
           </a:p>
@@ -7616,11 +7840,11 @@
 </file>
 
 <file path=ppt/slides/slide4.xml><?xml version="1.0" encoding="utf-8"?>
-<p:sld xmlns:a="http://schemas.openxmlformats.org/drawingml/2006/main" xmlns:r="http://schemas.openxmlformats.org/officeDocument/2006/relationships" xmlns:mc="http://schemas.openxmlformats.org/markup-compatibility/2006" xmlns:mv="urn:schemas-microsoft-com:mac:vml" xmlns:p="http://schemas.openxmlformats.org/presentationml/2006/main" xmlns:c="http://schemas.openxmlformats.org/drawingml/2006/chart" xmlns:dgm="http://schemas.openxmlformats.org/drawingml/2006/diagram" xmlns:o="urn:schemas-microsoft-com:office:office" xmlns:v="urn:schemas-microsoft-com:vml" xmlns:pvml="urn:schemas-microsoft-com:office:powerpoint" xmlns:com="http://schemas.openxmlformats.org/drawingml/2006/compatibility" xmlns:p14="http://schemas.microsoft.com/office/powerpoint/2010/main" xmlns:p15="http://schemas.microsoft.com/office/powerpoint/2012/main" xmlns:ahyp="http://schemas.microsoft.com/office/drawing/2018/hyperlinkcolor">
+<p:sld xmlns:a="http://schemas.openxmlformats.org/drawingml/2006/main" xmlns:r="http://schemas.openxmlformats.org/officeDocument/2006/relationships" xmlns:p="http://schemas.openxmlformats.org/presentationml/2006/main">
   <p:cSld>
     <p:spTree>
       <p:nvGrpSpPr>
-        <p:cNvPr id="71" name="Shape 71"/>
+        <p:cNvPr id="1" name="Shape 71"/>
         <p:cNvGrpSpPr/>
         <p:nvPr/>
       </p:nvGrpSpPr>
@@ -7635,7 +7859,9 @@
       <p:sp>
         <p:nvSpPr>
           <p:cNvPr id="72" name="Google Shape;72;p16"/>
-          <p:cNvSpPr txBox="1"/>
+          <p:cNvSpPr txBox="1">
+            <a:spLocks noGrp="1"/>
+          </p:cNvSpPr>
           <p:nvPr>
             <p:ph type="title"/>
           </p:nvPr>
@@ -7650,12 +7876,12 @@
           </a:prstGeom>
         </p:spPr>
         <p:txBody>
-          <a:bodyPr anchorCtr="0" anchor="t" bIns="91425" lIns="91425" spcFirstLastPara="1" rIns="91425" wrap="square" tIns="91425">
+          <a:bodyPr spcFirstLastPara="1" wrap="square" lIns="91425" tIns="91425" rIns="91425" bIns="91425" anchor="t" anchorCtr="0">
             <a:normAutofit fontScale="90000"/>
           </a:bodyPr>
           <a:lstStyle/>
           <a:p>
-            <a:pPr indent="0" lvl="0" marL="0" rtl="0" algn="l">
+            <a:pPr marL="0" lvl="0" indent="0" algn="l" rtl="0">
               <a:spcBef>
                 <a:spcPts val="0"/>
               </a:spcBef>
@@ -7665,19 +7891,27 @@
               <a:buNone/>
             </a:pPr>
             <a:r>
-              <a:rPr lang="ko"/>
+              <a:rPr lang="ko" dirty="0">
+                <a:latin typeface="Times New Roman" panose="02020603050405020304" pitchFamily="18" charset="0"/>
+                <a:cs typeface="Times New Roman" panose="02020603050405020304" pitchFamily="18" charset="0"/>
+              </a:rPr>
               <a:t>Existing Applications</a:t>
             </a:r>
-            <a:endParaRPr/>
+            <a:endParaRPr dirty="0">
+              <a:latin typeface="Times New Roman" panose="02020603050405020304" pitchFamily="18" charset="0"/>
+              <a:cs typeface="Times New Roman" panose="02020603050405020304" pitchFamily="18" charset="0"/>
+            </a:endParaRPr>
           </a:p>
         </p:txBody>
       </p:sp>
       <p:sp>
         <p:nvSpPr>
           <p:cNvPr id="73" name="Google Shape;73;p16"/>
-          <p:cNvSpPr txBox="1"/>
+          <p:cNvSpPr txBox="1">
+            <a:spLocks noGrp="1"/>
+          </p:cNvSpPr>
           <p:nvPr>
-            <p:ph idx="1" type="body"/>
+            <p:ph type="body" idx="1"/>
           </p:nvPr>
         </p:nvSpPr>
         <p:spPr>
@@ -7690,12 +7924,12 @@
           </a:prstGeom>
         </p:spPr>
         <p:txBody>
-          <a:bodyPr anchorCtr="0" anchor="t" bIns="91425" lIns="91425" spcFirstLastPara="1" rIns="91425" wrap="square" tIns="91425">
+          <a:bodyPr spcFirstLastPara="1" wrap="square" lIns="91425" tIns="91425" rIns="91425" bIns="91425" anchor="t" anchorCtr="0">
             <a:normAutofit/>
           </a:bodyPr>
           <a:lstStyle/>
           <a:p>
-            <a:pPr indent="-317500" lvl="0" marL="457200" rtl="0" algn="l">
+            <a:pPr marL="457200" lvl="0" indent="-317500" algn="l" rtl="0">
               <a:spcBef>
                 <a:spcPts val="0"/>
               </a:spcBef>
@@ -7707,23 +7941,23 @@
               <a:buChar char="●"/>
             </a:pPr>
             <a:r>
-              <a:rPr lang="ko" sz="1400">
-                <a:latin typeface="Times New Roman"/>
+              <a:rPr lang="ko" sz="1400" dirty="0">
+                <a:latin typeface="Times New Roman" panose="02020603050405020304" pitchFamily="18" charset="0"/>
                 <a:ea typeface="Times New Roman"/>
-                <a:cs typeface="Times New Roman"/>
+                <a:cs typeface="Times New Roman" panose="02020603050405020304" pitchFamily="18" charset="0"/>
                 <a:sym typeface="Times New Roman"/>
               </a:rPr>
               <a:t>Runkeeper Elite: paid app that keeps track of runner’s speed</a:t>
             </a:r>
-            <a:endParaRPr sz="1400">
-              <a:latin typeface="Times New Roman"/>
+            <a:endParaRPr sz="1400" dirty="0">
+              <a:latin typeface="Times New Roman" panose="02020603050405020304" pitchFamily="18" charset="0"/>
               <a:ea typeface="Times New Roman"/>
-              <a:cs typeface="Times New Roman"/>
+              <a:cs typeface="Times New Roman" panose="02020603050405020304" pitchFamily="18" charset="0"/>
               <a:sym typeface="Times New Roman"/>
             </a:endParaRPr>
           </a:p>
           <a:p>
-            <a:pPr indent="-317500" lvl="1" marL="914400" rtl="0" algn="l">
+            <a:pPr marL="914400" lvl="1" indent="-317500" algn="l" rtl="0">
               <a:spcBef>
                 <a:spcPts val="0"/>
               </a:spcBef>
@@ -7735,18 +7969,18 @@
               <a:buChar char="○"/>
             </a:pPr>
             <a:r>
-              <a:rPr lang="ko">
-                <a:latin typeface="Times New Roman"/>
+              <a:rPr lang="ko" dirty="0">
+                <a:latin typeface="Times New Roman" panose="02020603050405020304" pitchFamily="18" charset="0"/>
                 <a:ea typeface="Times New Roman"/>
-                <a:cs typeface="Times New Roman"/>
+                <a:cs typeface="Times New Roman" panose="02020603050405020304" pitchFamily="18" charset="0"/>
                 <a:sym typeface="Times New Roman"/>
               </a:rPr>
               <a:t>Only updates user on running speed every kilometer (not real-time)</a:t>
             </a:r>
-            <a:endParaRPr sz="1400">
-              <a:latin typeface="Times New Roman"/>
+            <a:endParaRPr sz="1400" dirty="0">
+              <a:latin typeface="Times New Roman" panose="02020603050405020304" pitchFamily="18" charset="0"/>
               <a:ea typeface="Times New Roman"/>
-              <a:cs typeface="Times New Roman"/>
+              <a:cs typeface="Times New Roman" panose="02020603050405020304" pitchFamily="18" charset="0"/>
               <a:sym typeface="Times New Roman"/>
             </a:endParaRPr>
           </a:p>
@@ -7761,11 +7995,11 @@
 </file>
 
 <file path=ppt/slides/slide5.xml><?xml version="1.0" encoding="utf-8"?>
-<p:sld xmlns:a="http://schemas.openxmlformats.org/drawingml/2006/main" xmlns:r="http://schemas.openxmlformats.org/officeDocument/2006/relationships" xmlns:mc="http://schemas.openxmlformats.org/markup-compatibility/2006" xmlns:mv="urn:schemas-microsoft-com:mac:vml" xmlns:p="http://schemas.openxmlformats.org/presentationml/2006/main" xmlns:c="http://schemas.openxmlformats.org/drawingml/2006/chart" xmlns:dgm="http://schemas.openxmlformats.org/drawingml/2006/diagram" xmlns:o="urn:schemas-microsoft-com:office:office" xmlns:v="urn:schemas-microsoft-com:vml" xmlns:pvml="urn:schemas-microsoft-com:office:powerpoint" xmlns:com="http://schemas.openxmlformats.org/drawingml/2006/compatibility" xmlns:p14="http://schemas.microsoft.com/office/powerpoint/2010/main" xmlns:p15="http://schemas.microsoft.com/office/powerpoint/2012/main" xmlns:ahyp="http://schemas.microsoft.com/office/drawing/2018/hyperlinkcolor">
+<p:sld xmlns:a="http://schemas.openxmlformats.org/drawingml/2006/main" xmlns:r="http://schemas.openxmlformats.org/officeDocument/2006/relationships" xmlns:p="http://schemas.openxmlformats.org/presentationml/2006/main">
   <p:cSld>
     <p:spTree>
       <p:nvGrpSpPr>
-        <p:cNvPr id="77" name="Shape 77"/>
+        <p:cNvPr id="1" name="Shape 77"/>
         <p:cNvGrpSpPr/>
         <p:nvPr/>
       </p:nvGrpSpPr>
@@ -7780,7 +8014,9 @@
       <p:sp>
         <p:nvSpPr>
           <p:cNvPr id="78" name="Google Shape;78;p17"/>
-          <p:cNvSpPr txBox="1"/>
+          <p:cNvSpPr txBox="1">
+            <a:spLocks noGrp="1"/>
+          </p:cNvSpPr>
           <p:nvPr>
             <p:ph type="title"/>
           </p:nvPr>
@@ -7795,12 +8031,12 @@
           </a:prstGeom>
         </p:spPr>
         <p:txBody>
-          <a:bodyPr anchorCtr="0" anchor="t" bIns="91425" lIns="91425" spcFirstLastPara="1" rIns="91425" wrap="square" tIns="91425">
+          <a:bodyPr spcFirstLastPara="1" wrap="square" lIns="91425" tIns="91425" rIns="91425" bIns="91425" anchor="t" anchorCtr="0">
             <a:normAutofit fontScale="90000"/>
           </a:bodyPr>
           <a:lstStyle/>
           <a:p>
-            <a:pPr indent="0" lvl="0" marL="0" rtl="0" algn="l">
+            <a:pPr marL="0" lvl="0" indent="0" algn="l" rtl="0">
               <a:spcBef>
                 <a:spcPts val="0"/>
               </a:spcBef>
@@ -7810,19 +8046,27 @@
               <a:buNone/>
             </a:pPr>
             <a:r>
-              <a:rPr lang="ko"/>
+              <a:rPr lang="ko" dirty="0">
+                <a:latin typeface="Times New Roman" panose="02020603050405020304" pitchFamily="18" charset="0"/>
+                <a:cs typeface="Times New Roman" panose="02020603050405020304" pitchFamily="18" charset="0"/>
+              </a:rPr>
               <a:t>Motivation</a:t>
             </a:r>
-            <a:endParaRPr/>
+            <a:endParaRPr dirty="0">
+              <a:latin typeface="Times New Roman" panose="02020603050405020304" pitchFamily="18" charset="0"/>
+              <a:cs typeface="Times New Roman" panose="02020603050405020304" pitchFamily="18" charset="0"/>
+            </a:endParaRPr>
           </a:p>
         </p:txBody>
       </p:sp>
       <p:sp>
         <p:nvSpPr>
           <p:cNvPr id="79" name="Google Shape;79;p17"/>
-          <p:cNvSpPr txBox="1"/>
+          <p:cNvSpPr txBox="1">
+            <a:spLocks noGrp="1"/>
+          </p:cNvSpPr>
           <p:nvPr>
-            <p:ph idx="1" type="body"/>
+            <p:ph type="body" idx="1"/>
           </p:nvPr>
         </p:nvSpPr>
         <p:spPr>
@@ -7835,12 +8079,12 @@
           </a:prstGeom>
         </p:spPr>
         <p:txBody>
-          <a:bodyPr anchorCtr="0" anchor="t" bIns="91425" lIns="91425" spcFirstLastPara="1" rIns="91425" wrap="square" tIns="91425">
+          <a:bodyPr spcFirstLastPara="1" wrap="square" lIns="91425" tIns="91425" rIns="91425" bIns="91425" anchor="t" anchorCtr="0">
             <a:normAutofit/>
           </a:bodyPr>
           <a:lstStyle/>
           <a:p>
-            <a:pPr indent="0" lvl="0" marL="0" rtl="0" algn="l">
+            <a:pPr marL="0" lvl="0" indent="0" algn="l" rtl="0">
               <a:spcBef>
                 <a:spcPts val="0"/>
               </a:spcBef>
@@ -7849,9 +8093,6 @@
               </a:spcAft>
               <a:buNone/>
             </a:pPr>
-            <a:r>
-              <a:t/>
-            </a:r>
             <a:endParaRPr/>
           </a:p>
         </p:txBody>
@@ -7865,11 +8106,11 @@
 </file>
 
 <file path=ppt/slides/slide6.xml><?xml version="1.0" encoding="utf-8"?>
-<p:sld xmlns:a="http://schemas.openxmlformats.org/drawingml/2006/main" xmlns:r="http://schemas.openxmlformats.org/officeDocument/2006/relationships" xmlns:mc="http://schemas.openxmlformats.org/markup-compatibility/2006" xmlns:mv="urn:schemas-microsoft-com:mac:vml" xmlns:p="http://schemas.openxmlformats.org/presentationml/2006/main" xmlns:c="http://schemas.openxmlformats.org/drawingml/2006/chart" xmlns:dgm="http://schemas.openxmlformats.org/drawingml/2006/diagram" xmlns:o="urn:schemas-microsoft-com:office:office" xmlns:v="urn:schemas-microsoft-com:vml" xmlns:pvml="urn:schemas-microsoft-com:office:powerpoint" xmlns:com="http://schemas.openxmlformats.org/drawingml/2006/compatibility" xmlns:p14="http://schemas.microsoft.com/office/powerpoint/2010/main" xmlns:p15="http://schemas.microsoft.com/office/powerpoint/2012/main" xmlns:ahyp="http://schemas.microsoft.com/office/drawing/2018/hyperlinkcolor">
+<p:sld xmlns:a="http://schemas.openxmlformats.org/drawingml/2006/main" xmlns:r="http://schemas.openxmlformats.org/officeDocument/2006/relationships" xmlns:p="http://schemas.openxmlformats.org/presentationml/2006/main">
   <p:cSld>
     <p:spTree>
       <p:nvGrpSpPr>
-        <p:cNvPr id="83" name="Shape 83"/>
+        <p:cNvPr id="1" name="Shape 83"/>
         <p:cNvGrpSpPr/>
         <p:nvPr/>
       </p:nvGrpSpPr>
@@ -7881,270 +8122,6 @@
           <a:chExt cx="0" cy="0"/>
         </a:xfrm>
       </p:grpSpPr>
-      <p:sp>
-        <p:nvSpPr>
-          <p:cNvPr id="84" name="Google Shape;84;p18"/>
-          <p:cNvSpPr txBox="1"/>
-          <p:nvPr>
-            <p:ph type="title"/>
-          </p:nvPr>
-        </p:nvSpPr>
-        <p:spPr>
-          <a:xfrm>
-            <a:off x="311700" y="445025"/>
-            <a:ext cx="3621000" cy="572700"/>
-          </a:xfrm>
-          <a:prstGeom prst="rect">
-            <a:avLst/>
-          </a:prstGeom>
-        </p:spPr>
-        <p:txBody>
-          <a:bodyPr anchorCtr="0" anchor="t" bIns="91425" lIns="91425" spcFirstLastPara="1" rIns="91425" wrap="square" tIns="91425">
-            <a:normAutofit fontScale="90000"/>
-          </a:bodyPr>
-          <a:lstStyle/>
-          <a:p>
-            <a:pPr indent="0" lvl="0" marL="0" rtl="0" algn="l">
-              <a:spcBef>
-                <a:spcPts val="0"/>
-              </a:spcBef>
-              <a:spcAft>
-                <a:spcPts val="0"/>
-              </a:spcAft>
-              <a:buNone/>
-            </a:pPr>
-            <a:r>
-              <a:rPr lang="ko"/>
-              <a:t>System Overview</a:t>
-            </a:r>
-            <a:endParaRPr/>
-          </a:p>
-        </p:txBody>
-      </p:sp>
-      <p:sp>
-        <p:nvSpPr>
-          <p:cNvPr id="85" name="Google Shape;85;p18"/>
-          <p:cNvSpPr txBox="1"/>
-          <p:nvPr>
-            <p:ph idx="1" type="body"/>
-          </p:nvPr>
-        </p:nvSpPr>
-        <p:spPr>
-          <a:xfrm>
-            <a:off x="311700" y="1152475"/>
-            <a:ext cx="3128100" cy="2999400"/>
-          </a:xfrm>
-          <a:prstGeom prst="rect">
-            <a:avLst/>
-          </a:prstGeom>
-        </p:spPr>
-        <p:txBody>
-          <a:bodyPr anchorCtr="0" anchor="t" bIns="91425" lIns="91425" spcFirstLastPara="1" rIns="91425" wrap="square" tIns="91425">
-            <a:normAutofit lnSpcReduction="10000"/>
-          </a:bodyPr>
-          <a:lstStyle/>
-          <a:p>
-            <a:pPr indent="0" lvl="0" marL="0" rtl="0" algn="l">
-              <a:spcBef>
-                <a:spcPts val="0"/>
-              </a:spcBef>
-              <a:spcAft>
-                <a:spcPts val="0"/>
-              </a:spcAft>
-              <a:buNone/>
-            </a:pPr>
-            <a:r>
-              <a:rPr b="1" lang="ko" sz="1400">
-                <a:latin typeface="Times New Roman"/>
-                <a:ea typeface="Times New Roman"/>
-                <a:cs typeface="Times New Roman"/>
-                <a:sym typeface="Times New Roman"/>
-              </a:rPr>
-              <a:t>Sensor Data</a:t>
-            </a:r>
-            <a:endParaRPr b="1" sz="1400">
-              <a:latin typeface="Times New Roman"/>
-              <a:ea typeface="Times New Roman"/>
-              <a:cs typeface="Times New Roman"/>
-              <a:sym typeface="Times New Roman"/>
-            </a:endParaRPr>
-          </a:p>
-          <a:p>
-            <a:pPr indent="0" lvl="0" marL="0" rtl="0" algn="l">
-              <a:spcBef>
-                <a:spcPts val="1200"/>
-              </a:spcBef>
-              <a:spcAft>
-                <a:spcPts val="0"/>
-              </a:spcAft>
-              <a:buNone/>
-            </a:pPr>
-            <a:r>
-              <a:rPr lang="ko" sz="1200" u="sng">
-                <a:latin typeface="Times New Roman"/>
-                <a:ea typeface="Times New Roman"/>
-                <a:cs typeface="Times New Roman"/>
-                <a:sym typeface="Times New Roman"/>
-              </a:rPr>
-              <a:t>Smartphone</a:t>
-            </a:r>
-            <a:endParaRPr sz="1200" u="sng">
-              <a:latin typeface="Times New Roman"/>
-              <a:ea typeface="Times New Roman"/>
-              <a:cs typeface="Times New Roman"/>
-              <a:sym typeface="Times New Roman"/>
-            </a:endParaRPr>
-          </a:p>
-          <a:p>
-            <a:pPr indent="-304800" lvl="0" marL="457200" rtl="0" algn="l">
-              <a:spcBef>
-                <a:spcPts val="1200"/>
-              </a:spcBef>
-              <a:spcAft>
-                <a:spcPts val="0"/>
-              </a:spcAft>
-              <a:buSzPts val="1200"/>
-              <a:buFont typeface="Times New Roman"/>
-              <a:buChar char="●"/>
-            </a:pPr>
-            <a:r>
-              <a:rPr lang="ko" sz="1200">
-                <a:latin typeface="Times New Roman"/>
-                <a:ea typeface="Times New Roman"/>
-                <a:cs typeface="Times New Roman"/>
-                <a:sym typeface="Times New Roman"/>
-              </a:rPr>
-              <a:t>GPS, accelerometer, barometer, compass, gyroscope, </a:t>
-            </a:r>
-            <a:r>
-              <a:rPr lang="ko" sz="1200">
-                <a:latin typeface="Times New Roman"/>
-                <a:ea typeface="Times New Roman"/>
-                <a:cs typeface="Times New Roman"/>
-                <a:sym typeface="Times New Roman"/>
-              </a:rPr>
-              <a:t>proximity</a:t>
-            </a:r>
-            <a:r>
-              <a:rPr lang="ko" sz="1200">
-                <a:latin typeface="Times New Roman"/>
-                <a:ea typeface="Times New Roman"/>
-                <a:cs typeface="Times New Roman"/>
-                <a:sym typeface="Times New Roman"/>
-              </a:rPr>
-              <a:t> sensor</a:t>
-            </a:r>
-            <a:endParaRPr sz="1200">
-              <a:latin typeface="Times New Roman"/>
-              <a:ea typeface="Times New Roman"/>
-              <a:cs typeface="Times New Roman"/>
-              <a:sym typeface="Times New Roman"/>
-            </a:endParaRPr>
-          </a:p>
-          <a:p>
-            <a:pPr indent="0" lvl="0" marL="0" rtl="0" algn="l">
-              <a:spcBef>
-                <a:spcPts val="1200"/>
-              </a:spcBef>
-              <a:spcAft>
-                <a:spcPts val="0"/>
-              </a:spcAft>
-              <a:buNone/>
-            </a:pPr>
-            <a:r>
-              <a:t/>
-            </a:r>
-            <a:endParaRPr sz="1200">
-              <a:latin typeface="Times New Roman"/>
-              <a:ea typeface="Times New Roman"/>
-              <a:cs typeface="Times New Roman"/>
-              <a:sym typeface="Times New Roman"/>
-            </a:endParaRPr>
-          </a:p>
-          <a:p>
-            <a:pPr indent="0" lvl="0" marL="0" rtl="0" algn="l">
-              <a:spcBef>
-                <a:spcPts val="1200"/>
-              </a:spcBef>
-              <a:spcAft>
-                <a:spcPts val="0"/>
-              </a:spcAft>
-              <a:buNone/>
-            </a:pPr>
-            <a:r>
-              <a:rPr lang="ko" sz="1200" u="sng">
-                <a:latin typeface="Times New Roman"/>
-                <a:ea typeface="Times New Roman"/>
-                <a:cs typeface="Times New Roman"/>
-                <a:sym typeface="Times New Roman"/>
-              </a:rPr>
-              <a:t>Smartwatch</a:t>
-            </a:r>
-            <a:endParaRPr sz="1200">
-              <a:latin typeface="Times New Roman"/>
-              <a:ea typeface="Times New Roman"/>
-              <a:cs typeface="Times New Roman"/>
-              <a:sym typeface="Times New Roman"/>
-            </a:endParaRPr>
-          </a:p>
-          <a:p>
-            <a:pPr indent="-304800" lvl="0" marL="457200" rtl="0" algn="l">
-              <a:spcBef>
-                <a:spcPts val="1200"/>
-              </a:spcBef>
-              <a:spcAft>
-                <a:spcPts val="0"/>
-              </a:spcAft>
-              <a:buSzPts val="1200"/>
-              <a:buFont typeface="Times New Roman"/>
-              <a:buChar char="●"/>
-            </a:pPr>
-            <a:r>
-              <a:rPr lang="ko" sz="1200">
-                <a:latin typeface="Times New Roman"/>
-                <a:ea typeface="Times New Roman"/>
-                <a:cs typeface="Times New Roman"/>
-                <a:sym typeface="Times New Roman"/>
-              </a:rPr>
-              <a:t>Physical: heart rate, ECG, thermometer, pulse oximeter</a:t>
-            </a:r>
-            <a:endParaRPr sz="1200">
-              <a:latin typeface="Times New Roman"/>
-              <a:ea typeface="Times New Roman"/>
-              <a:cs typeface="Times New Roman"/>
-              <a:sym typeface="Times New Roman"/>
-            </a:endParaRPr>
-          </a:p>
-          <a:p>
-            <a:pPr indent="-304800" lvl="0" marL="457200" rtl="0" algn="l">
-              <a:spcBef>
-                <a:spcPts val="0"/>
-              </a:spcBef>
-              <a:spcAft>
-                <a:spcPts val="0"/>
-              </a:spcAft>
-              <a:buSzPts val="1200"/>
-              <a:buFont typeface="Times New Roman"/>
-              <a:buChar char="●"/>
-            </a:pPr>
-            <a:r>
-              <a:rPr lang="ko" sz="1200">
-                <a:latin typeface="Times New Roman"/>
-                <a:ea typeface="Times New Roman"/>
-                <a:cs typeface="Times New Roman"/>
-                <a:sym typeface="Times New Roman"/>
-              </a:rPr>
-              <a:t>External: accelerometer, barometer, compass, gyroscope, ambient light, GPS</a:t>
-            </a:r>
-            <a:endParaRPr sz="1200">
-              <a:latin typeface="Times New Roman"/>
-              <a:ea typeface="Times New Roman"/>
-              <a:cs typeface="Times New Roman"/>
-              <a:sym typeface="Times New Roman"/>
-            </a:endParaRPr>
-          </a:p>
-        </p:txBody>
-      </p:sp>
       <p:pic>
         <p:nvPicPr>
           <p:cNvPr id="86" name="Google Shape;86;p18"/>
@@ -8244,23 +8221,23 @@
             <a:avLst/>
           </a:prstGeom>
           <a:noFill/>
-          <a:ln cap="flat" cmpd="sng" w="9525">
+          <a:ln w="9525" cap="flat" cmpd="sng">
             <a:solidFill>
               <a:schemeClr val="dk1"/>
             </a:solidFill>
             <a:prstDash val="solid"/>
             <a:round/>
-            <a:headEnd len="sm" w="sm" type="none"/>
-            <a:tailEnd len="sm" w="sm" type="none"/>
+            <a:headEnd type="none" w="sm" len="sm"/>
+            <a:tailEnd type="none" w="sm" len="sm"/>
           </a:ln>
         </p:spPr>
         <p:txBody>
-          <a:bodyPr anchorCtr="0" anchor="t" bIns="91425" lIns="91425" spcFirstLastPara="1" rIns="91425" wrap="square" tIns="91425">
+          <a:bodyPr spcFirstLastPara="1" wrap="square" lIns="91425" tIns="91425" rIns="91425" bIns="91425" anchor="t" anchorCtr="0">
             <a:spAutoFit/>
           </a:bodyPr>
           <a:lstStyle/>
           <a:p>
-            <a:pPr indent="0" lvl="0" marL="0" rtl="0" algn="l">
+            <a:pPr marL="0" lvl="0" indent="0" algn="l" rtl="0">
               <a:spcBef>
                 <a:spcPts val="0"/>
               </a:spcBef>
@@ -8276,25 +8253,7 @@
                 <a:cs typeface="Times New Roman"/>
                 <a:sym typeface="Times New Roman"/>
               </a:rPr>
-              <a:t>Gather physical data using </a:t>
-            </a:r>
-            <a:r>
-              <a:rPr lang="ko" sz="800">
-                <a:latin typeface="Times New Roman"/>
-                <a:ea typeface="Times New Roman"/>
-                <a:cs typeface="Times New Roman"/>
-                <a:sym typeface="Times New Roman"/>
-              </a:rPr>
-              <a:t>smart watch</a:t>
-            </a:r>
-            <a:r>
-              <a:rPr lang="ko" sz="800">
-                <a:latin typeface="Times New Roman"/>
-                <a:ea typeface="Times New Roman"/>
-                <a:cs typeface="Times New Roman"/>
-                <a:sym typeface="Times New Roman"/>
-              </a:rPr>
-              <a:t> sensors</a:t>
+              <a:t>Gather physical data using smart watch sensors</a:t>
             </a:r>
             <a:endParaRPr sz="800">
               <a:latin typeface="Times New Roman"/>
@@ -8322,14 +8281,14 @@
             <a:avLst/>
           </a:prstGeom>
           <a:noFill/>
-          <a:ln cap="flat" cmpd="sng" w="9525">
+          <a:ln w="9525" cap="flat" cmpd="sng">
             <a:solidFill>
               <a:schemeClr val="dk2"/>
             </a:solidFill>
             <a:prstDash val="solid"/>
             <a:round/>
-            <a:headEnd len="med" w="med" type="none"/>
-            <a:tailEnd len="med" w="med" type="triangle"/>
+            <a:headEnd type="none" w="med" len="med"/>
+            <a:tailEnd type="triangle" w="med" len="med"/>
           </a:ln>
         </p:spPr>
       </p:cxnSp>
@@ -8348,23 +8307,23 @@
             <a:avLst/>
           </a:prstGeom>
           <a:noFill/>
-          <a:ln cap="flat" cmpd="sng" w="9525">
+          <a:ln w="9525" cap="flat" cmpd="sng">
             <a:solidFill>
               <a:schemeClr val="dk1"/>
             </a:solidFill>
             <a:prstDash val="solid"/>
             <a:round/>
-            <a:headEnd len="sm" w="sm" type="none"/>
-            <a:tailEnd len="sm" w="sm" type="none"/>
+            <a:headEnd type="none" w="sm" len="sm"/>
+            <a:tailEnd type="none" w="sm" len="sm"/>
           </a:ln>
         </p:spPr>
         <p:txBody>
-          <a:bodyPr anchorCtr="0" anchor="t" bIns="91425" lIns="91425" spcFirstLastPara="1" rIns="91425" wrap="square" tIns="91425">
+          <a:bodyPr spcFirstLastPara="1" wrap="square" lIns="91425" tIns="91425" rIns="91425" bIns="91425" anchor="t" anchorCtr="0">
             <a:spAutoFit/>
           </a:bodyPr>
           <a:lstStyle/>
           <a:p>
-            <a:pPr indent="0" lvl="0" marL="0" rtl="0" algn="l">
+            <a:pPr marL="0" lvl="0" indent="0" algn="l" rtl="0">
               <a:spcBef>
                 <a:spcPts val="0"/>
               </a:spcBef>
@@ -8409,14 +8368,14 @@
             <a:avLst/>
           </a:prstGeom>
           <a:noFill/>
-          <a:ln cap="flat" cmpd="sng" w="9525">
+          <a:ln w="9525" cap="flat" cmpd="sng">
             <a:solidFill>
               <a:schemeClr val="dk2"/>
             </a:solidFill>
             <a:prstDash val="solid"/>
             <a:round/>
-            <a:headEnd len="med" w="med" type="none"/>
-            <a:tailEnd len="med" w="med" type="triangle"/>
+            <a:headEnd type="none" w="med" len="med"/>
+            <a:tailEnd type="triangle" w="med" len="med"/>
           </a:ln>
         </p:spPr>
       </p:cxnSp>
@@ -8429,7 +8388,7 @@
           <p:nvPr/>
         </p:nvCxnSpPr>
         <p:spPr>
-          <a:xfrm flipH="1" rot="10800000">
+          <a:xfrm rot="10800000" flipH="1">
             <a:off x="6245900" y="2916425"/>
             <a:ext cx="329400" cy="4800"/>
           </a:xfrm>
@@ -8437,14 +8396,14 @@
             <a:avLst/>
           </a:prstGeom>
           <a:noFill/>
-          <a:ln cap="flat" cmpd="sng" w="9525">
+          <a:ln w="9525" cap="flat" cmpd="sng">
             <a:solidFill>
               <a:schemeClr val="dk2"/>
             </a:solidFill>
             <a:prstDash val="solid"/>
             <a:round/>
-            <a:headEnd len="med" w="med" type="none"/>
-            <a:tailEnd len="med" w="med" type="triangle"/>
+            <a:headEnd type="none" w="med" len="med"/>
+            <a:tailEnd type="triangle" w="med" len="med"/>
           </a:ln>
         </p:spPr>
       </p:cxnSp>
@@ -8463,23 +8422,23 @@
             <a:avLst/>
           </a:prstGeom>
           <a:noFill/>
-          <a:ln cap="flat" cmpd="sng" w="9525">
+          <a:ln w="9525" cap="flat" cmpd="sng">
             <a:solidFill>
               <a:schemeClr val="dk1"/>
             </a:solidFill>
             <a:prstDash val="solid"/>
             <a:round/>
-            <a:headEnd len="sm" w="sm" type="none"/>
-            <a:tailEnd len="sm" w="sm" type="none"/>
+            <a:headEnd type="none" w="sm" len="sm"/>
+            <a:tailEnd type="none" w="sm" len="sm"/>
           </a:ln>
         </p:spPr>
         <p:txBody>
-          <a:bodyPr anchorCtr="0" anchor="t" bIns="91425" lIns="91425" spcFirstLastPara="1" rIns="91425" wrap="square" tIns="91425">
+          <a:bodyPr spcFirstLastPara="1" wrap="square" lIns="91425" tIns="91425" rIns="91425" bIns="91425" anchor="t" anchorCtr="0">
             <a:spAutoFit/>
           </a:bodyPr>
           <a:lstStyle/>
           <a:p>
-            <a:pPr indent="0" lvl="0" marL="0" rtl="0" algn="l">
+            <a:pPr marL="0" lvl="0" indent="0" algn="l" rtl="0">
               <a:spcBef>
                 <a:spcPts val="0"/>
               </a:spcBef>
@@ -8489,7 +8448,7 @@
               <a:buNone/>
             </a:pPr>
             <a:r>
-              <a:rPr lang="ko" sz="800">
+              <a:rPr lang="ko" sz="800" dirty="0">
                 <a:latin typeface="Times New Roman"/>
                 <a:ea typeface="Times New Roman"/>
                 <a:cs typeface="Times New Roman"/>
@@ -8497,7 +8456,7 @@
               </a:rPr>
               <a:t>Optional: use data/ML to detect good running posture</a:t>
             </a:r>
-            <a:endParaRPr sz="800">
+            <a:endParaRPr sz="800" dirty="0">
               <a:latin typeface="Times New Roman"/>
               <a:ea typeface="Times New Roman"/>
               <a:cs typeface="Times New Roman"/>
@@ -8547,27 +8506,27 @@
           </a:xfrm>
           <a:prstGeom prst="roundRect">
             <a:avLst>
-              <a:gd fmla="val 16667" name="adj"/>
+              <a:gd name="adj" fmla="val 16667"/>
             </a:avLst>
           </a:prstGeom>
           <a:noFill/>
-          <a:ln cap="flat" cmpd="sng" w="9525">
+          <a:ln w="9525" cap="flat" cmpd="sng">
             <a:solidFill>
               <a:schemeClr val="dk1"/>
             </a:solidFill>
             <a:prstDash val="solid"/>
             <a:round/>
-            <a:headEnd len="sm" w="sm" type="none"/>
-            <a:tailEnd len="sm" w="sm" type="none"/>
+            <a:headEnd type="none" w="sm" len="sm"/>
+            <a:tailEnd type="none" w="sm" len="sm"/>
           </a:ln>
         </p:spPr>
         <p:txBody>
-          <a:bodyPr anchorCtr="0" anchor="ctr" bIns="91425" lIns="91425" spcFirstLastPara="1" rIns="91425" wrap="square" tIns="91425">
+          <a:bodyPr spcFirstLastPara="1" wrap="square" lIns="91425" tIns="91425" rIns="91425" bIns="91425" anchor="ctr" anchorCtr="0">
             <a:noAutofit/>
           </a:bodyPr>
           <a:lstStyle/>
           <a:p>
-            <a:pPr indent="0" lvl="0" marL="0" rtl="0" algn="l">
+            <a:pPr marL="0" lvl="0" indent="0" algn="l" rtl="0">
               <a:spcBef>
                 <a:spcPts val="0"/>
               </a:spcBef>
@@ -8576,9 +8535,6 @@
               </a:spcAft>
               <a:buNone/>
             </a:pPr>
-            <a:r>
-              <a:t/>
-            </a:r>
             <a:endParaRPr/>
           </a:p>
         </p:txBody>
@@ -8592,7 +8548,7 @@
           <p:nvPr/>
         </p:nvCxnSpPr>
         <p:spPr>
-          <a:xfrm flipH="1" rot="10800000">
+          <a:xfrm rot="10800000" flipH="1">
             <a:off x="7256800" y="3528100"/>
             <a:ext cx="1363800" cy="2100"/>
           </a:xfrm>
@@ -8600,14 +8556,14 @@
             <a:avLst/>
           </a:prstGeom>
           <a:noFill/>
-          <a:ln cap="flat" cmpd="sng" w="9525">
+          <a:ln w="9525" cap="flat" cmpd="sng">
             <a:solidFill>
               <a:schemeClr val="dk2"/>
             </a:solidFill>
             <a:prstDash val="solid"/>
             <a:round/>
-            <a:headEnd len="med" w="med" type="none"/>
-            <a:tailEnd len="med" w="med" type="none"/>
+            <a:headEnd type="none" w="med" len="med"/>
+            <a:tailEnd type="none" w="med" len="med"/>
           </a:ln>
         </p:spPr>
       </p:cxnSp>
@@ -8628,14 +8584,14 @@
             <a:avLst/>
           </a:prstGeom>
           <a:noFill/>
-          <a:ln cap="flat" cmpd="sng" w="9525">
+          <a:ln w="9525" cap="flat" cmpd="sng">
             <a:solidFill>
               <a:schemeClr val="dk2"/>
             </a:solidFill>
             <a:prstDash val="solid"/>
             <a:round/>
-            <a:headEnd len="med" w="med" type="none"/>
-            <a:tailEnd len="med" w="med" type="none"/>
+            <a:headEnd type="none" w="med" len="med"/>
+            <a:tailEnd type="none" w="med" len="med"/>
           </a:ln>
         </p:spPr>
       </p:cxnSp>
@@ -8654,14 +8610,14 @@
             <a:avLst/>
           </a:prstGeom>
           <a:noFill/>
-          <a:ln cap="flat" cmpd="sng" w="9525">
+          <a:ln w="9525" cap="flat" cmpd="sng">
             <a:solidFill>
               <a:schemeClr val="dk2"/>
             </a:solidFill>
             <a:prstDash val="solid"/>
             <a:round/>
-            <a:headEnd len="med" w="med" type="none"/>
-            <a:tailEnd len="med" w="med" type="none"/>
+            <a:headEnd type="none" w="med" len="med"/>
+            <a:tailEnd type="none" w="med" len="med"/>
           </a:ln>
         </p:spPr>
       </p:cxnSp>
@@ -8680,23 +8636,23 @@
             <a:avLst/>
           </a:prstGeom>
           <a:noFill/>
-          <a:ln cap="flat" cmpd="sng" w="9525">
+          <a:ln w="9525" cap="flat" cmpd="sng">
             <a:solidFill>
               <a:schemeClr val="dk1"/>
             </a:solidFill>
             <a:prstDash val="solid"/>
             <a:round/>
-            <a:headEnd len="sm" w="sm" type="none"/>
-            <a:tailEnd len="sm" w="sm" type="none"/>
+            <a:headEnd type="none" w="sm" len="sm"/>
+            <a:tailEnd type="none" w="sm" len="sm"/>
           </a:ln>
         </p:spPr>
         <p:txBody>
-          <a:bodyPr anchorCtr="0" anchor="t" bIns="91425" lIns="91425" spcFirstLastPara="1" rIns="91425" wrap="square" tIns="91425">
+          <a:bodyPr spcFirstLastPara="1" wrap="square" lIns="91425" tIns="91425" rIns="91425" bIns="91425" anchor="t" anchorCtr="0">
             <a:spAutoFit/>
           </a:bodyPr>
           <a:lstStyle/>
           <a:p>
-            <a:pPr indent="0" lvl="0" marL="0" rtl="0" algn="l">
+            <a:pPr marL="0" lvl="0" indent="0" algn="l" rtl="0">
               <a:spcBef>
                 <a:spcPts val="0"/>
               </a:spcBef>
@@ -8740,14 +8696,14 @@
             <a:avLst/>
           </a:prstGeom>
           <a:noFill/>
-          <a:ln cap="flat" cmpd="sng" w="9525">
+          <a:ln w="9525" cap="flat" cmpd="sng">
             <a:solidFill>
               <a:schemeClr val="dk2"/>
             </a:solidFill>
             <a:prstDash val="solid"/>
             <a:round/>
-            <a:headEnd len="med" w="med" type="none"/>
-            <a:tailEnd len="med" w="med" type="triangle"/>
+            <a:headEnd type="none" w="med" len="med"/>
+            <a:tailEnd type="triangle" w="med" len="med"/>
           </a:ln>
         </p:spPr>
       </p:cxnSp>
@@ -8768,17 +8724,537 @@
             <a:avLst/>
           </a:prstGeom>
           <a:noFill/>
-          <a:ln cap="flat" cmpd="sng" w="9525">
+          <a:ln w="9525" cap="flat" cmpd="sng">
             <a:solidFill>
               <a:schemeClr val="dk2"/>
             </a:solidFill>
             <a:prstDash val="solid"/>
             <a:round/>
-            <a:headEnd len="med" w="med" type="none"/>
-            <a:tailEnd len="med" w="med" type="triangle"/>
+            <a:headEnd type="none" w="med" len="med"/>
+            <a:tailEnd type="triangle" w="med" len="med"/>
           </a:ln>
         </p:spPr>
       </p:cxnSp>
+      <p:sp>
+        <p:nvSpPr>
+          <p:cNvPr id="3" name="TextBox 2">
+            <a:extLst>
+              <a:ext uri="{FF2B5EF4-FFF2-40B4-BE49-F238E27FC236}">
+                <a16:creationId xmlns:a16="http://schemas.microsoft.com/office/drawing/2014/main" id="{5D5189BC-8BB4-40FF-A7E5-1265FB0E9949}"/>
+              </a:ext>
+            </a:extLst>
+          </p:cNvPr>
+          <p:cNvSpPr txBox="1"/>
+          <p:nvPr/>
+        </p:nvSpPr>
+        <p:spPr>
+          <a:xfrm>
+            <a:off x="614749" y="1053414"/>
+            <a:ext cx="3750551" cy="3662541"/>
+          </a:xfrm>
+          <a:prstGeom prst="rect">
+            <a:avLst/>
+          </a:prstGeom>
+          <a:noFill/>
+        </p:spPr>
+        <p:txBody>
+          <a:bodyPr wrap="square" rtlCol="0">
+            <a:spAutoFit/>
+          </a:bodyPr>
+          <a:lstStyle/>
+          <a:p>
+            <a:pPr marL="0" lvl="0" indent="0" algn="l" rtl="0">
+              <a:spcBef>
+                <a:spcPts val="0"/>
+              </a:spcBef>
+              <a:spcAft>
+                <a:spcPts val="0"/>
+              </a:spcAft>
+              <a:buNone/>
+            </a:pPr>
+            <a:r>
+              <a:rPr lang="en-US" altLang="ko" sz="1400" b="1" dirty="0">
+                <a:latin typeface="Times New Roman" panose="02020603050405020304" pitchFamily="18" charset="0"/>
+                <a:ea typeface="Times New Roman"/>
+                <a:cs typeface="Times New Roman" panose="02020603050405020304" pitchFamily="18" charset="0"/>
+                <a:sym typeface="Times New Roman"/>
+              </a:rPr>
+              <a:t>Sensor Data</a:t>
+            </a:r>
+            <a:endParaRPr lang="en-US" altLang="ko-KR" sz="1400" b="1" dirty="0">
+              <a:latin typeface="Times New Roman" panose="02020603050405020304" pitchFamily="18" charset="0"/>
+              <a:ea typeface="Times New Roman"/>
+              <a:cs typeface="Times New Roman" panose="02020603050405020304" pitchFamily="18" charset="0"/>
+              <a:sym typeface="Times New Roman"/>
+            </a:endParaRPr>
+          </a:p>
+          <a:p>
+            <a:pPr marL="0" lvl="0" indent="0" algn="l" rtl="0">
+              <a:spcBef>
+                <a:spcPts val="1200"/>
+              </a:spcBef>
+              <a:spcAft>
+                <a:spcPts val="0"/>
+              </a:spcAft>
+              <a:buNone/>
+            </a:pPr>
+            <a:r>
+              <a:rPr lang="en-US" altLang="ko" sz="1200" u="sng" dirty="0">
+                <a:latin typeface="Times New Roman" panose="02020603050405020304" pitchFamily="18" charset="0"/>
+                <a:ea typeface="Times New Roman"/>
+                <a:cs typeface="Times New Roman" panose="02020603050405020304" pitchFamily="18" charset="0"/>
+                <a:sym typeface="Times New Roman"/>
+              </a:rPr>
+              <a:t>Smartphone</a:t>
+            </a:r>
+          </a:p>
+          <a:p>
+            <a:pPr marL="171450" lvl="0" indent="-171450" algn="l" rtl="0">
+              <a:spcBef>
+                <a:spcPts val="1200"/>
+              </a:spcBef>
+              <a:spcAft>
+                <a:spcPts val="0"/>
+              </a:spcAft>
+              <a:buFont typeface="Arial" panose="020B0604020202020204" pitchFamily="34" charset="0"/>
+              <a:buChar char="•"/>
+            </a:pPr>
+            <a:r>
+              <a:rPr lang="en-US" altLang="ko" sz="1200" dirty="0">
+                <a:latin typeface="Times New Roman" panose="02020603050405020304" pitchFamily="18" charset="0"/>
+                <a:ea typeface="Times New Roman"/>
+                <a:cs typeface="Times New Roman" panose="02020603050405020304" pitchFamily="18" charset="0"/>
+                <a:sym typeface="Times New Roman"/>
+              </a:rPr>
+              <a:t>Galaxy 10	</a:t>
+            </a:r>
+          </a:p>
+          <a:p>
+            <a:pPr marL="457200" lvl="2" indent="-304800">
+              <a:spcBef>
+                <a:spcPts val="1200"/>
+              </a:spcBef>
+              <a:buSzPts val="1200"/>
+              <a:buFont typeface="Arial" panose="020B0604020202020204" pitchFamily="34" charset="0"/>
+              <a:buChar char="•"/>
+            </a:pPr>
+            <a:r>
+              <a:rPr lang="en-US" altLang="ko" sz="1200" dirty="0">
+                <a:latin typeface="Times New Roman" panose="02020603050405020304" pitchFamily="18" charset="0"/>
+                <a:ea typeface="Times New Roman"/>
+                <a:cs typeface="Times New Roman" panose="02020603050405020304" pitchFamily="18" charset="0"/>
+                <a:sym typeface="Times New Roman"/>
+              </a:rPr>
+              <a:t>GPS, accelerometer, barometer, compass, gyroscope, proximity sensor, step counter, geomagnetic field sensor, ambient and device temperature sensor</a:t>
+            </a:r>
+            <a:endParaRPr lang="en-US" altLang="ko-KR" sz="1200" dirty="0">
+              <a:latin typeface="Times New Roman" panose="02020603050405020304" pitchFamily="18" charset="0"/>
+              <a:ea typeface="Times New Roman"/>
+              <a:cs typeface="Times New Roman" panose="02020603050405020304" pitchFamily="18" charset="0"/>
+              <a:sym typeface="Times New Roman"/>
+            </a:endParaRPr>
+          </a:p>
+          <a:p>
+            <a:pPr marL="0" lvl="0" indent="0" algn="l" rtl="0">
+              <a:spcBef>
+                <a:spcPts val="1200"/>
+              </a:spcBef>
+              <a:spcAft>
+                <a:spcPts val="0"/>
+              </a:spcAft>
+              <a:buNone/>
+            </a:pPr>
+            <a:r>
+              <a:rPr lang="en-US" altLang="ko" sz="1200" u="sng" dirty="0">
+                <a:latin typeface="Times New Roman" panose="02020603050405020304" pitchFamily="18" charset="0"/>
+                <a:ea typeface="Times New Roman"/>
+                <a:cs typeface="Times New Roman" panose="02020603050405020304" pitchFamily="18" charset="0"/>
+                <a:sym typeface="Times New Roman"/>
+              </a:rPr>
+              <a:t>Smartwatch</a:t>
+            </a:r>
+          </a:p>
+          <a:p>
+            <a:pPr marL="171450" lvl="0" indent="-171450" algn="l" rtl="0">
+              <a:spcBef>
+                <a:spcPts val="1200"/>
+              </a:spcBef>
+              <a:spcAft>
+                <a:spcPts val="0"/>
+              </a:spcAft>
+              <a:buFont typeface="Arial" panose="020B0604020202020204" pitchFamily="34" charset="0"/>
+              <a:buChar char="•"/>
+            </a:pPr>
+            <a:r>
+              <a:rPr lang="en-US" altLang="ko-KR" sz="1200" dirty="0">
+                <a:latin typeface="Times New Roman" panose="02020603050405020304" pitchFamily="18" charset="0"/>
+                <a:ea typeface="Times New Roman"/>
+                <a:cs typeface="Times New Roman" panose="02020603050405020304" pitchFamily="18" charset="0"/>
+                <a:sym typeface="Times New Roman"/>
+              </a:rPr>
+              <a:t>Galaxy watch 4</a:t>
+            </a:r>
+            <a:endParaRPr lang="en-US" altLang="ko" sz="800" dirty="0">
+              <a:latin typeface="Times New Roman" panose="02020603050405020304" pitchFamily="18" charset="0"/>
+              <a:ea typeface="Times New Roman"/>
+              <a:cs typeface="Times New Roman" panose="02020603050405020304" pitchFamily="18" charset="0"/>
+              <a:sym typeface="Times New Roman"/>
+            </a:endParaRPr>
+          </a:p>
+          <a:p>
+            <a:pPr marL="457200" lvl="2" indent="-304800">
+              <a:spcBef>
+                <a:spcPts val="1200"/>
+              </a:spcBef>
+              <a:buSzPts val="1200"/>
+              <a:buFont typeface="Arial" panose="020B0604020202020204" pitchFamily="34" charset="0"/>
+              <a:buChar char="•"/>
+            </a:pPr>
+            <a:r>
+              <a:rPr lang="en-US" altLang="ko" sz="1200" dirty="0">
+                <a:latin typeface="Times New Roman" panose="02020603050405020304" pitchFamily="18" charset="0"/>
+                <a:ea typeface="Times New Roman"/>
+                <a:cs typeface="Times New Roman" panose="02020603050405020304" pitchFamily="18" charset="0"/>
+                <a:sym typeface="Times New Roman"/>
+              </a:rPr>
+              <a:t>Physical: heart rate, ECG, thermometer, pulse oximeter</a:t>
+            </a:r>
+            <a:endParaRPr lang="en-US" altLang="ko-KR" sz="1200" dirty="0">
+              <a:latin typeface="Times New Roman" panose="02020603050405020304" pitchFamily="18" charset="0"/>
+              <a:ea typeface="Times New Roman"/>
+              <a:cs typeface="Times New Roman" panose="02020603050405020304" pitchFamily="18" charset="0"/>
+              <a:sym typeface="Times New Roman"/>
+            </a:endParaRPr>
+          </a:p>
+          <a:p>
+            <a:pPr marL="457200" lvl="0" indent="-304800" algn="l" rtl="0">
+              <a:spcBef>
+                <a:spcPts val="0"/>
+              </a:spcBef>
+              <a:spcAft>
+                <a:spcPts val="0"/>
+              </a:spcAft>
+              <a:buSzPts val="1200"/>
+              <a:buFont typeface="Arial" panose="020B0604020202020204" pitchFamily="34" charset="0"/>
+              <a:buChar char="•"/>
+            </a:pPr>
+            <a:r>
+              <a:rPr lang="en-US" altLang="ko" sz="1200" dirty="0">
+                <a:latin typeface="Times New Roman" panose="02020603050405020304" pitchFamily="18" charset="0"/>
+                <a:ea typeface="Times New Roman"/>
+                <a:cs typeface="Times New Roman" panose="02020603050405020304" pitchFamily="18" charset="0"/>
+                <a:sym typeface="Times New Roman"/>
+              </a:rPr>
+              <a:t>External: accelerometer, barometer, compass, gyroscope, ambient light, GPS</a:t>
+            </a:r>
+            <a:endParaRPr lang="en-US" altLang="ko-KR" sz="1200" dirty="0">
+              <a:latin typeface="Times New Roman" panose="02020603050405020304" pitchFamily="18" charset="0"/>
+              <a:ea typeface="Times New Roman"/>
+              <a:cs typeface="Times New Roman" panose="02020603050405020304" pitchFamily="18" charset="0"/>
+              <a:sym typeface="Times New Roman"/>
+            </a:endParaRPr>
+          </a:p>
+          <a:p>
+            <a:endParaRPr lang="ko-KR" altLang="en-US" dirty="0">
+              <a:latin typeface="Times New Roman" panose="02020603050405020304" pitchFamily="18" charset="0"/>
+              <a:cs typeface="Times New Roman" panose="02020603050405020304" pitchFamily="18" charset="0"/>
+            </a:endParaRPr>
+          </a:p>
+        </p:txBody>
+      </p:sp>
+      <p:sp>
+        <p:nvSpPr>
+          <p:cNvPr id="25" name="Google Shape;78;p17">
+            <a:extLst>
+              <a:ext uri="{FF2B5EF4-FFF2-40B4-BE49-F238E27FC236}">
+                <a16:creationId xmlns:a16="http://schemas.microsoft.com/office/drawing/2014/main" id="{6B719B5E-42E2-4801-975C-F3537B571B3A}"/>
+              </a:ext>
+            </a:extLst>
+          </p:cNvPr>
+          <p:cNvSpPr txBox="1">
+            <a:spLocks/>
+          </p:cNvSpPr>
+          <p:nvPr/>
+        </p:nvSpPr>
+        <p:spPr>
+          <a:xfrm>
+            <a:off x="439625" y="450213"/>
+            <a:ext cx="8520600" cy="572700"/>
+          </a:xfrm>
+          <a:prstGeom prst="rect">
+            <a:avLst/>
+          </a:prstGeom>
+          <a:noFill/>
+          <a:ln>
+            <a:noFill/>
+          </a:ln>
+        </p:spPr>
+        <p:txBody>
+          <a:bodyPr spcFirstLastPara="1" wrap="square" lIns="91425" tIns="91425" rIns="91425" bIns="91425" anchor="t" anchorCtr="0">
+            <a:normAutofit fontScale="97500" lnSpcReduction="10000"/>
+          </a:bodyPr>
+          <a:lstStyle>
+            <a:defPPr marR="0" lvl="0" algn="l" rtl="0">
+              <a:lnSpc>
+                <a:spcPct val="100000"/>
+              </a:lnSpc>
+              <a:spcBef>
+                <a:spcPts val="0"/>
+              </a:spcBef>
+              <a:spcAft>
+                <a:spcPts val="0"/>
+              </a:spcAft>
+            </a:defPPr>
+            <a:lvl1pPr marR="0" lvl="0" algn="l" rtl="0">
+              <a:lnSpc>
+                <a:spcPct val="100000"/>
+              </a:lnSpc>
+              <a:spcBef>
+                <a:spcPts val="0"/>
+              </a:spcBef>
+              <a:spcAft>
+                <a:spcPts val="0"/>
+              </a:spcAft>
+              <a:buClr>
+                <a:schemeClr val="dk1"/>
+              </a:buClr>
+              <a:buSzPts val="2800"/>
+              <a:buFont typeface="Arial"/>
+              <a:buNone/>
+              <a:defRPr sz="2800" b="0" i="0" u="none" strike="noStrike" cap="none">
+                <a:solidFill>
+                  <a:schemeClr val="dk1"/>
+                </a:solidFill>
+                <a:latin typeface="Arial"/>
+                <a:ea typeface="Arial"/>
+                <a:cs typeface="Arial"/>
+                <a:sym typeface="Arial"/>
+              </a:defRPr>
+            </a:lvl1pPr>
+            <a:lvl2pPr marR="0" lvl="1" algn="l" rtl="0">
+              <a:lnSpc>
+                <a:spcPct val="100000"/>
+              </a:lnSpc>
+              <a:spcBef>
+                <a:spcPts val="0"/>
+              </a:spcBef>
+              <a:spcAft>
+                <a:spcPts val="0"/>
+              </a:spcAft>
+              <a:buClr>
+                <a:schemeClr val="dk1"/>
+              </a:buClr>
+              <a:buSzPts val="2800"/>
+              <a:buFont typeface="Arial"/>
+              <a:buNone/>
+              <a:defRPr sz="2800" b="0" i="0" u="none" strike="noStrike" cap="none">
+                <a:solidFill>
+                  <a:schemeClr val="dk1"/>
+                </a:solidFill>
+                <a:latin typeface="Arial"/>
+                <a:ea typeface="Arial"/>
+                <a:cs typeface="Arial"/>
+                <a:sym typeface="Arial"/>
+              </a:defRPr>
+            </a:lvl2pPr>
+            <a:lvl3pPr marR="0" lvl="2" algn="l" rtl="0">
+              <a:lnSpc>
+                <a:spcPct val="100000"/>
+              </a:lnSpc>
+              <a:spcBef>
+                <a:spcPts val="0"/>
+              </a:spcBef>
+              <a:spcAft>
+                <a:spcPts val="0"/>
+              </a:spcAft>
+              <a:buClr>
+                <a:schemeClr val="dk1"/>
+              </a:buClr>
+              <a:buSzPts val="2800"/>
+              <a:buFont typeface="Arial"/>
+              <a:buNone/>
+              <a:defRPr sz="2800" b="0" i="0" u="none" strike="noStrike" cap="none">
+                <a:solidFill>
+                  <a:schemeClr val="dk1"/>
+                </a:solidFill>
+                <a:latin typeface="Arial"/>
+                <a:ea typeface="Arial"/>
+                <a:cs typeface="Arial"/>
+                <a:sym typeface="Arial"/>
+              </a:defRPr>
+            </a:lvl3pPr>
+            <a:lvl4pPr marR="0" lvl="3" algn="l" rtl="0">
+              <a:lnSpc>
+                <a:spcPct val="100000"/>
+              </a:lnSpc>
+              <a:spcBef>
+                <a:spcPts val="0"/>
+              </a:spcBef>
+              <a:spcAft>
+                <a:spcPts val="0"/>
+              </a:spcAft>
+              <a:buClr>
+                <a:schemeClr val="dk1"/>
+              </a:buClr>
+              <a:buSzPts val="2800"/>
+              <a:buFont typeface="Arial"/>
+              <a:buNone/>
+              <a:defRPr sz="2800" b="0" i="0" u="none" strike="noStrike" cap="none">
+                <a:solidFill>
+                  <a:schemeClr val="dk1"/>
+                </a:solidFill>
+                <a:latin typeface="Arial"/>
+                <a:ea typeface="Arial"/>
+                <a:cs typeface="Arial"/>
+                <a:sym typeface="Arial"/>
+              </a:defRPr>
+            </a:lvl4pPr>
+            <a:lvl5pPr marR="0" lvl="4" algn="l" rtl="0">
+              <a:lnSpc>
+                <a:spcPct val="100000"/>
+              </a:lnSpc>
+              <a:spcBef>
+                <a:spcPts val="0"/>
+              </a:spcBef>
+              <a:spcAft>
+                <a:spcPts val="0"/>
+              </a:spcAft>
+              <a:buClr>
+                <a:schemeClr val="dk1"/>
+              </a:buClr>
+              <a:buSzPts val="2800"/>
+              <a:buFont typeface="Arial"/>
+              <a:buNone/>
+              <a:defRPr sz="2800" b="0" i="0" u="none" strike="noStrike" cap="none">
+                <a:solidFill>
+                  <a:schemeClr val="dk1"/>
+                </a:solidFill>
+                <a:latin typeface="Arial"/>
+                <a:ea typeface="Arial"/>
+                <a:cs typeface="Arial"/>
+                <a:sym typeface="Arial"/>
+              </a:defRPr>
+            </a:lvl5pPr>
+            <a:lvl6pPr marR="0" lvl="5" algn="l" rtl="0">
+              <a:lnSpc>
+                <a:spcPct val="100000"/>
+              </a:lnSpc>
+              <a:spcBef>
+                <a:spcPts val="0"/>
+              </a:spcBef>
+              <a:spcAft>
+                <a:spcPts val="0"/>
+              </a:spcAft>
+              <a:buClr>
+                <a:schemeClr val="dk1"/>
+              </a:buClr>
+              <a:buSzPts val="2800"/>
+              <a:buFont typeface="Arial"/>
+              <a:buNone/>
+              <a:defRPr sz="2800" b="0" i="0" u="none" strike="noStrike" cap="none">
+                <a:solidFill>
+                  <a:schemeClr val="dk1"/>
+                </a:solidFill>
+                <a:latin typeface="Arial"/>
+                <a:ea typeface="Arial"/>
+                <a:cs typeface="Arial"/>
+                <a:sym typeface="Arial"/>
+              </a:defRPr>
+            </a:lvl6pPr>
+            <a:lvl7pPr marR="0" lvl="6" algn="l" rtl="0">
+              <a:lnSpc>
+                <a:spcPct val="100000"/>
+              </a:lnSpc>
+              <a:spcBef>
+                <a:spcPts val="0"/>
+              </a:spcBef>
+              <a:spcAft>
+                <a:spcPts val="0"/>
+              </a:spcAft>
+              <a:buClr>
+                <a:schemeClr val="dk1"/>
+              </a:buClr>
+              <a:buSzPts val="2800"/>
+              <a:buFont typeface="Arial"/>
+              <a:buNone/>
+              <a:defRPr sz="2800" b="0" i="0" u="none" strike="noStrike" cap="none">
+                <a:solidFill>
+                  <a:schemeClr val="dk1"/>
+                </a:solidFill>
+                <a:latin typeface="Arial"/>
+                <a:ea typeface="Arial"/>
+                <a:cs typeface="Arial"/>
+                <a:sym typeface="Arial"/>
+              </a:defRPr>
+            </a:lvl7pPr>
+            <a:lvl8pPr marR="0" lvl="7" algn="l" rtl="0">
+              <a:lnSpc>
+                <a:spcPct val="100000"/>
+              </a:lnSpc>
+              <a:spcBef>
+                <a:spcPts val="0"/>
+              </a:spcBef>
+              <a:spcAft>
+                <a:spcPts val="0"/>
+              </a:spcAft>
+              <a:buClr>
+                <a:schemeClr val="dk1"/>
+              </a:buClr>
+              <a:buSzPts val="2800"/>
+              <a:buFont typeface="Arial"/>
+              <a:buNone/>
+              <a:defRPr sz="2800" b="0" i="0" u="none" strike="noStrike" cap="none">
+                <a:solidFill>
+                  <a:schemeClr val="dk1"/>
+                </a:solidFill>
+                <a:latin typeface="Arial"/>
+                <a:ea typeface="Arial"/>
+                <a:cs typeface="Arial"/>
+                <a:sym typeface="Arial"/>
+              </a:defRPr>
+            </a:lvl8pPr>
+            <a:lvl9pPr marR="0" lvl="8" algn="l" rtl="0">
+              <a:lnSpc>
+                <a:spcPct val="100000"/>
+              </a:lnSpc>
+              <a:spcBef>
+                <a:spcPts val="0"/>
+              </a:spcBef>
+              <a:spcAft>
+                <a:spcPts val="0"/>
+              </a:spcAft>
+              <a:buClr>
+                <a:schemeClr val="dk1"/>
+              </a:buClr>
+              <a:buSzPts val="2800"/>
+              <a:buFont typeface="Arial"/>
+              <a:buNone/>
+              <a:defRPr sz="2800" b="0" i="0" u="none" strike="noStrike" cap="none">
+                <a:solidFill>
+                  <a:schemeClr val="dk1"/>
+                </a:solidFill>
+                <a:latin typeface="Arial"/>
+                <a:ea typeface="Arial"/>
+                <a:cs typeface="Arial"/>
+                <a:sym typeface="Arial"/>
+              </a:defRPr>
+            </a:lvl9pPr>
+          </a:lstStyle>
+          <a:p>
+            <a:r>
+              <a:rPr lang="ko" altLang="ko-KR" dirty="0">
+                <a:latin typeface="Times New Roman" panose="02020603050405020304" pitchFamily="18" charset="0"/>
+                <a:cs typeface="Times New Roman" panose="02020603050405020304" pitchFamily="18" charset="0"/>
+              </a:rPr>
+              <a:t>System Overview</a:t>
+            </a:r>
+            <a:endParaRPr lang="en-US" dirty="0">
+              <a:latin typeface="Times New Roman" panose="02020603050405020304" pitchFamily="18" charset="0"/>
+              <a:cs typeface="Times New Roman" panose="02020603050405020304" pitchFamily="18" charset="0"/>
+            </a:endParaRPr>
+          </a:p>
+        </p:txBody>
+      </p:sp>
     </p:spTree>
   </p:cSld>
   <p:clrMapOvr>
@@ -8788,11 +9264,11 @@
 </file>
 
 <file path=ppt/slides/slide7.xml><?xml version="1.0" encoding="utf-8"?>
-<p:sld xmlns:a="http://schemas.openxmlformats.org/drawingml/2006/main" xmlns:r="http://schemas.openxmlformats.org/officeDocument/2006/relationships" xmlns:mc="http://schemas.openxmlformats.org/markup-compatibility/2006" xmlns:mv="urn:schemas-microsoft-com:mac:vml" xmlns:p="http://schemas.openxmlformats.org/presentationml/2006/main" xmlns:c="http://schemas.openxmlformats.org/drawingml/2006/chart" xmlns:dgm="http://schemas.openxmlformats.org/drawingml/2006/diagram" xmlns:o="urn:schemas-microsoft-com:office:office" xmlns:v="urn:schemas-microsoft-com:vml" xmlns:pvml="urn:schemas-microsoft-com:office:powerpoint" xmlns:com="http://schemas.openxmlformats.org/drawingml/2006/compatibility" xmlns:p14="http://schemas.microsoft.com/office/powerpoint/2010/main" xmlns:p15="http://schemas.microsoft.com/office/powerpoint/2012/main" xmlns:ahyp="http://schemas.microsoft.com/office/drawing/2018/hyperlinkcolor">
+<p:sld xmlns:a="http://schemas.openxmlformats.org/drawingml/2006/main" xmlns:r="http://schemas.openxmlformats.org/officeDocument/2006/relationships" xmlns:p="http://schemas.openxmlformats.org/presentationml/2006/main">
   <p:cSld>
     <p:spTree>
       <p:nvGrpSpPr>
-        <p:cNvPr id="106" name="Shape 106"/>
+        <p:cNvPr id="1" name="Shape 106"/>
         <p:cNvGrpSpPr/>
         <p:nvPr/>
       </p:nvGrpSpPr>
@@ -8807,7 +9283,9 @@
       <p:sp>
         <p:nvSpPr>
           <p:cNvPr id="107" name="Google Shape;107;p19"/>
-          <p:cNvSpPr txBox="1"/>
+          <p:cNvSpPr txBox="1">
+            <a:spLocks noGrp="1"/>
+          </p:cNvSpPr>
           <p:nvPr>
             <p:ph type="title"/>
           </p:nvPr>
@@ -8822,12 +9300,12 @@
           </a:prstGeom>
         </p:spPr>
         <p:txBody>
-          <a:bodyPr anchorCtr="0" anchor="t" bIns="91425" lIns="91425" spcFirstLastPara="1" rIns="91425" wrap="square" tIns="91425">
+          <a:bodyPr spcFirstLastPara="1" wrap="square" lIns="91425" tIns="91425" rIns="91425" bIns="91425" anchor="t" anchorCtr="0">
             <a:normAutofit fontScale="90000"/>
           </a:bodyPr>
           <a:lstStyle/>
           <a:p>
-            <a:pPr indent="0" lvl="0" marL="0" rtl="0" algn="l">
+            <a:pPr marL="0" lvl="0" indent="0" algn="l" rtl="0">
               <a:spcBef>
                 <a:spcPts val="0"/>
               </a:spcBef>
@@ -8837,219 +9315,670 @@
               <a:buNone/>
             </a:pPr>
             <a:r>
-              <a:rPr lang="ko"/>
+              <a:rPr lang="ko" dirty="0">
+                <a:latin typeface="Times New Roman" panose="02020603050405020304" pitchFamily="18" charset="0"/>
+                <a:cs typeface="Times New Roman" panose="02020603050405020304" pitchFamily="18" charset="0"/>
+              </a:rPr>
               <a:t>Specifications</a:t>
             </a:r>
-            <a:endParaRPr/>
-          </a:p>
-        </p:txBody>
-      </p:sp>
-      <p:sp>
-        <p:nvSpPr>
-          <p:cNvPr id="108" name="Google Shape;108;p19"/>
-          <p:cNvSpPr txBox="1"/>
-          <p:nvPr>
-            <p:ph idx="1" type="body"/>
-          </p:nvPr>
-        </p:nvSpPr>
-        <p:spPr>
-          <a:xfrm>
-            <a:off x="311700" y="1152475"/>
-            <a:ext cx="8544900" cy="2999400"/>
-          </a:xfrm>
-          <a:prstGeom prst="rect">
-            <a:avLst/>
-          </a:prstGeom>
-        </p:spPr>
-        <p:txBody>
-          <a:bodyPr anchorCtr="0" anchor="t" bIns="91425" lIns="91425" spcFirstLastPara="1" rIns="91425" wrap="square" tIns="91425">
-            <a:normAutofit/>
-          </a:bodyPr>
-          <a:lstStyle/>
-          <a:p>
-            <a:pPr indent="0" lvl="0" marL="0" rtl="0" algn="l">
-              <a:spcBef>
-                <a:spcPts val="0"/>
-              </a:spcBef>
-              <a:spcAft>
-                <a:spcPts val="0"/>
-              </a:spcAft>
-              <a:buNone/>
-            </a:pPr>
-            <a:r>
-              <a:rPr b="1" lang="ko" sz="1400">
-                <a:latin typeface="Times New Roman"/>
-                <a:ea typeface="Times New Roman"/>
-                <a:cs typeface="Times New Roman"/>
-                <a:sym typeface="Times New Roman"/>
-              </a:rPr>
-              <a:t>Sensor Data</a:t>
-            </a:r>
-            <a:endParaRPr b="1" sz="1400">
-              <a:latin typeface="Times New Roman"/>
-              <a:ea typeface="Times New Roman"/>
-              <a:cs typeface="Times New Roman"/>
-              <a:sym typeface="Times New Roman"/>
-            </a:endParaRPr>
-          </a:p>
-          <a:p>
-            <a:pPr indent="0" lvl="0" marL="0" rtl="0" algn="l">
-              <a:spcBef>
-                <a:spcPts val="1200"/>
-              </a:spcBef>
-              <a:spcAft>
-                <a:spcPts val="0"/>
-              </a:spcAft>
-              <a:buNone/>
-            </a:pPr>
-            <a:r>
-              <a:rPr lang="ko" sz="1200" u="sng">
-                <a:latin typeface="Times New Roman"/>
-                <a:ea typeface="Times New Roman"/>
-                <a:cs typeface="Times New Roman"/>
-                <a:sym typeface="Times New Roman"/>
-              </a:rPr>
-              <a:t>Smartphone</a:t>
-            </a:r>
-            <a:endParaRPr sz="1200" u="sng">
-              <a:latin typeface="Times New Roman"/>
-              <a:ea typeface="Times New Roman"/>
-              <a:cs typeface="Times New Roman"/>
-              <a:sym typeface="Times New Roman"/>
-            </a:endParaRPr>
-          </a:p>
-          <a:p>
-            <a:pPr indent="-304800" lvl="0" marL="457200" rtl="0" algn="l">
-              <a:spcBef>
-                <a:spcPts val="1200"/>
-              </a:spcBef>
-              <a:spcAft>
-                <a:spcPts val="0"/>
-              </a:spcAft>
-              <a:buSzPts val="1200"/>
-              <a:buFont typeface="Times New Roman"/>
-              <a:buChar char="●"/>
-            </a:pPr>
-            <a:r>
-              <a:rPr lang="ko" sz="1200">
-                <a:latin typeface="Times New Roman"/>
-                <a:ea typeface="Times New Roman"/>
-                <a:cs typeface="Times New Roman"/>
-                <a:sym typeface="Times New Roman"/>
-              </a:rPr>
-              <a:t>GPS, accelerometer, barometer, compass, gyroscope, proximity sensor</a:t>
-            </a:r>
-            <a:endParaRPr sz="1200">
-              <a:latin typeface="Times New Roman"/>
-              <a:ea typeface="Times New Roman"/>
-              <a:cs typeface="Times New Roman"/>
-              <a:sym typeface="Times New Roman"/>
-            </a:endParaRPr>
-          </a:p>
-          <a:p>
-            <a:pPr indent="0" lvl="0" marL="0" rtl="0" algn="l">
-              <a:spcBef>
-                <a:spcPts val="1200"/>
-              </a:spcBef>
-              <a:spcAft>
-                <a:spcPts val="0"/>
-              </a:spcAft>
-              <a:buNone/>
-            </a:pPr>
-            <a:r>
-              <a:t/>
-            </a:r>
-            <a:endParaRPr sz="1200">
-              <a:latin typeface="Times New Roman"/>
-              <a:ea typeface="Times New Roman"/>
-              <a:cs typeface="Times New Roman"/>
-              <a:sym typeface="Times New Roman"/>
-            </a:endParaRPr>
-          </a:p>
-          <a:p>
-            <a:pPr indent="0" lvl="0" marL="0" rtl="0" algn="l">
-              <a:spcBef>
-                <a:spcPts val="1200"/>
-              </a:spcBef>
-              <a:spcAft>
-                <a:spcPts val="0"/>
-              </a:spcAft>
-              <a:buNone/>
-            </a:pPr>
-            <a:r>
-              <a:rPr lang="ko" sz="1200" u="sng">
-                <a:latin typeface="Times New Roman"/>
-                <a:ea typeface="Times New Roman"/>
-                <a:cs typeface="Times New Roman"/>
-                <a:sym typeface="Times New Roman"/>
-              </a:rPr>
-              <a:t>Smartwatch</a:t>
-            </a:r>
-            <a:endParaRPr sz="1200">
-              <a:latin typeface="Times New Roman"/>
-              <a:ea typeface="Times New Roman"/>
-              <a:cs typeface="Times New Roman"/>
-              <a:sym typeface="Times New Roman"/>
-            </a:endParaRPr>
-          </a:p>
-          <a:p>
-            <a:pPr indent="-304800" lvl="0" marL="457200" rtl="0" algn="l">
-              <a:spcBef>
-                <a:spcPts val="1200"/>
-              </a:spcBef>
-              <a:spcAft>
-                <a:spcPts val="0"/>
-              </a:spcAft>
-              <a:buSzPts val="1200"/>
-              <a:buFont typeface="Times New Roman"/>
-              <a:buChar char="●"/>
-            </a:pPr>
-            <a:r>
-              <a:rPr lang="ko" sz="1200">
-                <a:latin typeface="Times New Roman"/>
-                <a:ea typeface="Times New Roman"/>
-                <a:cs typeface="Times New Roman"/>
-                <a:sym typeface="Times New Roman"/>
-              </a:rPr>
-              <a:t>Physical: heart rate, ECG, thermometer, pulse oximeter</a:t>
-            </a:r>
-            <a:endParaRPr sz="1200">
-              <a:latin typeface="Times New Roman"/>
-              <a:ea typeface="Times New Roman"/>
-              <a:cs typeface="Times New Roman"/>
-              <a:sym typeface="Times New Roman"/>
-            </a:endParaRPr>
-          </a:p>
-          <a:p>
-            <a:pPr indent="-304800" lvl="0" marL="457200" rtl="0" algn="l">
-              <a:spcBef>
-                <a:spcPts val="0"/>
-              </a:spcBef>
-              <a:spcAft>
-                <a:spcPts val="0"/>
-              </a:spcAft>
-              <a:buSzPts val="1200"/>
-              <a:buFont typeface="Times New Roman"/>
-              <a:buChar char="●"/>
-            </a:pPr>
-            <a:r>
-              <a:rPr lang="ko" sz="1200">
-                <a:latin typeface="Times New Roman"/>
-                <a:ea typeface="Times New Roman"/>
-                <a:cs typeface="Times New Roman"/>
-                <a:sym typeface="Times New Roman"/>
-              </a:rPr>
-              <a:t>External: accelerometer, barometer, compass, gyroscope, ambient light, GPS</a:t>
-            </a:r>
-            <a:endParaRPr sz="1200">
-              <a:latin typeface="Times New Roman"/>
-              <a:ea typeface="Times New Roman"/>
-              <a:cs typeface="Times New Roman"/>
-              <a:sym typeface="Times New Roman"/>
+            <a:endParaRPr dirty="0">
+              <a:latin typeface="Times New Roman" panose="02020603050405020304" pitchFamily="18" charset="0"/>
+              <a:cs typeface="Times New Roman" panose="02020603050405020304" pitchFamily="18" charset="0"/>
             </a:endParaRPr>
           </a:p>
         </p:txBody>
       </p:sp>
+      <mc:AlternateContent xmlns:mc="http://schemas.openxmlformats.org/markup-compatibility/2006">
+        <mc:Choice xmlns:a14="http://schemas.microsoft.com/office/drawing/2010/main" Requires="a14">
+          <p:sp>
+            <p:nvSpPr>
+              <p:cNvPr id="7" name="텍스트 개체 틀 2">
+                <a:extLst>
+                  <a:ext uri="{FF2B5EF4-FFF2-40B4-BE49-F238E27FC236}">
+                    <a16:creationId xmlns:a16="http://schemas.microsoft.com/office/drawing/2014/main" id="{357C201C-1D2E-4D5D-BF07-5B2ED2A7DAC3}"/>
+                  </a:ext>
+                </a:extLst>
+              </p:cNvPr>
+              <p:cNvSpPr>
+                <a:spLocks noGrp="1"/>
+              </p:cNvSpPr>
+              <p:nvPr>
+                <p:ph type="body" idx="1"/>
+              </p:nvPr>
+            </p:nvSpPr>
+            <p:spPr>
+              <a:xfrm>
+                <a:off x="311700" y="1017725"/>
+                <a:ext cx="8520600" cy="3967230"/>
+              </a:xfrm>
+            </p:spPr>
+            <p:txBody>
+              <a:bodyPr>
+                <a:noAutofit/>
+              </a:bodyPr>
+              <a:lstStyle/>
+              <a:p>
+                <a:pPr marL="285750" indent="-285750">
+                  <a:buFont typeface="Arial" panose="020B0604020202020204" pitchFamily="34" charset="0"/>
+                  <a:buChar char="•"/>
+                </a:pPr>
+                <a:r>
+                  <a:rPr lang="en-US" altLang="ko-KR" sz="1100" dirty="0">
+                    <a:latin typeface="Times New Roman" panose="02020603050405020304" pitchFamily="18" charset="0"/>
+                    <a:cs typeface="Times New Roman" panose="02020603050405020304" pitchFamily="18" charset="0"/>
+                  </a:rPr>
+                  <a:t>We have to use sensors to accurately measure the user’s speed </a:t>
+                </a:r>
+              </a:p>
+              <a:p>
+                <a:pPr marL="285750" indent="-285750">
+                  <a:buFont typeface="Arial" panose="020B0604020202020204" pitchFamily="34" charset="0"/>
+                  <a:buChar char="•"/>
+                </a:pPr>
+                <a:r>
+                  <a:rPr lang="en-US" altLang="ko-KR" sz="1100" dirty="0">
+                    <a:latin typeface="Times New Roman" panose="02020603050405020304" pitchFamily="18" charset="0"/>
+                    <a:cs typeface="Times New Roman" panose="02020603050405020304" pitchFamily="18" charset="0"/>
+                  </a:rPr>
+                  <a:t>Ideally, we want instantaneous speeds, not average speeds</a:t>
+                </a:r>
+              </a:p>
+              <a:p>
+                <a:pPr marL="285750" indent="-285750">
+                  <a:buFont typeface="Arial" panose="020B0604020202020204" pitchFamily="34" charset="0"/>
+                  <a:buChar char="•"/>
+                </a:pPr>
+                <a:r>
+                  <a:rPr lang="en-US" altLang="ko-KR" sz="1100" dirty="0">
+                    <a:latin typeface="Times New Roman" panose="02020603050405020304" pitchFamily="18" charset="0"/>
+                    <a:cs typeface="Times New Roman" panose="02020603050405020304" pitchFamily="18" charset="0"/>
+                  </a:rPr>
+                  <a:t>There are three possible ways </a:t>
+                </a:r>
+              </a:p>
+              <a:p>
+                <a:pPr marL="685800" lvl="1" indent="-228600">
+                  <a:buSzPct val="100000"/>
+                  <a:buFont typeface="+mj-lt"/>
+                  <a:buAutoNum type="arabicPeriod"/>
+                </a:pPr>
+                <a:r>
+                  <a:rPr lang="en-US" altLang="ko-KR" sz="1100" dirty="0">
+                    <a:latin typeface="Times New Roman" panose="02020603050405020304" pitchFamily="18" charset="0"/>
+                    <a:cs typeface="Times New Roman" panose="02020603050405020304" pitchFamily="18" charset="0"/>
+                  </a:rPr>
+                  <a:t>GPS</a:t>
+                </a:r>
+              </a:p>
+              <a:p>
+                <a:pPr marL="1143000" lvl="2" indent="-228600">
+                  <a:buFont typeface="Arial" panose="020B0604020202020204" pitchFamily="34" charset="0"/>
+                  <a:buChar char="•"/>
+                </a:pPr>
+                <a:r>
+                  <a:rPr lang="en-US" altLang="ko-KR" sz="1100" dirty="0">
+                    <a:latin typeface="Times New Roman" panose="02020603050405020304" pitchFamily="18" charset="0"/>
+                    <a:cs typeface="Times New Roman" panose="02020603050405020304" pitchFamily="18" charset="0"/>
+                  </a:rPr>
+                  <a:t>Included in Android GPS functionality</a:t>
+                </a:r>
+              </a:p>
+              <a:p>
+                <a:pPr marL="1143000" lvl="2" indent="-228600">
+                  <a:buFont typeface="Arial" panose="020B0604020202020204" pitchFamily="34" charset="0"/>
+                  <a:buChar char="•"/>
+                </a:pPr>
+                <a:r>
+                  <a:rPr lang="en-US" altLang="ko-KR" sz="1100" dirty="0">
+                    <a:latin typeface="Times New Roman" panose="02020603050405020304" pitchFamily="18" charset="0"/>
+                    <a:cs typeface="Times New Roman" panose="02020603050405020304" pitchFamily="18" charset="0"/>
+                  </a:rPr>
+                  <a:t>Speed = distance travelled/elapsed time, based on the coordinates from GPS</a:t>
+                </a:r>
+              </a:p>
+              <a:p>
+                <a:pPr marL="1143000" lvl="2" indent="-228600">
+                  <a:buFont typeface="Arial" panose="020B0604020202020204" pitchFamily="34" charset="0"/>
+                  <a:buChar char="•"/>
+                </a:pPr>
+                <a:r>
+                  <a:rPr lang="en-US" altLang="ko-KR" sz="1100" dirty="0">
+                    <a:latin typeface="Times New Roman" panose="02020603050405020304" pitchFamily="18" charset="0"/>
+                    <a:cs typeface="Times New Roman" panose="02020603050405020304" pitchFamily="18" charset="0"/>
+                  </a:rPr>
+                  <a:t>Not an instantaneous speed</a:t>
+                </a:r>
+              </a:p>
+              <a:p>
+                <a:pPr marL="1143000" lvl="2" indent="-228600">
+                  <a:buFont typeface="Arial" panose="020B0604020202020204" pitchFamily="34" charset="0"/>
+                  <a:buChar char="•"/>
+                </a:pPr>
+                <a:endParaRPr lang="en-US" altLang="ko-KR" sz="1100" dirty="0">
+                  <a:latin typeface="Times New Roman" panose="02020603050405020304" pitchFamily="18" charset="0"/>
+                  <a:cs typeface="Times New Roman" panose="02020603050405020304" pitchFamily="18" charset="0"/>
+                </a:endParaRPr>
+              </a:p>
+              <a:p>
+                <a:pPr marL="685800" lvl="1" indent="-228600">
+                  <a:buSzPct val="100000"/>
+                  <a:buFont typeface="+mj-lt"/>
+                  <a:buAutoNum type="arabicPeriod"/>
+                </a:pPr>
+                <a:r>
+                  <a:rPr lang="en-US" altLang="ko-KR" sz="1100" dirty="0">
+                    <a:latin typeface="Times New Roman" panose="02020603050405020304" pitchFamily="18" charset="0"/>
+                    <a:cs typeface="Times New Roman" panose="02020603050405020304" pitchFamily="18" charset="0"/>
+                  </a:rPr>
+                  <a:t>Step counter</a:t>
+                </a:r>
+              </a:p>
+              <a:p>
+                <a:pPr marL="1143000" lvl="2" indent="-228600">
+                  <a:buFont typeface="Arial" panose="020B0604020202020204" pitchFamily="34" charset="0"/>
+                  <a:buChar char="•"/>
+                </a:pPr>
+                <a:r>
+                  <a:rPr lang="en-US" altLang="ko-KR" sz="1100" dirty="0">
+                    <a:latin typeface="Times New Roman" panose="02020603050405020304" pitchFamily="18" charset="0"/>
+                    <a:cs typeface="Times New Roman" panose="02020603050405020304" pitchFamily="18" charset="0"/>
+                  </a:rPr>
+                  <a:t>Assume person’s stride and calculate the speed</a:t>
+                </a:r>
+              </a:p>
+              <a:p>
+                <a:pPr marL="1143000" lvl="2" indent="-228600">
+                  <a:buFont typeface="Arial" panose="020B0604020202020204" pitchFamily="34" charset="0"/>
+                  <a:buChar char="•"/>
+                </a:pPr>
+                <a:r>
+                  <a:rPr lang="en-US" altLang="ko-KR" sz="1100" dirty="0">
+                    <a:latin typeface="Times New Roman" panose="02020603050405020304" pitchFamily="18" charset="0"/>
+                    <a:cs typeface="Times New Roman" panose="02020603050405020304" pitchFamily="18" charset="0"/>
+                  </a:rPr>
+                  <a:t>Speed = step counts * strides / elapsed time</a:t>
+                </a:r>
+              </a:p>
+              <a:p>
+                <a:pPr marL="1143000" lvl="2" indent="-228600">
+                  <a:buFont typeface="Arial" panose="020B0604020202020204" pitchFamily="34" charset="0"/>
+                  <a:buChar char="•"/>
+                </a:pPr>
+                <a:r>
+                  <a:rPr lang="en-US" altLang="ko-KR" sz="1100" dirty="0">
+                    <a:latin typeface="Times New Roman" panose="02020603050405020304" pitchFamily="18" charset="0"/>
+                    <a:cs typeface="Times New Roman" panose="02020603050405020304" pitchFamily="18" charset="0"/>
+                  </a:rPr>
+                  <a:t>Not an instantaneous speed, highly dependent on strides</a:t>
+                </a:r>
+              </a:p>
+              <a:p>
+                <a:pPr marL="1143000" lvl="2" indent="-228600">
+                  <a:buFont typeface="Arial" panose="020B0604020202020204" pitchFamily="34" charset="0"/>
+                  <a:buChar char="•"/>
+                </a:pPr>
+                <a:endParaRPr lang="en-US" altLang="ko-KR" sz="1100" dirty="0">
+                  <a:latin typeface="Times New Roman" panose="02020603050405020304" pitchFamily="18" charset="0"/>
+                  <a:cs typeface="Times New Roman" panose="02020603050405020304" pitchFamily="18" charset="0"/>
+                </a:endParaRPr>
+              </a:p>
+              <a:p>
+                <a:pPr marL="685800" lvl="1" indent="-228600">
+                  <a:buSzPct val="100000"/>
+                  <a:buFont typeface="+mj-lt"/>
+                  <a:buAutoNum type="arabicPeriod"/>
+                </a:pPr>
+                <a:r>
+                  <a:rPr lang="en-US" altLang="ko-KR" sz="1100" dirty="0">
+                    <a:latin typeface="Times New Roman" panose="02020603050405020304" pitchFamily="18" charset="0"/>
+                    <a:cs typeface="Times New Roman" panose="02020603050405020304" pitchFamily="18" charset="0"/>
+                  </a:rPr>
+                  <a:t>Accelerometer</a:t>
+                </a:r>
+              </a:p>
+              <a:p>
+                <a:pPr marL="1085850" lvl="2" indent="-171450">
+                  <a:buFont typeface="Arial" panose="020B0604020202020204" pitchFamily="34" charset="0"/>
+                  <a:buChar char="•"/>
+                </a:pPr>
+                <a:r>
+                  <a:rPr lang="en-US" altLang="ko-KR" sz="1100" dirty="0">
+                    <a:latin typeface="Times New Roman" panose="02020603050405020304" pitchFamily="18" charset="0"/>
+                    <a:cs typeface="Times New Roman" panose="02020603050405020304" pitchFamily="18" charset="0"/>
+                  </a:rPr>
+                  <a:t>Use acceleration to compute the speed</a:t>
+                </a:r>
+              </a:p>
+              <a:p>
+                <a:pPr marL="914400" lvl="2" indent="0">
+                  <a:buNone/>
+                </a:pPr>
+                <a14:m>
+                  <m:oMathPara xmlns:m="http://schemas.openxmlformats.org/officeDocument/2006/math">
+                    <m:oMathParaPr>
+                      <m:jc m:val="centerGroup"/>
+                    </m:oMathParaPr>
+                    <m:oMath xmlns:m="http://schemas.openxmlformats.org/officeDocument/2006/math">
+                      <m:acc>
+                        <m:accPr>
+                          <m:chr m:val="⃗"/>
+                          <m:ctrlPr>
+                            <a:rPr lang="en-US" altLang="ko-KR" sz="1100" b="0" i="1" smtClean="0">
+                              <a:latin typeface="Cambria Math" panose="02040503050406030204" pitchFamily="18" charset="0"/>
+                            </a:rPr>
+                          </m:ctrlPr>
+                        </m:accPr>
+                        <m:e>
+                          <m:r>
+                            <a:rPr lang="en-US" altLang="ko-KR" sz="1100" b="0" i="1" smtClean="0">
+                              <a:latin typeface="Cambria Math" panose="02040503050406030204" pitchFamily="18" charset="0"/>
+                            </a:rPr>
+                            <m:t>𝑣</m:t>
+                          </m:r>
+                        </m:e>
+                      </m:acc>
+                      <m:d>
+                        <m:dPr>
+                          <m:ctrlPr>
+                            <a:rPr lang="en-US" altLang="ko-KR" sz="1100" b="0" i="1" dirty="0" smtClean="0">
+                              <a:latin typeface="Cambria Math" panose="02040503050406030204" pitchFamily="18" charset="0"/>
+                            </a:rPr>
+                          </m:ctrlPr>
+                        </m:dPr>
+                        <m:e>
+                          <m:r>
+                            <a:rPr lang="en-US" altLang="ko-KR" sz="1100" b="0" i="1" dirty="0" smtClean="0">
+                              <a:latin typeface="Cambria Math" panose="02040503050406030204" pitchFamily="18" charset="0"/>
+                            </a:rPr>
+                            <m:t>𝑡</m:t>
+                          </m:r>
+                        </m:e>
+                      </m:d>
+                      <m:r>
+                        <a:rPr lang="en-US" altLang="ko-KR" sz="1100" b="0" i="1" dirty="0" smtClean="0">
+                          <a:latin typeface="Cambria Math" panose="02040503050406030204" pitchFamily="18" charset="0"/>
+                        </a:rPr>
+                        <m:t>=</m:t>
+                      </m:r>
+                      <m:acc>
+                        <m:accPr>
+                          <m:chr m:val="⃗"/>
+                          <m:ctrlPr>
+                            <a:rPr lang="en-US" altLang="ko-KR" sz="1100" b="0" i="1" dirty="0" smtClean="0">
+                              <a:latin typeface="Cambria Math" panose="02040503050406030204" pitchFamily="18" charset="0"/>
+                            </a:rPr>
+                          </m:ctrlPr>
+                        </m:accPr>
+                        <m:e>
+                          <m:r>
+                            <a:rPr lang="en-US" altLang="ko-KR" sz="1100" b="0" i="1" dirty="0" smtClean="0">
+                              <a:latin typeface="Cambria Math" panose="02040503050406030204" pitchFamily="18" charset="0"/>
+                            </a:rPr>
+                            <m:t>𝑣</m:t>
+                          </m:r>
+                        </m:e>
+                      </m:acc>
+                      <m:d>
+                        <m:dPr>
+                          <m:ctrlPr>
+                            <a:rPr lang="en-US" altLang="ko-KR" sz="1100" b="0" i="1" dirty="0" smtClean="0">
+                              <a:latin typeface="Cambria Math" panose="02040503050406030204" pitchFamily="18" charset="0"/>
+                            </a:rPr>
+                          </m:ctrlPr>
+                        </m:dPr>
+                        <m:e>
+                          <m:r>
+                            <a:rPr lang="en-US" altLang="ko-KR" sz="1100" b="0" i="1" dirty="0" smtClean="0">
+                              <a:latin typeface="Cambria Math" panose="02040503050406030204" pitchFamily="18" charset="0"/>
+                            </a:rPr>
+                            <m:t>𝑡</m:t>
+                          </m:r>
+                          <m:r>
+                            <a:rPr lang="en-US" altLang="ko-KR" sz="1100" b="0" i="1" dirty="0" smtClean="0">
+                              <a:latin typeface="Cambria Math" panose="02040503050406030204" pitchFamily="18" charset="0"/>
+                            </a:rPr>
+                            <m:t>=</m:t>
+                          </m:r>
+                          <m:sSub>
+                            <m:sSubPr>
+                              <m:ctrlPr>
+                                <a:rPr lang="en-US" altLang="ko-KR" sz="1100" b="0" i="1" dirty="0" smtClean="0">
+                                  <a:latin typeface="Cambria Math" panose="02040503050406030204" pitchFamily="18" charset="0"/>
+                                </a:rPr>
+                              </m:ctrlPr>
+                            </m:sSubPr>
+                            <m:e>
+                              <m:r>
+                                <a:rPr lang="en-US" altLang="ko-KR" sz="1100" b="0" i="1" dirty="0" smtClean="0">
+                                  <a:latin typeface="Cambria Math" panose="02040503050406030204" pitchFamily="18" charset="0"/>
+                                </a:rPr>
+                                <m:t>𝑡</m:t>
+                              </m:r>
+                            </m:e>
+                            <m:sub>
+                              <m:r>
+                                <a:rPr lang="en-US" altLang="ko-KR" sz="1100" b="0" i="1" dirty="0" smtClean="0">
+                                  <a:latin typeface="Cambria Math" panose="02040503050406030204" pitchFamily="18" charset="0"/>
+                                </a:rPr>
+                                <m:t>𝑖</m:t>
+                              </m:r>
+                            </m:sub>
+                          </m:sSub>
+                        </m:e>
+                      </m:d>
+                      <m:r>
+                        <a:rPr lang="en-US" altLang="ko-KR" sz="1100" b="0" i="1" dirty="0" smtClean="0">
+                          <a:latin typeface="Cambria Math" panose="02040503050406030204" pitchFamily="18" charset="0"/>
+                        </a:rPr>
+                        <m:t>+</m:t>
+                      </m:r>
+                      <m:nary>
+                        <m:naryPr>
+                          <m:chr m:val="∑"/>
+                          <m:supHide m:val="on"/>
+                          <m:ctrlPr>
+                            <a:rPr lang="en-US" altLang="ko-KR" sz="1100" b="0" i="1" dirty="0" smtClean="0">
+                              <a:latin typeface="Cambria Math" panose="02040503050406030204" pitchFamily="18" charset="0"/>
+                            </a:rPr>
+                          </m:ctrlPr>
+                        </m:naryPr>
+                        <m:sub>
+                          <m:sSub>
+                            <m:sSubPr>
+                              <m:ctrlPr>
+                                <a:rPr lang="en-US" altLang="ko-KR" sz="1100" b="0" i="1" dirty="0" smtClean="0">
+                                  <a:latin typeface="Cambria Math" panose="02040503050406030204" pitchFamily="18" charset="0"/>
+                                </a:rPr>
+                              </m:ctrlPr>
+                            </m:sSubPr>
+                            <m:e>
+                              <m:r>
+                                <a:rPr lang="en-US" altLang="ko-KR" sz="1100" b="0" i="1" dirty="0" smtClean="0">
+                                  <a:latin typeface="Cambria Math" panose="02040503050406030204" pitchFamily="18" charset="0"/>
+                                </a:rPr>
+                                <m:t>𝑡</m:t>
+                              </m:r>
+                            </m:e>
+                            <m:sub>
+                              <m:r>
+                                <a:rPr lang="en-US" altLang="ko-KR" sz="1100" b="0" i="1" dirty="0" smtClean="0">
+                                  <a:latin typeface="Cambria Math" panose="02040503050406030204" pitchFamily="18" charset="0"/>
+                                </a:rPr>
+                                <m:t>𝑖</m:t>
+                              </m:r>
+                            </m:sub>
+                          </m:sSub>
+                          <m:r>
+                            <a:rPr lang="en-US" altLang="ko-KR" sz="1100" b="0" i="1" dirty="0" smtClean="0">
+                              <a:latin typeface="Cambria Math" panose="02040503050406030204" pitchFamily="18" charset="0"/>
+                            </a:rPr>
+                            <m:t>≤</m:t>
+                          </m:r>
+                          <m:sSub>
+                            <m:sSubPr>
+                              <m:ctrlPr>
+                                <a:rPr lang="en-US" altLang="ko-KR" sz="1100" b="0" i="1" dirty="0" smtClean="0">
+                                  <a:latin typeface="Cambria Math" panose="02040503050406030204" pitchFamily="18" charset="0"/>
+                                </a:rPr>
+                              </m:ctrlPr>
+                            </m:sSubPr>
+                            <m:e>
+                              <m:r>
+                                <a:rPr lang="en-US" altLang="ko-KR" sz="1100" b="0" i="1" dirty="0" smtClean="0">
+                                  <a:latin typeface="Cambria Math" panose="02040503050406030204" pitchFamily="18" charset="0"/>
+                                </a:rPr>
+                                <m:t>𝑡</m:t>
+                              </m:r>
+                            </m:e>
+                            <m:sub>
+                              <m:r>
+                                <a:rPr lang="en-US" altLang="ko-KR" sz="1100" b="0" i="1" dirty="0" smtClean="0">
+                                  <a:latin typeface="Cambria Math" panose="02040503050406030204" pitchFamily="18" charset="0"/>
+                                </a:rPr>
+                                <m:t>𝑗</m:t>
+                              </m:r>
+                            </m:sub>
+                          </m:sSub>
+                          <m:r>
+                            <a:rPr lang="en-US" altLang="ko-KR" sz="1100" b="0" i="1" dirty="0" smtClean="0">
+                              <a:latin typeface="Cambria Math" panose="02040503050406030204" pitchFamily="18" charset="0"/>
+                            </a:rPr>
+                            <m:t>&lt;</m:t>
+                          </m:r>
+                          <m:r>
+                            <a:rPr lang="en-US" altLang="ko-KR" sz="1100" b="0" i="1" dirty="0" smtClean="0">
+                              <a:latin typeface="Cambria Math" panose="02040503050406030204" pitchFamily="18" charset="0"/>
+                            </a:rPr>
+                            <m:t>𝑡</m:t>
+                          </m:r>
+                        </m:sub>
+                        <m:sup/>
+                        <m:e>
+                          <m:acc>
+                            <m:accPr>
+                              <m:chr m:val="⃗"/>
+                              <m:ctrlPr>
+                                <a:rPr lang="en-US" altLang="ko-KR" sz="1100" i="1" dirty="0" smtClean="0">
+                                  <a:latin typeface="Cambria Math" panose="02040503050406030204" pitchFamily="18" charset="0"/>
+                                </a:rPr>
+                              </m:ctrlPr>
+                            </m:accPr>
+                            <m:e>
+                              <m:r>
+                                <a:rPr lang="en-US" altLang="ko-KR" sz="1100" i="1" dirty="0">
+                                  <a:latin typeface="Cambria Math" panose="02040503050406030204" pitchFamily="18" charset="0"/>
+                                </a:rPr>
+                                <m:t>𝑎</m:t>
+                              </m:r>
+                            </m:e>
+                          </m:acc>
+                          <m:d>
+                            <m:dPr>
+                              <m:ctrlPr>
+                                <a:rPr lang="en-US" altLang="ko-KR" sz="1100" i="1" dirty="0" smtClean="0">
+                                  <a:latin typeface="Cambria Math" panose="02040503050406030204" pitchFamily="18" charset="0"/>
+                                </a:rPr>
+                              </m:ctrlPr>
+                            </m:dPr>
+                            <m:e>
+                              <m:sSub>
+                                <m:sSubPr>
+                                  <m:ctrlPr>
+                                    <a:rPr lang="en-US" altLang="ko-KR" sz="1100" i="1" dirty="0" smtClean="0">
+                                      <a:latin typeface="Cambria Math" panose="02040503050406030204" pitchFamily="18" charset="0"/>
+                                    </a:rPr>
+                                  </m:ctrlPr>
+                                </m:sSubPr>
+                                <m:e>
+                                  <m:r>
+                                    <a:rPr lang="en-US" altLang="ko-KR" sz="1100" i="1" dirty="0">
+                                      <a:latin typeface="Cambria Math" panose="02040503050406030204" pitchFamily="18" charset="0"/>
+                                    </a:rPr>
+                                    <m:t>𝑡</m:t>
+                                  </m:r>
+                                </m:e>
+                                <m:sub>
+                                  <m:r>
+                                    <a:rPr lang="en-US" altLang="ko-KR" sz="1100" i="1" dirty="0">
+                                      <a:latin typeface="Cambria Math" panose="02040503050406030204" pitchFamily="18" charset="0"/>
+                                    </a:rPr>
+                                    <m:t>𝑗</m:t>
+                                  </m:r>
+                                </m:sub>
+                              </m:sSub>
+                            </m:e>
+                          </m:d>
+                          <m:d>
+                            <m:dPr>
+                              <m:ctrlPr>
+                                <a:rPr lang="en-US" altLang="ko-KR" sz="1100" i="1" dirty="0" smtClean="0">
+                                  <a:latin typeface="Cambria Math" panose="02040503050406030204" pitchFamily="18" charset="0"/>
+                                </a:rPr>
+                              </m:ctrlPr>
+                            </m:dPr>
+                            <m:e>
+                              <m:sSub>
+                                <m:sSubPr>
+                                  <m:ctrlPr>
+                                    <a:rPr lang="en-US" altLang="ko-KR" sz="1100" i="1" dirty="0" smtClean="0">
+                                      <a:latin typeface="Cambria Math" panose="02040503050406030204" pitchFamily="18" charset="0"/>
+                                    </a:rPr>
+                                  </m:ctrlPr>
+                                </m:sSubPr>
+                                <m:e>
+                                  <m:r>
+                                    <a:rPr lang="en-US" altLang="ko-KR" sz="1100" i="1" dirty="0" smtClean="0">
+                                      <a:latin typeface="Cambria Math" panose="02040503050406030204" pitchFamily="18" charset="0"/>
+                                    </a:rPr>
+                                    <m:t>𝑡</m:t>
+                                  </m:r>
+                                </m:e>
+                                <m:sub>
+                                  <m:r>
+                                    <a:rPr lang="en-US" altLang="ko-KR" sz="1100" i="1" dirty="0" smtClean="0">
+                                      <a:latin typeface="Cambria Math" panose="02040503050406030204" pitchFamily="18" charset="0"/>
+                                    </a:rPr>
+                                    <m:t>𝑗</m:t>
+                                  </m:r>
+                                  <m:r>
+                                    <a:rPr lang="en-US" altLang="ko-KR" sz="1100" i="1" dirty="0" smtClean="0">
+                                      <a:latin typeface="Cambria Math" panose="02040503050406030204" pitchFamily="18" charset="0"/>
+                                    </a:rPr>
+                                    <m:t>+1</m:t>
+                                  </m:r>
+                                </m:sub>
+                              </m:sSub>
+                              <m:r>
+                                <a:rPr lang="en-US" altLang="ko-KR" sz="1100" i="1" dirty="0">
+                                  <a:latin typeface="Cambria Math" panose="02040503050406030204" pitchFamily="18" charset="0"/>
+                                </a:rPr>
+                                <m:t>-</m:t>
+                              </m:r>
+                              <m:sSub>
+                                <m:sSubPr>
+                                  <m:ctrlPr>
+                                    <a:rPr lang="en-US" altLang="ko-KR" sz="1100" i="1" dirty="0" smtClean="0">
+                                      <a:latin typeface="Cambria Math" panose="02040503050406030204" pitchFamily="18" charset="0"/>
+                                    </a:rPr>
+                                  </m:ctrlPr>
+                                </m:sSubPr>
+                                <m:e>
+                                  <m:r>
+                                    <a:rPr lang="en-US" altLang="ko-KR" sz="1100" i="1" dirty="0">
+                                      <a:latin typeface="Cambria Math" panose="02040503050406030204" pitchFamily="18" charset="0"/>
+                                    </a:rPr>
+                                    <m:t>𝑡</m:t>
+                                  </m:r>
+                                </m:e>
+                                <m:sub>
+                                  <m:r>
+                                    <a:rPr lang="en-US" altLang="ko-KR" sz="1100" i="1" dirty="0">
+                                      <a:latin typeface="Cambria Math" panose="02040503050406030204" pitchFamily="18" charset="0"/>
+                                    </a:rPr>
+                                    <m:t>𝑗</m:t>
+                                  </m:r>
+                                </m:sub>
+                              </m:sSub>
+                            </m:e>
+                          </m:d>
+                        </m:e>
+                      </m:nary>
+                    </m:oMath>
+                  </m:oMathPara>
+                </a14:m>
+                <a:endParaRPr lang="en-US" altLang="ko-KR" sz="1100" i="1" dirty="0">
+                  <a:latin typeface="Times New Roman" panose="02020603050405020304" pitchFamily="18" charset="0"/>
+                  <a:cs typeface="Times New Roman" panose="02020603050405020304" pitchFamily="18" charset="0"/>
+                </a:endParaRPr>
+              </a:p>
+              <a:p>
+                <a:pPr marL="914400" lvl="2" indent="0">
+                  <a:buNone/>
+                </a:pPr>
+                <a:endParaRPr lang="en-US" altLang="ko-KR" sz="1100" i="1" dirty="0">
+                  <a:latin typeface="Times New Roman" panose="02020603050405020304" pitchFamily="18" charset="0"/>
+                  <a:cs typeface="Times New Roman" panose="02020603050405020304" pitchFamily="18" charset="0"/>
+                </a:endParaRPr>
+              </a:p>
+              <a:p>
+                <a:pPr marL="1085850" lvl="2" indent="-171450">
+                  <a:buFont typeface="Arial" panose="020B0604020202020204" pitchFamily="34" charset="0"/>
+                  <a:buChar char="•"/>
+                </a:pPr>
+                <a:r>
+                  <a:rPr lang="en-US" altLang="ko-KR" sz="1100" dirty="0">
+                    <a:latin typeface="Times New Roman" panose="02020603050405020304" pitchFamily="18" charset="0"/>
+                    <a:cs typeface="Times New Roman" panose="02020603050405020304" pitchFamily="18" charset="0"/>
+                  </a:rPr>
+                  <a:t>Instantaneous speed, but need to check the accuracy</a:t>
+                </a:r>
+              </a:p>
+              <a:p>
+                <a:pPr marL="914400" lvl="2" indent="0">
+                  <a:buNone/>
+                </a:pPr>
+                <a:endParaRPr lang="en-US" altLang="ko-KR" sz="1100" dirty="0">
+                  <a:latin typeface="Times New Roman" panose="02020603050405020304" pitchFamily="18" charset="0"/>
+                  <a:cs typeface="Times New Roman" panose="02020603050405020304" pitchFamily="18" charset="0"/>
+                </a:endParaRPr>
+              </a:p>
+              <a:p>
+                <a:pPr>
+                  <a:buFont typeface="Arial" panose="020B0604020202020204" pitchFamily="34" charset="0"/>
+                  <a:buChar char="•"/>
+                </a:pPr>
+                <a:endParaRPr lang="ko-KR" altLang="en-US" sz="1100" dirty="0">
+                  <a:latin typeface="Times New Roman" panose="02020603050405020304" pitchFamily="18" charset="0"/>
+                  <a:cs typeface="Times New Roman" panose="02020603050405020304" pitchFamily="18" charset="0"/>
+                </a:endParaRPr>
+              </a:p>
+            </p:txBody>
+          </p:sp>
+        </mc:Choice>
+        <mc:Fallback>
+          <p:sp>
+            <p:nvSpPr>
+              <p:cNvPr id="7" name="텍스트 개체 틀 2">
+                <a:extLst>
+                  <a:ext uri="{FF2B5EF4-FFF2-40B4-BE49-F238E27FC236}">
+                    <a16:creationId xmlns:a16="http://schemas.microsoft.com/office/drawing/2014/main" id="{357C201C-1D2E-4D5D-BF07-5B2ED2A7DAC3}"/>
+                  </a:ext>
+                </a:extLst>
+              </p:cNvPr>
+              <p:cNvSpPr>
+                <a:spLocks noGrp="1" noRot="1" noChangeAspect="1" noMove="1" noResize="1" noEditPoints="1" noAdjustHandles="1" noChangeArrowheads="1" noChangeShapeType="1" noTextEdit="1"/>
+              </p:cNvSpPr>
+              <p:nvPr>
+                <p:ph type="body" idx="1"/>
+              </p:nvPr>
+            </p:nvSpPr>
+            <p:spPr>
+              <a:xfrm>
+                <a:off x="311700" y="1017725"/>
+                <a:ext cx="8520600" cy="3967230"/>
+              </a:xfrm>
+              <a:blipFill>
+                <a:blip r:embed="rId3"/>
+                <a:stretch>
+                  <a:fillRect l="-429" t="-922" b="-8602"/>
+                </a:stretch>
+              </a:blipFill>
+            </p:spPr>
+            <p:txBody>
+              <a:bodyPr/>
+              <a:lstStyle/>
+              <a:p>
+                <a:r>
+                  <a:rPr lang="ko-KR" altLang="en-US">
+                    <a:noFill/>
+                  </a:rPr>
+                  <a:t> </a:t>
+                </a:r>
+              </a:p>
+            </p:txBody>
+          </p:sp>
+        </mc:Fallback>
+      </mc:AlternateContent>
     </p:spTree>
   </p:cSld>
   <p:clrMapOvr>
@@ -9059,11 +9988,11 @@
 </file>
 
 <file path=ppt/slides/slide8.xml><?xml version="1.0" encoding="utf-8"?>
-<p:sld xmlns:a="http://schemas.openxmlformats.org/drawingml/2006/main" xmlns:r="http://schemas.openxmlformats.org/officeDocument/2006/relationships" xmlns:mc="http://schemas.openxmlformats.org/markup-compatibility/2006" xmlns:mv="urn:schemas-microsoft-com:mac:vml" xmlns:p="http://schemas.openxmlformats.org/presentationml/2006/main" xmlns:c="http://schemas.openxmlformats.org/drawingml/2006/chart" xmlns:dgm="http://schemas.openxmlformats.org/drawingml/2006/diagram" xmlns:o="urn:schemas-microsoft-com:office:office" xmlns:v="urn:schemas-microsoft-com:vml" xmlns:pvml="urn:schemas-microsoft-com:office:powerpoint" xmlns:com="http://schemas.openxmlformats.org/drawingml/2006/compatibility" xmlns:p14="http://schemas.microsoft.com/office/powerpoint/2010/main" xmlns:p15="http://schemas.microsoft.com/office/powerpoint/2012/main" xmlns:ahyp="http://schemas.microsoft.com/office/drawing/2018/hyperlinkcolor">
+<p:sld xmlns:a="http://schemas.openxmlformats.org/drawingml/2006/main" xmlns:r="http://schemas.openxmlformats.org/officeDocument/2006/relationships" xmlns:p="http://schemas.openxmlformats.org/presentationml/2006/main">
   <p:cSld>
     <p:spTree>
       <p:nvGrpSpPr>
-        <p:cNvPr id="112" name="Shape 112"/>
+        <p:cNvPr id="1" name="Shape 112"/>
         <p:cNvGrpSpPr/>
         <p:nvPr/>
       </p:nvGrpSpPr>
@@ -9078,7 +10007,9 @@
       <p:sp>
         <p:nvSpPr>
           <p:cNvPr id="113" name="Google Shape;113;p20"/>
-          <p:cNvSpPr txBox="1"/>
+          <p:cNvSpPr txBox="1">
+            <a:spLocks noGrp="1"/>
+          </p:cNvSpPr>
           <p:nvPr>
             <p:ph type="title"/>
           </p:nvPr>
@@ -9093,12 +10024,12 @@
           </a:prstGeom>
         </p:spPr>
         <p:txBody>
-          <a:bodyPr anchorCtr="0" anchor="t" bIns="91425" lIns="91425" spcFirstLastPara="1" rIns="91425" wrap="square" tIns="91425">
+          <a:bodyPr spcFirstLastPara="1" wrap="square" lIns="91425" tIns="91425" rIns="91425" bIns="91425" anchor="t" anchorCtr="0">
             <a:normAutofit fontScale="90000"/>
           </a:bodyPr>
           <a:lstStyle/>
           <a:p>
-            <a:pPr indent="0" lvl="0" marL="0" rtl="0" algn="l">
+            <a:pPr marL="0" lvl="0" indent="0" algn="l" rtl="0">
               <a:spcBef>
                 <a:spcPts val="0"/>
               </a:spcBef>
@@ -9108,19 +10039,27 @@
               <a:buNone/>
             </a:pPr>
             <a:r>
-              <a:rPr lang="ko"/>
+              <a:rPr lang="ko" dirty="0">
+                <a:latin typeface="Times New Roman" panose="02020603050405020304" pitchFamily="18" charset="0"/>
+                <a:cs typeface="Times New Roman" panose="02020603050405020304" pitchFamily="18" charset="0"/>
+              </a:rPr>
               <a:t>Planning</a:t>
             </a:r>
-            <a:endParaRPr/>
+            <a:endParaRPr dirty="0">
+              <a:latin typeface="Times New Roman" panose="02020603050405020304" pitchFamily="18" charset="0"/>
+              <a:cs typeface="Times New Roman" panose="02020603050405020304" pitchFamily="18" charset="0"/>
+            </a:endParaRPr>
           </a:p>
         </p:txBody>
       </p:sp>
       <p:sp>
         <p:nvSpPr>
           <p:cNvPr id="114" name="Google Shape;114;p20"/>
-          <p:cNvSpPr txBox="1"/>
+          <p:cNvSpPr txBox="1">
+            <a:spLocks noGrp="1"/>
+          </p:cNvSpPr>
           <p:nvPr>
-            <p:ph idx="1" type="body"/>
+            <p:ph type="body" idx="1"/>
           </p:nvPr>
         </p:nvSpPr>
         <p:spPr>
@@ -9133,12 +10072,12 @@
           </a:prstGeom>
         </p:spPr>
         <p:txBody>
-          <a:bodyPr anchorCtr="0" anchor="t" bIns="91425" lIns="91425" spcFirstLastPara="1" rIns="91425" wrap="square" tIns="91425">
+          <a:bodyPr spcFirstLastPara="1" wrap="square" lIns="91425" tIns="91425" rIns="91425" bIns="91425" anchor="t" anchorCtr="0">
             <a:normAutofit/>
           </a:bodyPr>
           <a:lstStyle/>
           <a:p>
-            <a:pPr indent="0" lvl="0" marL="0" rtl="0" algn="l">
+            <a:pPr marL="0" lvl="0" indent="0" algn="l" rtl="0">
               <a:spcBef>
                 <a:spcPts val="0"/>
               </a:spcBef>
@@ -9147,9 +10086,6 @@
               </a:spcAft>
               <a:buNone/>
             </a:pPr>
-            <a:r>
-              <a:t/>
-            </a:r>
             <a:endParaRPr/>
           </a:p>
         </p:txBody>
@@ -9164,7 +10100,7 @@
           <a:blip r:embed="rId3">
             <a:alphaModFix/>
           </a:blip>
-          <a:srcRect b="31692" l="1457" r="1379" t="32087"/>
+          <a:srcRect l="1457" t="32087" r="1379" b="31692"/>
           <a:stretch/>
         </p:blipFill>
         <p:spPr>
@@ -9190,7 +10126,7 @@
 </file>
 
 <file path=ppt/theme/theme1.xml><?xml version="1.0" encoding="utf-8"?>
-<a:theme xmlns:a="http://schemas.openxmlformats.org/drawingml/2006/main" xmlns:r="http://schemas.openxmlformats.org/officeDocument/2006/relationships" name="Simple Light">
+<a:theme xmlns:a="http://schemas.openxmlformats.org/drawingml/2006/main" name="Simple Light">
   <a:themeElements>
     <a:clrScheme name="Simple Light">
       <a:dk1>
@@ -9465,11 +10401,13 @@
       </a:bgFillStyleLst>
     </a:fmtScheme>
   </a:themeElements>
+  <a:objectDefaults/>
+  <a:extraClrSchemeLst/>
 </a:theme>
 </file>
 
 <file path=ppt/theme/theme2.xml><?xml version="1.0" encoding="utf-8"?>
-<a:theme xmlns:a="http://schemas.openxmlformats.org/drawingml/2006/main" xmlns:r="http://schemas.openxmlformats.org/officeDocument/2006/relationships">
+<a:theme xmlns:a="http://schemas.openxmlformats.org/drawingml/2006/main">
   <a:themeElements>
     <a:clrScheme name="Default">
       <a:dk1>
@@ -9744,5 +10682,7 @@
       </a:bgFillStyleLst>
     </a:fmtScheme>
   </a:themeElements>
+  <a:objectDefaults/>
+  <a:extraClrSchemeLst/>
 </a:theme>
 </file>